--- a/BaroAngEditor/BaroAngEditor/bin/Debug/Lines.pptx
+++ b/BaroAngEditor/BaroAngEditor/bin/Debug/Lines.pptx
@@ -5,19 +5,17 @@
     <p:sldMasterId id="2147483648" r:id="rId1"/>
   </p:sldMasterIdLst>
   <p:notesMasterIdLst>
-    <p:notesMasterId r:id="rId12"/>
+    <p:notesMasterId r:id="rId10"/>
   </p:notesMasterIdLst>
   <p:sldIdLst>
     <p:sldId id="256" r:id="rId2"/>
     <p:sldId id="257" r:id="rId3"/>
     <p:sldId id="258" r:id="rId4"/>
     <p:sldId id="259" r:id="rId5"/>
-    <p:sldId id="262" r:id="rId6"/>
-    <p:sldId id="263" r:id="rId7"/>
-    <p:sldId id="261" r:id="rId8"/>
-    <p:sldId id="260" r:id="rId9"/>
-    <p:sldId id="265" r:id="rId10"/>
-    <p:sldId id="264" r:id="rId11"/>
+    <p:sldId id="263" r:id="rId6"/>
+    <p:sldId id="260" r:id="rId7"/>
+    <p:sldId id="265" r:id="rId8"/>
+    <p:sldId id="264" r:id="rId9"/>
   </p:sldIdLst>
   <p:sldSz cx="12192000" cy="6858000"/>
   <p:notesSz cx="6858000" cy="9144000"/>
@@ -209,7 +207,7 @@
           <a:p>
             <a:fld id="{F0D6F240-792E-4744-907A-4AD372E8111A}" type="datetimeFigureOut">
               <a:rPr lang="zh-CN" altLang="en-US" smtClean="0"/>
-              <a:t>2023/3/16</a:t>
+              <a:t>2023/4/20</a:t>
             </a:fld>
             <a:endParaRPr lang="zh-CN" altLang="en-US"/>
           </a:p>
@@ -635,7 +633,7 @@
     </p:spTree>
     <p:extLst>
       <p:ext uri="{BB962C8B-B14F-4D97-AF65-F5344CB8AC3E}">
-        <p14:creationId xmlns:p14="http://schemas.microsoft.com/office/powerpoint/2010/main" val="1692677262"/>
+        <p14:creationId xmlns:p14="http://schemas.microsoft.com/office/powerpoint/2010/main" val="1463824725"/>
       </p:ext>
     </p:extLst>
   </p:cSld>
@@ -719,7 +717,7 @@
     </p:spTree>
     <p:extLst>
       <p:ext uri="{BB962C8B-B14F-4D97-AF65-F5344CB8AC3E}">
-        <p14:creationId xmlns:p14="http://schemas.microsoft.com/office/powerpoint/2010/main" val="1463824725"/>
+        <p14:creationId xmlns:p14="http://schemas.microsoft.com/office/powerpoint/2010/main" val="989840661"/>
       </p:ext>
     </p:extLst>
   </p:cSld>
@@ -803,7 +801,7 @@
     </p:spTree>
     <p:extLst>
       <p:ext uri="{BB962C8B-B14F-4D97-AF65-F5344CB8AC3E}">
-        <p14:creationId xmlns:p14="http://schemas.microsoft.com/office/powerpoint/2010/main" val="534496608"/>
+        <p14:creationId xmlns:p14="http://schemas.microsoft.com/office/powerpoint/2010/main" val="2923021423"/>
       </p:ext>
     </p:extLst>
   </p:cSld>
@@ -879,174 +877,6 @@
             <a:fld id="{3721B41D-071C-4B26-91B9-D1ABCFF5DBD1}" type="slidenum">
               <a:rPr lang="zh-CN" altLang="en-US" smtClean="0"/>
               <a:t>8</a:t>
-            </a:fld>
-            <a:endParaRPr lang="zh-CN" altLang="en-US"/>
-          </a:p>
-        </p:txBody>
-      </p:sp>
-    </p:spTree>
-    <p:extLst>
-      <p:ext uri="{BB962C8B-B14F-4D97-AF65-F5344CB8AC3E}">
-        <p14:creationId xmlns:p14="http://schemas.microsoft.com/office/powerpoint/2010/main" val="989840661"/>
-      </p:ext>
-    </p:extLst>
-  </p:cSld>
-  <p:clrMapOvr>
-    <a:masterClrMapping/>
-  </p:clrMapOvr>
-</p:notes>
-</file>
-
-<file path=ppt/notesSlides/notesSlide6.xml><?xml version="1.0" encoding="utf-8"?>
-<p:notes xmlns:a="http://schemas.openxmlformats.org/drawingml/2006/main" xmlns:r="http://schemas.openxmlformats.org/officeDocument/2006/relationships" xmlns:p="http://schemas.openxmlformats.org/presentationml/2006/main">
-  <p:cSld>
-    <p:spTree>
-      <p:nvGrpSpPr>
-        <p:cNvPr id="1" name=""/>
-        <p:cNvGrpSpPr/>
-        <p:nvPr/>
-      </p:nvGrpSpPr>
-      <p:grpSpPr>
-        <a:xfrm>
-          <a:off x="0" y="0"/>
-          <a:ext cx="0" cy="0"/>
-          <a:chOff x="0" y="0"/>
-          <a:chExt cx="0" cy="0"/>
-        </a:xfrm>
-      </p:grpSpPr>
-      <p:sp>
-        <p:nvSpPr>
-          <p:cNvPr id="2" name="幻灯片图像占位符 1"/>
-          <p:cNvSpPr>
-            <a:spLocks noGrp="1" noRot="1" noChangeAspect="1"/>
-          </p:cNvSpPr>
-          <p:nvPr>
-            <p:ph type="sldImg"/>
-          </p:nvPr>
-        </p:nvSpPr>
-        <p:spPr/>
-      </p:sp>
-      <p:sp>
-        <p:nvSpPr>
-          <p:cNvPr id="3" name="备注占位符 2"/>
-          <p:cNvSpPr>
-            <a:spLocks noGrp="1"/>
-          </p:cNvSpPr>
-          <p:nvPr>
-            <p:ph type="body" idx="1"/>
-          </p:nvPr>
-        </p:nvSpPr>
-        <p:spPr/>
-        <p:txBody>
-          <a:bodyPr/>
-          <a:lstStyle/>
-          <a:p>
-            <a:endParaRPr lang="zh-CN" altLang="en-US"/>
-          </a:p>
-        </p:txBody>
-      </p:sp>
-      <p:sp>
-        <p:nvSpPr>
-          <p:cNvPr id="4" name="灯片编号占位符 3"/>
-          <p:cNvSpPr>
-            <a:spLocks noGrp="1"/>
-          </p:cNvSpPr>
-          <p:nvPr>
-            <p:ph type="sldNum" sz="quarter" idx="10"/>
-          </p:nvPr>
-        </p:nvSpPr>
-        <p:spPr/>
-        <p:txBody>
-          <a:bodyPr/>
-          <a:lstStyle/>
-          <a:p>
-            <a:fld id="{3721B41D-071C-4B26-91B9-D1ABCFF5DBD1}" type="slidenum">
-              <a:rPr lang="zh-CN" altLang="en-US" smtClean="0"/>
-              <a:t>9</a:t>
-            </a:fld>
-            <a:endParaRPr lang="zh-CN" altLang="en-US"/>
-          </a:p>
-        </p:txBody>
-      </p:sp>
-    </p:spTree>
-    <p:extLst>
-      <p:ext uri="{BB962C8B-B14F-4D97-AF65-F5344CB8AC3E}">
-        <p14:creationId xmlns:p14="http://schemas.microsoft.com/office/powerpoint/2010/main" val="2923021423"/>
-      </p:ext>
-    </p:extLst>
-  </p:cSld>
-  <p:clrMapOvr>
-    <a:masterClrMapping/>
-  </p:clrMapOvr>
-</p:notes>
-</file>
-
-<file path=ppt/notesSlides/notesSlide7.xml><?xml version="1.0" encoding="utf-8"?>
-<p:notes xmlns:a="http://schemas.openxmlformats.org/drawingml/2006/main" xmlns:r="http://schemas.openxmlformats.org/officeDocument/2006/relationships" xmlns:p="http://schemas.openxmlformats.org/presentationml/2006/main">
-  <p:cSld>
-    <p:spTree>
-      <p:nvGrpSpPr>
-        <p:cNvPr id="1" name=""/>
-        <p:cNvGrpSpPr/>
-        <p:nvPr/>
-      </p:nvGrpSpPr>
-      <p:grpSpPr>
-        <a:xfrm>
-          <a:off x="0" y="0"/>
-          <a:ext cx="0" cy="0"/>
-          <a:chOff x="0" y="0"/>
-          <a:chExt cx="0" cy="0"/>
-        </a:xfrm>
-      </p:grpSpPr>
-      <p:sp>
-        <p:nvSpPr>
-          <p:cNvPr id="2" name="幻灯片图像占位符 1"/>
-          <p:cNvSpPr>
-            <a:spLocks noGrp="1" noRot="1" noChangeAspect="1"/>
-          </p:cNvSpPr>
-          <p:nvPr>
-            <p:ph type="sldImg"/>
-          </p:nvPr>
-        </p:nvSpPr>
-        <p:spPr/>
-      </p:sp>
-      <p:sp>
-        <p:nvSpPr>
-          <p:cNvPr id="3" name="备注占位符 2"/>
-          <p:cNvSpPr>
-            <a:spLocks noGrp="1"/>
-          </p:cNvSpPr>
-          <p:nvPr>
-            <p:ph type="body" idx="1"/>
-          </p:nvPr>
-        </p:nvSpPr>
-        <p:spPr/>
-        <p:txBody>
-          <a:bodyPr/>
-          <a:lstStyle/>
-          <a:p>
-            <a:endParaRPr lang="zh-CN" altLang="en-US"/>
-          </a:p>
-        </p:txBody>
-      </p:sp>
-      <p:sp>
-        <p:nvSpPr>
-          <p:cNvPr id="4" name="灯片编号占位符 3"/>
-          <p:cNvSpPr>
-            <a:spLocks noGrp="1"/>
-          </p:cNvSpPr>
-          <p:nvPr>
-            <p:ph type="sldNum" sz="quarter" idx="10"/>
-          </p:nvPr>
-        </p:nvSpPr>
-        <p:spPr/>
-        <p:txBody>
-          <a:bodyPr/>
-          <a:lstStyle/>
-          <a:p>
-            <a:fld id="{3721B41D-071C-4B26-91B9-D1ABCFF5DBD1}" type="slidenum">
-              <a:rPr lang="zh-CN" altLang="en-US" smtClean="0"/>
-              <a:t>10</a:t>
             </a:fld>
             <a:endParaRPr lang="zh-CN" altLang="en-US"/>
           </a:p>
@@ -1196,7 +1026,7 @@
           <a:p>
             <a:fld id="{EC490B39-3A65-4F7E-9267-FA0838AB48F0}" type="datetimeFigureOut">
               <a:rPr lang="zh-CN" altLang="en-US" smtClean="0"/>
-              <a:t>2023/3/16</a:t>
+              <a:t>2023/4/20</a:t>
             </a:fld>
             <a:endParaRPr lang="zh-CN" altLang="en-US"/>
           </a:p>
@@ -1366,7 +1196,7 @@
           <a:p>
             <a:fld id="{EC490B39-3A65-4F7E-9267-FA0838AB48F0}" type="datetimeFigureOut">
               <a:rPr lang="zh-CN" altLang="en-US" smtClean="0"/>
-              <a:t>2023/3/16</a:t>
+              <a:t>2023/4/20</a:t>
             </a:fld>
             <a:endParaRPr lang="zh-CN" altLang="en-US"/>
           </a:p>
@@ -1546,7 +1376,7 @@
           <a:p>
             <a:fld id="{EC490B39-3A65-4F7E-9267-FA0838AB48F0}" type="datetimeFigureOut">
               <a:rPr lang="zh-CN" altLang="en-US" smtClean="0"/>
-              <a:t>2023/3/16</a:t>
+              <a:t>2023/4/20</a:t>
             </a:fld>
             <a:endParaRPr lang="zh-CN" altLang="en-US"/>
           </a:p>
@@ -1716,7 +1546,7 @@
           <a:p>
             <a:fld id="{EC490B39-3A65-4F7E-9267-FA0838AB48F0}" type="datetimeFigureOut">
               <a:rPr lang="zh-CN" altLang="en-US" smtClean="0"/>
-              <a:t>2023/3/16</a:t>
+              <a:t>2023/4/20</a:t>
             </a:fld>
             <a:endParaRPr lang="zh-CN" altLang="en-US"/>
           </a:p>
@@ -1962,7 +1792,7 @@
           <a:p>
             <a:fld id="{EC490B39-3A65-4F7E-9267-FA0838AB48F0}" type="datetimeFigureOut">
               <a:rPr lang="zh-CN" altLang="en-US" smtClean="0"/>
-              <a:t>2023/3/16</a:t>
+              <a:t>2023/4/20</a:t>
             </a:fld>
             <a:endParaRPr lang="zh-CN" altLang="en-US"/>
           </a:p>
@@ -2194,7 +2024,7 @@
           <a:p>
             <a:fld id="{EC490B39-3A65-4F7E-9267-FA0838AB48F0}" type="datetimeFigureOut">
               <a:rPr lang="zh-CN" altLang="en-US" smtClean="0"/>
-              <a:t>2023/3/16</a:t>
+              <a:t>2023/4/20</a:t>
             </a:fld>
             <a:endParaRPr lang="zh-CN" altLang="en-US"/>
           </a:p>
@@ -2561,7 +2391,7 @@
           <a:p>
             <a:fld id="{EC490B39-3A65-4F7E-9267-FA0838AB48F0}" type="datetimeFigureOut">
               <a:rPr lang="zh-CN" altLang="en-US" smtClean="0"/>
-              <a:t>2023/3/16</a:t>
+              <a:t>2023/4/20</a:t>
             </a:fld>
             <a:endParaRPr lang="zh-CN" altLang="en-US"/>
           </a:p>
@@ -2679,7 +2509,7 @@
           <a:p>
             <a:fld id="{EC490B39-3A65-4F7E-9267-FA0838AB48F0}" type="datetimeFigureOut">
               <a:rPr lang="zh-CN" altLang="en-US" smtClean="0"/>
-              <a:t>2023/3/16</a:t>
+              <a:t>2023/4/20</a:t>
             </a:fld>
             <a:endParaRPr lang="zh-CN" altLang="en-US"/>
           </a:p>
@@ -2774,7 +2604,7 @@
           <a:p>
             <a:fld id="{EC490B39-3A65-4F7E-9267-FA0838AB48F0}" type="datetimeFigureOut">
               <a:rPr lang="zh-CN" altLang="en-US" smtClean="0"/>
-              <a:t>2023/3/16</a:t>
+              <a:t>2023/4/20</a:t>
             </a:fld>
             <a:endParaRPr lang="zh-CN" altLang="en-US"/>
           </a:p>
@@ -3051,7 +2881,7 @@
           <a:p>
             <a:fld id="{EC490B39-3A65-4F7E-9267-FA0838AB48F0}" type="datetimeFigureOut">
               <a:rPr lang="zh-CN" altLang="en-US" smtClean="0"/>
-              <a:t>2023/3/16</a:t>
+              <a:t>2023/4/20</a:t>
             </a:fld>
             <a:endParaRPr lang="zh-CN" altLang="en-US"/>
           </a:p>
@@ -3304,7 +3134,7 @@
           <a:p>
             <a:fld id="{EC490B39-3A65-4F7E-9267-FA0838AB48F0}" type="datetimeFigureOut">
               <a:rPr lang="zh-CN" altLang="en-US" smtClean="0"/>
-              <a:t>2023/3/16</a:t>
+              <a:t>2023/4/20</a:t>
             </a:fld>
             <a:endParaRPr lang="zh-CN" altLang="en-US"/>
           </a:p>
@@ -3517,7 +3347,7 @@
           <a:p>
             <a:fld id="{EC490B39-3A65-4F7E-9267-FA0838AB48F0}" type="datetimeFigureOut">
               <a:rPr lang="zh-CN" altLang="en-US" smtClean="0"/>
-              <a:t>2023/3/16</a:t>
+              <a:t>2023/4/20</a:t>
             </a:fld>
             <a:endParaRPr lang="zh-CN" altLang="en-US"/>
           </a:p>
@@ -3995,7 +3825,7 @@
             <a:avLst/>
           </a:prstGeom>
           <a:noFill/>
-          <a:ln>
+          <a:ln w="19050">
             <a:solidFill>
               <a:schemeClr val="tx1"/>
             </a:solidFill>
@@ -4053,7 +3883,7 @@
             <a:avLst/>
           </a:prstGeom>
           <a:noFill/>
-          <a:ln>
+          <a:ln w="19050">
             <a:solidFill>
               <a:schemeClr val="tx1"/>
             </a:solidFill>
@@ -4111,7 +3941,7 @@
             <a:avLst/>
           </a:prstGeom>
           <a:noFill/>
-          <a:ln>
+          <a:ln w="19050">
             <a:solidFill>
               <a:schemeClr val="tx1"/>
             </a:solidFill>
@@ -4169,7 +3999,7 @@
             <a:avLst/>
           </a:prstGeom>
           <a:noFill/>
-          <a:ln>
+          <a:ln w="19050">
             <a:solidFill>
               <a:schemeClr val="tx1"/>
             </a:solidFill>
@@ -4229,7 +4059,7 @@
           <a:prstGeom prst="straightConnector1">
             <a:avLst/>
           </a:prstGeom>
-          <a:ln>
+          <a:ln w="19050">
             <a:tailEnd type="triangle"/>
           </a:ln>
         </p:spPr>
@@ -4265,7 +4095,7 @@
           <a:prstGeom prst="straightConnector1">
             <a:avLst/>
           </a:prstGeom>
-          <a:ln>
+          <a:ln w="19050">
             <a:tailEnd type="triangle"/>
           </a:ln>
         </p:spPr>
@@ -4301,7 +4131,7 @@
           <a:prstGeom prst="straightConnector1">
             <a:avLst/>
           </a:prstGeom>
-          <a:ln>
+          <a:ln w="19050">
             <a:tailEnd type="triangle"/>
           </a:ln>
         </p:spPr>
@@ -4422,14 +4252,30 @@
         </p:nvSpPr>
         <p:spPr>
           <a:xfrm>
-            <a:off x="2249786" y="2073383"/>
+            <a:off x="2271386" y="2210302"/>
             <a:ext cx="364403" cy="369332"/>
           </a:xfrm>
           <a:prstGeom prst="rect">
             <a:avLst/>
           </a:prstGeom>
-          <a:noFill/>
-        </p:spPr>
+          <a:ln>
+            <a:noFill/>
+          </a:ln>
+        </p:spPr>
+        <p:style>
+          <a:lnRef idx="2">
+            <a:schemeClr val="dk1"/>
+          </a:lnRef>
+          <a:fillRef idx="1">
+            <a:schemeClr val="lt1"/>
+          </a:fillRef>
+          <a:effectRef idx="0">
+            <a:schemeClr val="dk1"/>
+          </a:effectRef>
+          <a:fontRef idx="minor">
+            <a:schemeClr val="dk1"/>
+          </a:fontRef>
+        </p:style>
         <p:txBody>
           <a:bodyPr wrap="square" rtlCol="0">
             <a:spAutoFit/>
@@ -4489,7 +4335,7 @@
             <a:avLst/>
           </a:prstGeom>
           <a:noFill/>
-          <a:ln>
+          <a:ln w="19050">
             <a:solidFill>
               <a:schemeClr val="tx1"/>
             </a:solidFill>
@@ -4577,7 +4423,7 @@
             <a:avLst/>
           </a:prstGeom>
           <a:noFill/>
-          <a:ln>
+          <a:ln w="19050">
             <a:solidFill>
               <a:schemeClr val="tx1"/>
             </a:solidFill>
@@ -4635,7 +4481,7 @@
             <a:avLst/>
           </a:prstGeom>
           <a:noFill/>
-          <a:ln>
+          <a:ln w="19050">
             <a:solidFill>
               <a:schemeClr val="tx1"/>
             </a:solidFill>
@@ -4695,7 +4541,7 @@
           <a:prstGeom prst="straightConnector1">
             <a:avLst/>
           </a:prstGeom>
-          <a:ln>
+          <a:ln w="19050">
             <a:tailEnd type="triangle"/>
           </a:ln>
         </p:spPr>
@@ -4731,7 +4577,7 @@
           <a:prstGeom prst="straightConnector1">
             <a:avLst/>
           </a:prstGeom>
-          <a:ln>
+          <a:ln w="19050">
             <a:tailEnd type="triangle"/>
           </a:ln>
         </p:spPr>
@@ -4918,8 +4764,8 @@
         </p:nvSpPr>
         <p:spPr>
           <a:xfrm>
-            <a:off x="2173960" y="3568355"/>
-            <a:ext cx="733330" cy="697116"/>
+            <a:off x="2426738" y="4098895"/>
+            <a:ext cx="733330" cy="691132"/>
           </a:xfrm>
           <a:prstGeom prst="rect">
             <a:avLst/>
@@ -5036,9 +4882,9 @@
           <p:nvPr/>
         </p:nvCxnSpPr>
         <p:spPr>
-          <a:xfrm flipH="1" flipV="1">
-            <a:off x="2907290" y="3916913"/>
-            <a:ext cx="580247" cy="13912"/>
+          <a:xfrm flipH="1">
+            <a:off x="3160068" y="3930825"/>
+            <a:ext cx="327469" cy="513636"/>
           </a:xfrm>
           <a:prstGeom prst="straightConnector1">
             <a:avLst/>
@@ -5125,13 +4971,14 @@
           <p:cNvPr id="101" name="直接箭头连接符 100"/>
           <p:cNvCxnSpPr>
             <a:stCxn id="97" idx="3"/>
+            <a:endCxn id="100" idx="1"/>
           </p:cNvCxnSpPr>
           <p:nvPr/>
         </p:nvCxnSpPr>
         <p:spPr>
           <a:xfrm>
-            <a:off x="2907290" y="3916913"/>
-            <a:ext cx="671656" cy="706211"/>
+            <a:off x="3160068" y="4444461"/>
+            <a:ext cx="414042" cy="178663"/>
           </a:xfrm>
           <a:prstGeom prst="straightConnector1">
             <a:avLst/>
@@ -6207,7 +6054,7 @@
           <a:prstGeom prst="bentConnector2">
             <a:avLst/>
           </a:prstGeom>
-          <a:ln>
+          <a:ln w="19050">
             <a:tailEnd type="triangle"/>
           </a:ln>
         </p:spPr>
@@ -6230,43 +6077,6 @@
     <p:extLst>
       <p:ext uri="{BB962C8B-B14F-4D97-AF65-F5344CB8AC3E}">
         <p14:creationId xmlns:p14="http://schemas.microsoft.com/office/powerpoint/2010/main" val="822425465"/>
-      </p:ext>
-    </p:extLst>
-  </p:cSld>
-  <p:clrMapOvr>
-    <a:masterClrMapping/>
-  </p:clrMapOvr>
-  <p:timing>
-    <p:tnLst>
-      <p:par>
-        <p:cTn id="1" dur="indefinite" restart="never" nodeType="tmRoot"/>
-      </p:par>
-    </p:tnLst>
-  </p:timing>
-</p:sld>
-</file>
-
-<file path=ppt/slides/slide10.xml><?xml version="1.0" encoding="utf-8"?>
-<p:sld xmlns:a="http://schemas.openxmlformats.org/drawingml/2006/main" xmlns:r="http://schemas.openxmlformats.org/officeDocument/2006/relationships" xmlns:p="http://schemas.openxmlformats.org/presentationml/2006/main">
-  <p:cSld>
-    <p:spTree>
-      <p:nvGrpSpPr>
-        <p:cNvPr id="1" name=""/>
-        <p:cNvGrpSpPr/>
-        <p:nvPr/>
-      </p:nvGrpSpPr>
-      <p:grpSpPr>
-        <a:xfrm>
-          <a:off x="0" y="0"/>
-          <a:ext cx="0" cy="0"/>
-          <a:chOff x="0" y="0"/>
-          <a:chExt cx="0" cy="0"/>
-        </a:xfrm>
-      </p:grpSpPr>
-    </p:spTree>
-    <p:extLst>
-      <p:ext uri="{BB962C8B-B14F-4D97-AF65-F5344CB8AC3E}">
-        <p14:creationId xmlns:p14="http://schemas.microsoft.com/office/powerpoint/2010/main" val="2713135101"/>
       </p:ext>
     </p:extLst>
   </p:cSld>
@@ -16286,14 +16096,14 @@
       </p:grpSpPr>
       <p:sp>
         <p:nvSpPr>
-          <p:cNvPr id="19" name="矩形 18"/>
+          <p:cNvPr id="20" name="矩形 19"/>
           <p:cNvSpPr/>
           <p:nvPr/>
         </p:nvSpPr>
         <p:spPr>
           <a:xfrm>
-            <a:off x="2790993" y="2497957"/>
-            <a:ext cx="972113" cy="488326"/>
+            <a:off x="3546109" y="1797808"/>
+            <a:ext cx="972113" cy="478060"/>
           </a:xfrm>
           <a:prstGeom prst="rect">
             <a:avLst/>
@@ -16301,7 +16111,7 @@
           <a:noFill/>
           <a:ln>
             <a:solidFill>
-              <a:srgbClr val="FFC000"/>
+              <a:schemeClr val="tx1"/>
             </a:solidFill>
           </a:ln>
         </p:spPr>
@@ -16332,7 +16142,7 @@
                   <a:schemeClr val="tx1"/>
                 </a:solidFill>
               </a:rPr>
-              <a:t>Junction</a:t>
+              <a:t>Reactor</a:t>
             </a:r>
             <a:endParaRPr lang="zh-CN" altLang="en-US" dirty="0">
               <a:solidFill>
@@ -16344,13 +16154,13 @@
       </p:sp>
       <p:sp>
         <p:nvSpPr>
-          <p:cNvPr id="20" name="矩形 19"/>
+          <p:cNvPr id="38" name="矩形 37"/>
           <p:cNvSpPr/>
           <p:nvPr/>
         </p:nvSpPr>
         <p:spPr>
           <a:xfrm>
-            <a:off x="1446273" y="2505338"/>
+            <a:off x="7069050" y="1950714"/>
             <a:ext cx="972113" cy="488326"/>
           </a:xfrm>
           <a:prstGeom prst="rect">
@@ -16385,12 +16195,12 @@
           <a:p>
             <a:pPr algn="ctr"/>
             <a:r>
-              <a:rPr lang="en-US" altLang="zh-CN" dirty="0" smtClean="0">
+              <a:rPr lang="en-US" altLang="zh-CN" dirty="0">
                 <a:solidFill>
                   <a:schemeClr val="tx1"/>
                 </a:solidFill>
               </a:rPr>
-              <a:t>Reactor</a:t>
+              <a:t>Oxygen</a:t>
             </a:r>
             <a:endParaRPr lang="zh-CN" altLang="en-US" dirty="0">
               <a:solidFill>
@@ -16400,55 +16210,16 @@
           </a:p>
         </p:txBody>
       </p:sp>
-      <p:cxnSp>
-        <p:nvCxnSpPr>
-          <p:cNvPr id="3" name="直接箭头连接符 2"/>
-          <p:cNvCxnSpPr>
-            <a:stCxn id="20" idx="3"/>
-            <a:endCxn id="19" idx="1"/>
-          </p:cNvCxnSpPr>
-          <p:nvPr/>
-        </p:nvCxnSpPr>
-        <p:spPr>
-          <a:xfrm flipV="1">
-            <a:off x="2418386" y="2742120"/>
-            <a:ext cx="372607" cy="7381"/>
-          </a:xfrm>
-          <a:prstGeom prst="straightConnector1">
-            <a:avLst/>
-          </a:prstGeom>
-          <a:ln>
-            <a:solidFill>
-              <a:srgbClr val="FF0000"/>
-            </a:solidFill>
-            <a:tailEnd type="triangle"/>
-          </a:ln>
-        </p:spPr>
-        <p:style>
-          <a:lnRef idx="1">
-            <a:schemeClr val="accent1"/>
-          </a:lnRef>
-          <a:fillRef idx="0">
-            <a:schemeClr val="accent1"/>
-          </a:fillRef>
-          <a:effectRef idx="0">
-            <a:schemeClr val="accent1"/>
-          </a:effectRef>
-          <a:fontRef idx="minor">
-            <a:schemeClr val="tx1"/>
-          </a:fontRef>
-        </p:style>
-      </p:cxnSp>
-      <p:sp>
-        <p:nvSpPr>
-          <p:cNvPr id="38" name="矩形 37"/>
+      <p:sp>
+        <p:nvSpPr>
+          <p:cNvPr id="42" name="矩形 41"/>
           <p:cNvSpPr/>
           <p:nvPr/>
         </p:nvSpPr>
         <p:spPr>
           <a:xfrm>
-            <a:off x="4104500" y="644558"/>
-            <a:ext cx="1083950" cy="488326"/>
+            <a:off x="6979281" y="2949378"/>
+            <a:ext cx="1090150" cy="450409"/>
           </a:xfrm>
           <a:prstGeom prst="rect">
             <a:avLst/>
@@ -16482,12 +16253,12 @@
           <a:p>
             <a:pPr algn="ctr"/>
             <a:r>
-              <a:rPr lang="en-US" altLang="zh-CN" dirty="0">
+              <a:rPr lang="en-US" altLang="zh-CN" dirty="0" smtClean="0">
                 <a:solidFill>
                   <a:schemeClr val="tx1"/>
                 </a:solidFill>
               </a:rPr>
-              <a:t>Capacitor</a:t>
+              <a:t>Battery</a:t>
             </a:r>
           </a:p>
         </p:txBody>
@@ -16500,8 +16271,8 @@
         </p:nvSpPr>
         <p:spPr>
           <a:xfrm>
-            <a:off x="7424660" y="3164404"/>
-            <a:ext cx="1126024" cy="488326"/>
+            <a:off x="1995662" y="1633491"/>
+            <a:ext cx="972113" cy="488326"/>
           </a:xfrm>
           <a:prstGeom prst="rect">
             <a:avLst/>
@@ -16551,7 +16322,7 @@
                   <a:schemeClr val="tx1"/>
                 </a:solidFill>
               </a:rPr>
-              <a:t>600</a:t>
+              <a:t>2500</a:t>
             </a:r>
             <a:endParaRPr lang="zh-CN" altLang="en-US" dirty="0">
               <a:solidFill>
@@ -16569,7 +16340,7 @@
         </p:nvSpPr>
         <p:spPr>
           <a:xfrm>
-            <a:off x="1553591" y="661236"/>
+            <a:off x="5026365" y="4562193"/>
             <a:ext cx="1126024" cy="442393"/>
           </a:xfrm>
           <a:prstGeom prst="rect">
@@ -16604,7 +16375,7 @@
           <a:p>
             <a:pPr algn="ctr"/>
             <a:r>
-              <a:rPr lang="en-US" altLang="zh-CN" sz="1200" dirty="0" smtClean="0">
+              <a:rPr lang="en-US" altLang="zh-CN" dirty="0" smtClean="0">
                 <a:solidFill>
                   <a:schemeClr val="tx1"/>
                 </a:solidFill>
@@ -16612,17 +16383,6 @@
               <a:t>Capacitor</a:t>
             </a:r>
           </a:p>
-          <a:p>
-            <a:pPr algn="ctr"/>
-            <a:r>
-              <a:rPr lang="en-US" altLang="zh-CN" sz="1200" dirty="0" smtClean="0">
-                <a:solidFill>
-                  <a:schemeClr val="tx1"/>
-                </a:solidFill>
-              </a:rPr>
-              <a:t>1000</a:t>
-            </a:r>
-          </a:p>
         </p:txBody>
       </p:sp>
       <p:sp>
@@ -16633,7 +16393,7 @@
         </p:nvSpPr>
         <p:spPr>
           <a:xfrm>
-            <a:off x="7424660" y="2501764"/>
+            <a:off x="5026365" y="3967493"/>
             <a:ext cx="1126024" cy="442393"/>
           </a:xfrm>
           <a:prstGeom prst="rect">
@@ -16673,124 +16433,39 @@
                   <a:schemeClr val="tx1"/>
                 </a:solidFill>
               </a:rPr>
-              <a:t>Pump</a:t>
-            </a:r>
-          </a:p>
-        </p:txBody>
-      </p:sp>
-      <p:cxnSp>
-        <p:nvCxnSpPr>
-          <p:cNvPr id="14" name="直接箭头连接符 13"/>
-          <p:cNvCxnSpPr>
-            <a:stCxn id="213" idx="3"/>
-            <a:endCxn id="262" idx="1"/>
-          </p:cNvCxnSpPr>
-          <p:nvPr/>
-        </p:nvCxnSpPr>
-        <p:spPr>
-          <a:xfrm flipV="1">
-            <a:off x="5297114" y="2742120"/>
-            <a:ext cx="281297" cy="14534"/>
-          </a:xfrm>
-          <a:prstGeom prst="straightConnector1">
-            <a:avLst/>
-          </a:prstGeom>
-          <a:ln>
-            <a:solidFill>
-              <a:srgbClr val="FF0000"/>
-            </a:solidFill>
-            <a:tailEnd type="triangle"/>
-          </a:ln>
-        </p:spPr>
-        <p:style>
-          <a:lnRef idx="1">
-            <a:schemeClr val="accent1"/>
-          </a:lnRef>
-          <a:fillRef idx="0">
-            <a:schemeClr val="accent1"/>
-          </a:fillRef>
-          <a:effectRef idx="0">
-            <a:schemeClr val="accent1"/>
-          </a:effectRef>
-          <a:fontRef idx="minor">
-            <a:schemeClr val="tx1"/>
-          </a:fontRef>
-        </p:style>
-      </p:cxnSp>
-      <p:cxnSp>
-        <p:nvCxnSpPr>
-          <p:cNvPr id="23" name="直接箭头连接符 22"/>
-          <p:cNvCxnSpPr>
-            <a:stCxn id="262" idx="3"/>
-            <a:endCxn id="48" idx="1"/>
-          </p:cNvCxnSpPr>
-          <p:nvPr/>
-        </p:nvCxnSpPr>
-        <p:spPr>
-          <a:xfrm flipV="1">
-            <a:off x="6550524" y="2722961"/>
-            <a:ext cx="874136" cy="19159"/>
-          </a:xfrm>
-          <a:prstGeom prst="straightConnector1">
-            <a:avLst/>
-          </a:prstGeom>
-          <a:ln>
-            <a:solidFill>
-              <a:srgbClr val="FF0000"/>
-            </a:solidFill>
-            <a:tailEnd type="triangle"/>
-          </a:ln>
-        </p:spPr>
-        <p:style>
-          <a:lnRef idx="1">
-            <a:schemeClr val="accent1"/>
-          </a:lnRef>
-          <a:fillRef idx="0">
-            <a:schemeClr val="accent1"/>
-          </a:fillRef>
-          <a:effectRef idx="0">
-            <a:schemeClr val="accent1"/>
-          </a:effectRef>
-          <a:fontRef idx="minor">
-            <a:schemeClr val="tx1"/>
-          </a:fontRef>
-        </p:style>
-      </p:cxnSp>
-      <p:sp>
-        <p:nvSpPr>
-          <p:cNvPr id="65" name="矩形 64"/>
+              <a:t>others</a:t>
+            </a:r>
+          </a:p>
+        </p:txBody>
+      </p:sp>
+      <p:sp>
+        <p:nvSpPr>
+          <p:cNvPr id="51" name="矩形 50"/>
           <p:cNvSpPr/>
           <p:nvPr/>
         </p:nvSpPr>
         <p:spPr>
           <a:xfrm>
-            <a:off x="2151025" y="3381172"/>
-            <a:ext cx="1126024" cy="442393"/>
+            <a:off x="2019888" y="3571023"/>
+            <a:ext cx="972113" cy="488326"/>
           </a:xfrm>
           <a:prstGeom prst="rect">
             <a:avLst/>
           </a:prstGeom>
-          <a:noFill/>
-          <a:ln>
-            <a:solidFill>
-              <a:schemeClr val="tx1"/>
-            </a:solidFill>
-          </a:ln>
+          <a:ln/>
         </p:spPr>
         <p:style>
           <a:lnRef idx="2">
-            <a:schemeClr val="accent1">
-              <a:shade val="50000"/>
-            </a:schemeClr>
+            <a:schemeClr val="dk1"/>
           </a:lnRef>
           <a:fillRef idx="1">
-            <a:schemeClr val="accent1"/>
-          </a:fillRef>
-          <a:effectRef idx="0">
-            <a:schemeClr val="accent1"/>
-          </a:effectRef>
-          <a:fontRef idx="minor">
             <a:schemeClr val="lt1"/>
+          </a:fillRef>
+          <a:effectRef idx="0">
+            <a:schemeClr val="dk1"/>
+          </a:effectRef>
+          <a:fontRef idx="minor">
+            <a:schemeClr val="dk1"/>
           </a:fontRef>
         </p:style>
         <p:txBody>
@@ -16804,60 +16479,7 @@
                   <a:schemeClr val="tx1"/>
                 </a:solidFill>
               </a:rPr>
-              <a:t>Sonar</a:t>
-            </a:r>
-          </a:p>
-        </p:txBody>
-      </p:sp>
-      <p:sp>
-        <p:nvSpPr>
-          <p:cNvPr id="66" name="矩形 65"/>
-          <p:cNvSpPr/>
-          <p:nvPr/>
-        </p:nvSpPr>
-        <p:spPr>
-          <a:xfrm>
-            <a:off x="2151025" y="3882293"/>
-            <a:ext cx="1126024" cy="442393"/>
-          </a:xfrm>
-          <a:prstGeom prst="rect">
-            <a:avLst/>
-          </a:prstGeom>
-          <a:noFill/>
-          <a:ln>
-            <a:solidFill>
-              <a:schemeClr val="tx1"/>
-            </a:solidFill>
-          </a:ln>
-        </p:spPr>
-        <p:style>
-          <a:lnRef idx="2">
-            <a:schemeClr val="accent1">
-              <a:shade val="50000"/>
-            </a:schemeClr>
-          </a:lnRef>
-          <a:fillRef idx="1">
-            <a:schemeClr val="accent1"/>
-          </a:fillRef>
-          <a:effectRef idx="0">
-            <a:schemeClr val="accent1"/>
-          </a:effectRef>
-          <a:fontRef idx="minor">
-            <a:schemeClr val="lt1"/>
-          </a:fontRef>
-        </p:style>
-        <p:txBody>
-          <a:bodyPr rtlCol="0" anchor="ctr"/>
-          <a:lstStyle/>
-          <a:p>
-            <a:pPr algn="ctr"/>
-            <a:r>
-              <a:rPr lang="en-US" altLang="zh-CN" dirty="0" smtClean="0">
-                <a:solidFill>
-                  <a:schemeClr val="tx1"/>
-                </a:solidFill>
-              </a:rPr>
-              <a:t>Light</a:t>
+              <a:t>Junction</a:t>
             </a:r>
             <a:endParaRPr lang="zh-CN" altLang="en-US" dirty="0">
               <a:solidFill>
@@ -16867,94 +16489,16 @@
           </a:p>
         </p:txBody>
       </p:sp>
-      <p:cxnSp>
-        <p:nvCxnSpPr>
-          <p:cNvPr id="194" name="直接箭头连接符 193"/>
-          <p:cNvCxnSpPr>
-            <a:stCxn id="19" idx="2"/>
-            <a:endCxn id="65" idx="0"/>
-          </p:cNvCxnSpPr>
-          <p:nvPr/>
-        </p:nvCxnSpPr>
-        <p:spPr>
-          <a:xfrm flipH="1">
-            <a:off x="2714037" y="2986283"/>
-            <a:ext cx="563013" cy="394889"/>
-          </a:xfrm>
-          <a:prstGeom prst="straightConnector1">
-            <a:avLst/>
-          </a:prstGeom>
-          <a:ln>
-            <a:solidFill>
-              <a:srgbClr val="FF0000"/>
-            </a:solidFill>
-            <a:tailEnd type="triangle"/>
-          </a:ln>
-        </p:spPr>
-        <p:style>
-          <a:lnRef idx="1">
-            <a:schemeClr val="accent1"/>
-          </a:lnRef>
-          <a:fillRef idx="0">
-            <a:schemeClr val="accent1"/>
-          </a:fillRef>
-          <a:effectRef idx="0">
-            <a:schemeClr val="accent1"/>
-          </a:effectRef>
-          <a:fontRef idx="minor">
-            <a:schemeClr val="tx1"/>
-          </a:fontRef>
-        </p:style>
-      </p:cxnSp>
-      <p:cxnSp>
-        <p:nvCxnSpPr>
-          <p:cNvPr id="202" name="直接箭头连接符 201"/>
-          <p:cNvCxnSpPr>
-            <a:stCxn id="262" idx="3"/>
-            <a:endCxn id="43" idx="1"/>
-          </p:cNvCxnSpPr>
-          <p:nvPr/>
-        </p:nvCxnSpPr>
-        <p:spPr>
-          <a:xfrm>
-            <a:off x="6550524" y="2742120"/>
-            <a:ext cx="874136" cy="666447"/>
-          </a:xfrm>
-          <a:prstGeom prst="straightConnector1">
-            <a:avLst/>
-          </a:prstGeom>
-          <a:ln>
-            <a:solidFill>
-              <a:srgbClr val="FF0000"/>
-            </a:solidFill>
-            <a:tailEnd type="triangle"/>
-          </a:ln>
-        </p:spPr>
-        <p:style>
-          <a:lnRef idx="1">
-            <a:schemeClr val="accent1"/>
-          </a:lnRef>
-          <a:fillRef idx="0">
-            <a:schemeClr val="accent1"/>
-          </a:fillRef>
-          <a:effectRef idx="0">
-            <a:schemeClr val="accent1"/>
-          </a:effectRef>
-          <a:fontRef idx="minor">
-            <a:schemeClr val="tx1"/>
-          </a:fontRef>
-        </p:style>
-      </p:cxnSp>
-      <p:sp>
-        <p:nvSpPr>
-          <p:cNvPr id="213" name="矩形 212"/>
+      <p:sp>
+        <p:nvSpPr>
+          <p:cNvPr id="65" name="矩形 64"/>
           <p:cNvSpPr/>
           <p:nvPr/>
         </p:nvSpPr>
         <p:spPr>
           <a:xfrm>
-            <a:off x="4206964" y="2531449"/>
-            <a:ext cx="1090150" cy="450409"/>
+            <a:off x="1918706" y="833424"/>
+            <a:ext cx="1126024" cy="442393"/>
           </a:xfrm>
           <a:prstGeom prst="rect">
             <a:avLst/>
@@ -16993,9 +16537,51 @@
                   <a:schemeClr val="tx1"/>
                 </a:solidFill>
               </a:rPr>
-              <a:t>Battery</a:t>
-            </a:r>
-          </a:p>
+              <a:t>Sonar</a:t>
+            </a:r>
+          </a:p>
+        </p:txBody>
+      </p:sp>
+      <p:sp>
+        <p:nvSpPr>
+          <p:cNvPr id="77" name="矩形 76"/>
+          <p:cNvSpPr/>
+          <p:nvPr/>
+        </p:nvSpPr>
+        <p:spPr>
+          <a:xfrm>
+            <a:off x="5884008" y="1852345"/>
+            <a:ext cx="733330" cy="695179"/>
+          </a:xfrm>
+          <a:prstGeom prst="rect">
+            <a:avLst/>
+          </a:prstGeom>
+          <a:noFill/>
+          <a:ln>
+            <a:solidFill>
+              <a:schemeClr val="tx1"/>
+            </a:solidFill>
+          </a:ln>
+        </p:spPr>
+        <p:style>
+          <a:lnRef idx="2">
+            <a:schemeClr val="accent1">
+              <a:shade val="50000"/>
+            </a:schemeClr>
+          </a:lnRef>
+          <a:fillRef idx="1">
+            <a:schemeClr val="accent1"/>
+          </a:fillRef>
+          <a:effectRef idx="0">
+            <a:schemeClr val="accent1"/>
+          </a:effectRef>
+          <a:fontRef idx="minor">
+            <a:schemeClr val="lt1"/>
+          </a:fontRef>
+        </p:style>
+        <p:txBody>
+          <a:bodyPr rtlCol="0" anchor="ctr"/>
+          <a:lstStyle/>
           <a:p>
             <a:pPr algn="ctr"/>
             <a:r>
@@ -17004,7 +16590,7 @@
                   <a:schemeClr val="tx1"/>
                 </a:solidFill>
               </a:rPr>
-              <a:t>800/650</a:t>
+              <a:t>Relay</a:t>
             </a:r>
             <a:endParaRPr lang="zh-CN" altLang="en-US" dirty="0">
               <a:solidFill>
@@ -17014,63 +16600,24 @@
           </a:p>
         </p:txBody>
       </p:sp>
-      <p:cxnSp>
-        <p:nvCxnSpPr>
-          <p:cNvPr id="209" name="直接箭头连接符 208"/>
-          <p:cNvCxnSpPr>
-            <a:stCxn id="19" idx="3"/>
-            <a:endCxn id="213" idx="1"/>
-          </p:cNvCxnSpPr>
-          <p:nvPr/>
-        </p:nvCxnSpPr>
-        <p:spPr>
-          <a:xfrm>
-            <a:off x="3763106" y="2742120"/>
-            <a:ext cx="443858" cy="14534"/>
-          </a:xfrm>
-          <a:prstGeom prst="straightConnector1">
-            <a:avLst/>
-          </a:prstGeom>
+      <p:sp>
+        <p:nvSpPr>
+          <p:cNvPr id="78" name="矩形 77"/>
+          <p:cNvSpPr/>
+          <p:nvPr/>
+        </p:nvSpPr>
+        <p:spPr>
+          <a:xfrm>
+            <a:off x="5884008" y="2825086"/>
+            <a:ext cx="733330" cy="695179"/>
+          </a:xfrm>
+          <a:prstGeom prst="rect">
+            <a:avLst/>
+          </a:prstGeom>
+          <a:noFill/>
           <a:ln>
             <a:solidFill>
-              <a:srgbClr val="FF0000"/>
-            </a:solidFill>
-            <a:tailEnd type="triangle"/>
-          </a:ln>
-        </p:spPr>
-        <p:style>
-          <a:lnRef idx="1">
-            <a:schemeClr val="accent1"/>
-          </a:lnRef>
-          <a:fillRef idx="0">
-            <a:schemeClr val="accent1"/>
-          </a:fillRef>
-          <a:effectRef idx="0">
-            <a:schemeClr val="accent1"/>
-          </a:effectRef>
-          <a:fontRef idx="minor">
-            <a:schemeClr val="tx1"/>
-          </a:fontRef>
-        </p:style>
-      </p:cxnSp>
-      <p:sp>
-        <p:nvSpPr>
-          <p:cNvPr id="262" name="矩形 261"/>
-          <p:cNvSpPr/>
-          <p:nvPr/>
-        </p:nvSpPr>
-        <p:spPr>
-          <a:xfrm>
-            <a:off x="5578411" y="2497957"/>
-            <a:ext cx="972113" cy="488326"/>
-          </a:xfrm>
-          <a:prstGeom prst="rect">
-            <a:avLst/>
-          </a:prstGeom>
-          <a:noFill/>
-          <a:ln>
-            <a:solidFill>
-              <a:srgbClr val="FFC000"/>
+              <a:schemeClr val="tx1"/>
             </a:solidFill>
           </a:ln>
         </p:spPr>
@@ -17101,7 +16648,7 @@
                   <a:schemeClr val="tx1"/>
                 </a:solidFill>
               </a:rPr>
-              <a:t>Junction</a:t>
+              <a:t>Relay</a:t>
             </a:r>
             <a:endParaRPr lang="zh-CN" altLang="en-US" dirty="0">
               <a:solidFill>
@@ -17113,17 +16660,17 @@
       </p:sp>
       <p:cxnSp>
         <p:nvCxnSpPr>
-          <p:cNvPr id="270" name="直接箭头连接符 269"/>
+          <p:cNvPr id="71" name="直接箭头连接符 70"/>
           <p:cNvCxnSpPr>
-            <a:stCxn id="19" idx="0"/>
-            <a:endCxn id="44" idx="2"/>
+            <a:stCxn id="77" idx="3"/>
+            <a:endCxn id="38" idx="1"/>
           </p:cNvCxnSpPr>
           <p:nvPr/>
         </p:nvCxnSpPr>
         <p:spPr>
-          <a:xfrm flipH="1" flipV="1">
-            <a:off x="2116603" y="1103629"/>
-            <a:ext cx="1160447" cy="1394328"/>
+          <a:xfrm flipV="1">
+            <a:off x="6617338" y="2194877"/>
+            <a:ext cx="451712" cy="5058"/>
           </a:xfrm>
           <a:prstGeom prst="straightConnector1">
             <a:avLst/>
@@ -17150,16 +16697,55 @@
           </a:fontRef>
         </p:style>
       </p:cxnSp>
-      <p:sp>
-        <p:nvSpPr>
-          <p:cNvPr id="58" name="矩形 57"/>
+      <p:cxnSp>
+        <p:nvCxnSpPr>
+          <p:cNvPr id="75" name="直接箭头连接符 74"/>
+          <p:cNvCxnSpPr>
+            <a:stCxn id="78" idx="3"/>
+            <a:endCxn id="42" idx="1"/>
+          </p:cNvCxnSpPr>
+          <p:nvPr/>
+        </p:nvCxnSpPr>
+        <p:spPr>
+          <a:xfrm>
+            <a:off x="6617338" y="3172676"/>
+            <a:ext cx="361943" cy="1907"/>
+          </a:xfrm>
+          <a:prstGeom prst="straightConnector1">
+            <a:avLst/>
+          </a:prstGeom>
+          <a:ln>
+            <a:solidFill>
+              <a:srgbClr val="FF0000"/>
+            </a:solidFill>
+            <a:tailEnd type="triangle"/>
+          </a:ln>
+        </p:spPr>
+        <p:style>
+          <a:lnRef idx="1">
+            <a:schemeClr val="accent1"/>
+          </a:lnRef>
+          <a:fillRef idx="0">
+            <a:schemeClr val="accent1"/>
+          </a:fillRef>
+          <a:effectRef idx="0">
+            <a:schemeClr val="accent1"/>
+          </a:effectRef>
+          <a:fontRef idx="minor">
+            <a:schemeClr val="tx1"/>
+          </a:fontRef>
+        </p:style>
+      </p:cxnSp>
+      <p:sp>
+        <p:nvSpPr>
+          <p:cNvPr id="105" name="矩形 104"/>
           <p:cNvSpPr/>
           <p:nvPr/>
         </p:nvSpPr>
         <p:spPr>
           <a:xfrm>
-            <a:off x="2947677" y="542613"/>
-            <a:ext cx="733330" cy="695179"/>
+            <a:off x="5810359" y="611732"/>
+            <a:ext cx="907962" cy="894461"/>
           </a:xfrm>
           <a:prstGeom prst="rect">
             <a:avLst/>
@@ -17198,7 +16784,7 @@
                   <a:schemeClr val="tx1"/>
                 </a:solidFill>
               </a:rPr>
-              <a:t>If(100)?</a:t>
+              <a:t>RegEx</a:t>
             </a:r>
           </a:p>
           <a:p>
@@ -17209,7 +16795,18 @@
                   <a:schemeClr val="tx1"/>
                 </a:solidFill>
               </a:rPr>
-              <a:t>100:0</a:t>
+              <a:t>if(50-100)?</a:t>
+            </a:r>
+          </a:p>
+          <a:p>
+            <a:pPr algn="ctr"/>
+            <a:r>
+              <a:rPr lang="en-US" altLang="zh-CN" sz="1200" dirty="0" smtClean="0">
+                <a:solidFill>
+                  <a:schemeClr val="tx1"/>
+                </a:solidFill>
+              </a:rPr>
+              <a:t>0:1</a:t>
             </a:r>
             <a:endParaRPr lang="zh-CN" altLang="en-US" sz="1200" dirty="0">
               <a:solidFill>
@@ -17219,42 +16816,6 @@
           </a:p>
         </p:txBody>
       </p:sp>
-      <p:cxnSp>
-        <p:nvCxnSpPr>
-          <p:cNvPr id="33" name="直接箭头连接符 32"/>
-          <p:cNvCxnSpPr>
-            <a:stCxn id="44" idx="3"/>
-            <a:endCxn id="58" idx="1"/>
-          </p:cNvCxnSpPr>
-          <p:nvPr/>
-        </p:nvCxnSpPr>
-        <p:spPr>
-          <a:xfrm>
-            <a:off x="2679615" y="882433"/>
-            <a:ext cx="268062" cy="7770"/>
-          </a:xfrm>
-          <a:prstGeom prst="straightConnector1">
-            <a:avLst/>
-          </a:prstGeom>
-          <a:ln>
-            <a:tailEnd type="triangle"/>
-          </a:ln>
-        </p:spPr>
-        <p:style>
-          <a:lnRef idx="1">
-            <a:schemeClr val="accent1"/>
-          </a:lnRef>
-          <a:fillRef idx="0">
-            <a:schemeClr val="accent1"/>
-          </a:fillRef>
-          <a:effectRef idx="0">
-            <a:schemeClr val="accent1"/>
-          </a:effectRef>
-          <a:fontRef idx="minor">
-            <a:schemeClr val="tx1"/>
-          </a:fontRef>
-        </p:style>
-      </p:cxnSp>
       <p:sp>
         <p:nvSpPr>
           <p:cNvPr id="106" name="矩形 105"/>
@@ -17263,8 +16824,8 @@
         </p:nvSpPr>
         <p:spPr>
           <a:xfrm>
-            <a:off x="2140400" y="4368528"/>
-            <a:ext cx="1126024" cy="442393"/>
+            <a:off x="8214336" y="769917"/>
+            <a:ext cx="733330" cy="695179"/>
           </a:xfrm>
           <a:prstGeom prst="rect">
             <a:avLst/>
@@ -17303,7 +16864,7 @@
                   <a:schemeClr val="tx1"/>
                 </a:solidFill>
               </a:rPr>
-              <a:t>Diving</a:t>
+              <a:t>*2</a:t>
             </a:r>
             <a:endParaRPr lang="zh-CN" altLang="en-US" dirty="0">
               <a:solidFill>
@@ -17313,90 +16874,15 @@
           </a:p>
         </p:txBody>
       </p:sp>
-      <p:cxnSp>
-        <p:nvCxnSpPr>
-          <p:cNvPr id="99" name="直接箭头连接符 98"/>
-          <p:cNvCxnSpPr>
-            <a:stCxn id="58" idx="3"/>
-            <a:endCxn id="38" idx="1"/>
-          </p:cNvCxnSpPr>
-          <p:nvPr/>
-        </p:nvCxnSpPr>
-        <p:spPr>
-          <a:xfrm flipV="1">
-            <a:off x="3681007" y="888721"/>
-            <a:ext cx="423493" cy="1482"/>
-          </a:xfrm>
-          <a:prstGeom prst="straightConnector1">
-            <a:avLst/>
-          </a:prstGeom>
-          <a:ln>
-            <a:tailEnd type="triangle"/>
-          </a:ln>
-        </p:spPr>
-        <p:style>
-          <a:lnRef idx="1">
-            <a:schemeClr val="accent1"/>
-          </a:lnRef>
-          <a:fillRef idx="0">
-            <a:schemeClr val="accent1"/>
-          </a:fillRef>
-          <a:effectRef idx="0">
-            <a:schemeClr val="accent1"/>
-          </a:effectRef>
-          <a:fontRef idx="minor">
-            <a:schemeClr val="tx1"/>
-          </a:fontRef>
-        </p:style>
-      </p:cxnSp>
-      <p:cxnSp>
-        <p:nvCxnSpPr>
-          <p:cNvPr id="103" name="直接箭头连接符 102"/>
-          <p:cNvCxnSpPr>
-            <a:stCxn id="19" idx="0"/>
-            <a:endCxn id="38" idx="2"/>
-          </p:cNvCxnSpPr>
-          <p:nvPr/>
-        </p:nvCxnSpPr>
-        <p:spPr>
-          <a:xfrm flipV="1">
-            <a:off x="3277050" y="1132884"/>
-            <a:ext cx="1369425" cy="1365073"/>
-          </a:xfrm>
-          <a:prstGeom prst="straightConnector1">
-            <a:avLst/>
-          </a:prstGeom>
-          <a:ln>
-            <a:solidFill>
-              <a:srgbClr val="FF0000"/>
-            </a:solidFill>
-            <a:tailEnd type="triangle"/>
-          </a:ln>
-        </p:spPr>
-        <p:style>
-          <a:lnRef idx="1">
-            <a:schemeClr val="accent1"/>
-          </a:lnRef>
-          <a:fillRef idx="0">
-            <a:schemeClr val="accent1"/>
-          </a:fillRef>
-          <a:effectRef idx="0">
-            <a:schemeClr val="accent1"/>
-          </a:effectRef>
-          <a:fontRef idx="minor">
-            <a:schemeClr val="tx1"/>
-          </a:fontRef>
-        </p:style>
-      </p:cxnSp>
-      <p:sp>
-        <p:nvSpPr>
-          <p:cNvPr id="180" name="矩形 179"/>
+      <p:sp>
+        <p:nvSpPr>
+          <p:cNvPr id="107" name="矩形 106"/>
           <p:cNvSpPr/>
           <p:nvPr/>
         </p:nvSpPr>
         <p:spPr>
           <a:xfrm>
-            <a:off x="5466574" y="534844"/>
+            <a:off x="9314331" y="769917"/>
             <a:ext cx="733330" cy="695179"/>
           </a:xfrm>
           <a:prstGeom prst="rect">
@@ -17431,12 +16917,139 @@
           <a:p>
             <a:pPr algn="ctr"/>
             <a:r>
+              <a:rPr lang="en-US" altLang="zh-CN" dirty="0" smtClean="0">
+                <a:solidFill>
+                  <a:schemeClr val="tx1"/>
+                </a:solidFill>
+              </a:rPr>
+              <a:t>MEM2</a:t>
+            </a:r>
+            <a:endParaRPr lang="zh-CN" altLang="en-US" dirty="0">
+              <a:solidFill>
+                <a:schemeClr val="tx1"/>
+              </a:solidFill>
+            </a:endParaRPr>
+          </a:p>
+        </p:txBody>
+      </p:sp>
+      <p:cxnSp>
+        <p:nvCxnSpPr>
+          <p:cNvPr id="102" name="直接箭头连接符 101"/>
+          <p:cNvCxnSpPr/>
+          <p:nvPr/>
+        </p:nvCxnSpPr>
+        <p:spPr>
+          <a:xfrm flipH="1">
+            <a:off x="8947666" y="1117506"/>
+            <a:ext cx="366665" cy="0"/>
+          </a:xfrm>
+          <a:prstGeom prst="straightConnector1">
+            <a:avLst/>
+          </a:prstGeom>
+          <a:ln>
+            <a:tailEnd type="triangle"/>
+          </a:ln>
+        </p:spPr>
+        <p:style>
+          <a:lnRef idx="1">
+            <a:schemeClr val="accent1"/>
+          </a:lnRef>
+          <a:fillRef idx="0">
+            <a:schemeClr val="accent1"/>
+          </a:fillRef>
+          <a:effectRef idx="0">
+            <a:schemeClr val="accent1"/>
+          </a:effectRef>
+          <a:fontRef idx="minor">
+            <a:schemeClr val="tx1"/>
+          </a:fontRef>
+        </p:style>
+      </p:cxnSp>
+      <p:cxnSp>
+        <p:nvCxnSpPr>
+          <p:cNvPr id="28" name="直接箭头连接符 27"/>
+          <p:cNvCxnSpPr>
+            <a:stCxn id="65" idx="2"/>
+            <a:endCxn id="43" idx="0"/>
+          </p:cNvCxnSpPr>
+          <p:nvPr/>
+        </p:nvCxnSpPr>
+        <p:spPr>
+          <a:xfrm>
+            <a:off x="2481718" y="1275817"/>
+            <a:ext cx="1" cy="357674"/>
+          </a:xfrm>
+          <a:prstGeom prst="straightConnector1">
+            <a:avLst/>
+          </a:prstGeom>
+          <a:ln>
+            <a:tailEnd type="triangle"/>
+          </a:ln>
+        </p:spPr>
+        <p:style>
+          <a:lnRef idx="1">
+            <a:schemeClr val="accent1"/>
+          </a:lnRef>
+          <a:fillRef idx="0">
+            <a:schemeClr val="accent1"/>
+          </a:fillRef>
+          <a:effectRef idx="0">
+            <a:schemeClr val="accent1"/>
+          </a:effectRef>
+          <a:fontRef idx="minor">
+            <a:schemeClr val="tx1"/>
+          </a:fontRef>
+        </p:style>
+      </p:cxnSp>
+      <p:sp>
+        <p:nvSpPr>
+          <p:cNvPr id="60" name="矩形 59"/>
+          <p:cNvSpPr/>
+          <p:nvPr/>
+        </p:nvSpPr>
+        <p:spPr>
+          <a:xfrm>
+            <a:off x="8824066" y="4047195"/>
+            <a:ext cx="907962" cy="894461"/>
+          </a:xfrm>
+          <a:prstGeom prst="rect">
+            <a:avLst/>
+          </a:prstGeom>
+          <a:noFill/>
+          <a:ln>
+            <a:solidFill>
+              <a:schemeClr val="tx1"/>
+            </a:solidFill>
+          </a:ln>
+        </p:spPr>
+        <p:style>
+          <a:lnRef idx="2">
+            <a:schemeClr val="accent1">
+              <a:shade val="50000"/>
+            </a:schemeClr>
+          </a:lnRef>
+          <a:fillRef idx="1">
+            <a:schemeClr val="accent1"/>
+          </a:fillRef>
+          <a:effectRef idx="0">
+            <a:schemeClr val="accent1"/>
+          </a:effectRef>
+          <a:fontRef idx="minor">
+            <a:schemeClr val="lt1"/>
+          </a:fontRef>
+        </p:style>
+        <p:txBody>
+          <a:bodyPr rtlCol="0" anchor="ctr"/>
+          <a:lstStyle/>
+          <a:p>
+            <a:pPr algn="ctr"/>
+            <a:r>
               <a:rPr lang="en-US" altLang="zh-CN" sz="1200" dirty="0" smtClean="0">
                 <a:solidFill>
                   <a:schemeClr val="tx1"/>
                 </a:solidFill>
               </a:rPr>
-              <a:t>If(100)?</a:t>
+              <a:t>RegEx</a:t>
             </a:r>
           </a:p>
           <a:p>
@@ -17447,7 +17060,18 @@
                   <a:schemeClr val="tx1"/>
                 </a:solidFill>
               </a:rPr>
-              <a:t>1:0</a:t>
+              <a:t>if(90-100)?</a:t>
+            </a:r>
+          </a:p>
+          <a:p>
+            <a:pPr algn="ctr"/>
+            <a:r>
+              <a:rPr lang="en-US" altLang="zh-CN" sz="1200" dirty="0" smtClean="0">
+                <a:solidFill>
+                  <a:schemeClr val="tx1"/>
+                </a:solidFill>
+              </a:rPr>
+              <a:t>1:null</a:t>
             </a:r>
             <a:endParaRPr lang="zh-CN" altLang="en-US" sz="1200" dirty="0">
               <a:solidFill>
@@ -17457,24 +17081,222 @@
           </a:p>
         </p:txBody>
       </p:sp>
+      <p:sp>
+        <p:nvSpPr>
+          <p:cNvPr id="40" name="文本框 39"/>
+          <p:cNvSpPr txBox="1"/>
+          <p:nvPr/>
+        </p:nvSpPr>
+        <p:spPr>
+          <a:xfrm>
+            <a:off x="8382624" y="3520265"/>
+            <a:ext cx="349776" cy="369332"/>
+          </a:xfrm>
+          <a:prstGeom prst="rect">
+            <a:avLst/>
+          </a:prstGeom>
+          <a:noFill/>
+        </p:spPr>
+        <p:txBody>
+          <a:bodyPr wrap="none" rtlCol="0">
+            <a:spAutoFit/>
+          </a:bodyPr>
+          <a:lstStyle/>
+          <a:p>
+            <a:r>
+              <a:rPr lang="en-US" altLang="zh-CN" dirty="0" smtClean="0"/>
+              <a:t>%</a:t>
+            </a:r>
+            <a:endParaRPr lang="zh-CN" altLang="en-US" dirty="0"/>
+          </a:p>
+        </p:txBody>
+      </p:sp>
       <p:cxnSp>
         <p:nvCxnSpPr>
-          <p:cNvPr id="164" name="直接箭头连接符 163"/>
+          <p:cNvPr id="74" name="直接箭头连接符 73"/>
           <p:cNvCxnSpPr>
-            <a:stCxn id="38" idx="3"/>
-            <a:endCxn id="180" idx="1"/>
+            <a:stCxn id="42" idx="2"/>
+            <a:endCxn id="124" idx="0"/>
           </p:cNvCxnSpPr>
           <p:nvPr/>
         </p:nvCxnSpPr>
         <p:spPr>
+          <a:xfrm>
+            <a:off x="7524356" y="3399787"/>
+            <a:ext cx="662397" cy="645654"/>
+          </a:xfrm>
+          <a:prstGeom prst="straightConnector1">
+            <a:avLst/>
+          </a:prstGeom>
+          <a:ln>
+            <a:tailEnd type="triangle"/>
+          </a:ln>
+        </p:spPr>
+        <p:style>
+          <a:lnRef idx="1">
+            <a:schemeClr val="accent1"/>
+          </a:lnRef>
+          <a:fillRef idx="0">
+            <a:schemeClr val="accent1"/>
+          </a:fillRef>
+          <a:effectRef idx="0">
+            <a:schemeClr val="accent1"/>
+          </a:effectRef>
+          <a:fontRef idx="minor">
+            <a:schemeClr val="tx1"/>
+          </a:fontRef>
+        </p:style>
+      </p:cxnSp>
+      <p:sp>
+        <p:nvSpPr>
+          <p:cNvPr id="201" name="矩形 200"/>
+          <p:cNvSpPr/>
+          <p:nvPr/>
+        </p:nvSpPr>
+        <p:spPr>
+          <a:xfrm>
+            <a:off x="2000700" y="2430052"/>
+            <a:ext cx="972113" cy="488326"/>
+          </a:xfrm>
+          <a:prstGeom prst="rect">
+            <a:avLst/>
+          </a:prstGeom>
+          <a:ln/>
+        </p:spPr>
+        <p:style>
+          <a:lnRef idx="2">
+            <a:schemeClr val="dk1"/>
+          </a:lnRef>
+          <a:fillRef idx="1">
+            <a:schemeClr val="lt1"/>
+          </a:fillRef>
+          <a:effectRef idx="0">
+            <a:schemeClr val="dk1"/>
+          </a:effectRef>
+          <a:fontRef idx="minor">
+            <a:schemeClr val="dk1"/>
+          </a:fontRef>
+        </p:style>
+        <p:txBody>
+          <a:bodyPr rtlCol="0" anchor="ctr"/>
+          <a:lstStyle/>
+          <a:p>
+            <a:pPr algn="ctr"/>
+            <a:r>
+              <a:rPr lang="en-US" altLang="zh-CN" dirty="0" smtClean="0">
+                <a:solidFill>
+                  <a:schemeClr val="tx1"/>
+                </a:solidFill>
+              </a:rPr>
+              <a:t>Junction</a:t>
+            </a:r>
+            <a:endParaRPr lang="zh-CN" altLang="en-US" dirty="0">
+              <a:solidFill>
+                <a:schemeClr val="tx1"/>
+              </a:solidFill>
+            </a:endParaRPr>
+          </a:p>
+        </p:txBody>
+      </p:sp>
+      <p:cxnSp>
+        <p:nvCxnSpPr>
+          <p:cNvPr id="205" name="直接箭头连接符 204"/>
+          <p:cNvCxnSpPr>
+            <a:stCxn id="20" idx="1"/>
+            <a:endCxn id="201" idx="3"/>
+          </p:cNvCxnSpPr>
+          <p:nvPr/>
+        </p:nvCxnSpPr>
+        <p:spPr>
+          <a:xfrm flipH="1">
+            <a:off x="2972813" y="2036838"/>
+            <a:ext cx="573296" cy="637377"/>
+          </a:xfrm>
+          <a:prstGeom prst="straightConnector1">
+            <a:avLst/>
+          </a:prstGeom>
+          <a:ln>
+            <a:solidFill>
+              <a:srgbClr val="FF0000"/>
+            </a:solidFill>
+            <a:tailEnd type="triangle"/>
+          </a:ln>
+        </p:spPr>
+        <p:style>
+          <a:lnRef idx="1">
+            <a:schemeClr val="accent1"/>
+          </a:lnRef>
+          <a:fillRef idx="0">
+            <a:schemeClr val="accent1"/>
+          </a:fillRef>
+          <a:effectRef idx="0">
+            <a:schemeClr val="accent1"/>
+          </a:effectRef>
+          <a:fontRef idx="minor">
+            <a:schemeClr val="tx1"/>
+          </a:fontRef>
+        </p:style>
+      </p:cxnSp>
+      <p:cxnSp>
+        <p:nvCxnSpPr>
+          <p:cNvPr id="220" name="直接箭头连接符 219"/>
+          <p:cNvCxnSpPr>
+            <a:stCxn id="201" idx="0"/>
+            <a:endCxn id="43" idx="2"/>
+          </p:cNvCxnSpPr>
+          <p:nvPr/>
+        </p:nvCxnSpPr>
+        <p:spPr>
+          <a:xfrm flipH="1" flipV="1">
+            <a:off x="2481719" y="2121817"/>
+            <a:ext cx="5038" cy="308235"/>
+          </a:xfrm>
+          <a:prstGeom prst="straightConnector1">
+            <a:avLst/>
+          </a:prstGeom>
+          <a:ln>
+            <a:solidFill>
+              <a:srgbClr val="FF0000"/>
+            </a:solidFill>
+            <a:tailEnd type="triangle"/>
+          </a:ln>
+        </p:spPr>
+        <p:style>
+          <a:lnRef idx="1">
+            <a:schemeClr val="accent1"/>
+          </a:lnRef>
+          <a:fillRef idx="0">
+            <a:schemeClr val="accent1"/>
+          </a:fillRef>
+          <a:effectRef idx="0">
+            <a:schemeClr val="accent1"/>
+          </a:effectRef>
+          <a:fontRef idx="minor">
+            <a:schemeClr val="tx1"/>
+          </a:fontRef>
+        </p:style>
+      </p:cxnSp>
+      <p:cxnSp>
+        <p:nvCxnSpPr>
+          <p:cNvPr id="233" name="直接箭头连接符 232"/>
+          <p:cNvCxnSpPr>
+            <a:stCxn id="201" idx="3"/>
+            <a:endCxn id="77" idx="1"/>
+          </p:cNvCxnSpPr>
+          <p:nvPr/>
+        </p:nvCxnSpPr>
+        <p:spPr>
           <a:xfrm flipV="1">
-            <a:off x="5188450" y="882434"/>
-            <a:ext cx="278124" cy="6287"/>
+            <a:off x="2972813" y="2199935"/>
+            <a:ext cx="2911195" cy="474280"/>
           </a:xfrm>
           <a:prstGeom prst="straightConnector1">
             <a:avLst/>
           </a:prstGeom>
           <a:ln>
+            <a:solidFill>
+              <a:srgbClr val="FF0000"/>
+            </a:solidFill>
             <a:tailEnd type="triangle"/>
           </a:ln>
         </p:spPr>
@@ -17495,13 +17317,13 @@
       </p:cxnSp>
       <p:sp>
         <p:nvSpPr>
-          <p:cNvPr id="185" name="矩形 184"/>
+          <p:cNvPr id="93" name="矩形 92"/>
           <p:cNvSpPr/>
           <p:nvPr/>
         </p:nvSpPr>
         <p:spPr>
           <a:xfrm>
-            <a:off x="6550524" y="534844"/>
+            <a:off x="8457401" y="5163102"/>
             <a:ext cx="733330" cy="695179"/>
           </a:xfrm>
           <a:prstGeom prst="rect">
@@ -17536,12 +17358,128 @@
           <a:p>
             <a:pPr algn="ctr"/>
             <a:r>
+              <a:rPr lang="en-US" altLang="zh-CN" dirty="0" smtClean="0">
+                <a:solidFill>
+                  <a:schemeClr val="tx1"/>
+                </a:solidFill>
+              </a:rPr>
+              <a:t>MEM</a:t>
+            </a:r>
+            <a:endParaRPr lang="zh-CN" altLang="en-US" dirty="0">
+              <a:solidFill>
+                <a:schemeClr val="tx1"/>
+              </a:solidFill>
+            </a:endParaRPr>
+          </a:p>
+        </p:txBody>
+      </p:sp>
+      <p:cxnSp>
+        <p:nvCxnSpPr>
+          <p:cNvPr id="62" name="直接箭头连接符 61"/>
+          <p:cNvCxnSpPr>
+            <a:stCxn id="60" idx="2"/>
+            <a:endCxn id="93" idx="0"/>
+          </p:cNvCxnSpPr>
+          <p:nvPr/>
+        </p:nvCxnSpPr>
+        <p:spPr>
+          <a:xfrm flipH="1">
+            <a:off x="8824066" y="4941656"/>
+            <a:ext cx="453981" cy="221446"/>
+          </a:xfrm>
+          <a:prstGeom prst="straightConnector1">
+            <a:avLst/>
+          </a:prstGeom>
+          <a:ln>
+            <a:tailEnd type="triangle"/>
+          </a:ln>
+        </p:spPr>
+        <p:style>
+          <a:lnRef idx="1">
+            <a:schemeClr val="accent1"/>
+          </a:lnRef>
+          <a:fillRef idx="0">
+            <a:schemeClr val="accent1"/>
+          </a:fillRef>
+          <a:effectRef idx="0">
+            <a:schemeClr val="accent1"/>
+          </a:effectRef>
+          <a:fontRef idx="minor">
+            <a:schemeClr val="tx1"/>
+          </a:fontRef>
+        </p:style>
+      </p:cxnSp>
+      <p:sp>
+        <p:nvSpPr>
+          <p:cNvPr id="124" name="矩形 123"/>
+          <p:cNvSpPr/>
+          <p:nvPr/>
+        </p:nvSpPr>
+        <p:spPr>
+          <a:xfrm>
+            <a:off x="7732772" y="4045441"/>
+            <a:ext cx="907962" cy="894461"/>
+          </a:xfrm>
+          <a:prstGeom prst="rect">
+            <a:avLst/>
+          </a:prstGeom>
+          <a:noFill/>
+          <a:ln>
+            <a:solidFill>
+              <a:schemeClr val="tx1"/>
+            </a:solidFill>
+          </a:ln>
+        </p:spPr>
+        <p:style>
+          <a:lnRef idx="2">
+            <a:schemeClr val="accent1">
+              <a:shade val="50000"/>
+            </a:schemeClr>
+          </a:lnRef>
+          <a:fillRef idx="1">
+            <a:schemeClr val="accent1"/>
+          </a:fillRef>
+          <a:effectRef idx="0">
+            <a:schemeClr val="accent1"/>
+          </a:effectRef>
+          <a:fontRef idx="minor">
+            <a:schemeClr val="lt1"/>
+          </a:fontRef>
+        </p:style>
+        <p:txBody>
+          <a:bodyPr rtlCol="0" anchor="ctr"/>
+          <a:lstStyle/>
+          <a:p>
+            <a:pPr algn="ctr"/>
+            <a:r>
               <a:rPr lang="en-US" altLang="zh-CN" sz="1200" dirty="0" smtClean="0">
                 <a:solidFill>
                   <a:schemeClr val="tx1"/>
                 </a:solidFill>
               </a:rPr>
-              <a:t>AND</a:t>
+              <a:t>RegEx</a:t>
+            </a:r>
+          </a:p>
+          <a:p>
+            <a:pPr algn="ctr"/>
+            <a:r>
+              <a:rPr lang="en-US" altLang="zh-CN" sz="1200" dirty="0" smtClean="0">
+                <a:solidFill>
+                  <a:schemeClr val="tx1"/>
+                </a:solidFill>
+              </a:rPr>
+              <a:t>if(0-20)?</a:t>
+            </a:r>
+          </a:p>
+          <a:p>
+            <a:pPr algn="ctr"/>
+            <a:r>
+              <a:rPr lang="en-US" altLang="zh-CN" sz="1200" dirty="0" smtClean="0">
+                <a:solidFill>
+                  <a:schemeClr val="tx1"/>
+                </a:solidFill>
+              </a:rPr>
+              <a:t>0:null</a:t>
             </a:r>
             <a:endParaRPr lang="zh-CN" altLang="en-US" sz="1200" dirty="0">
               <a:solidFill>
@@ -17553,17 +17491,17 @@
       </p:sp>
       <p:cxnSp>
         <p:nvCxnSpPr>
-          <p:cNvPr id="169" name="直接箭头连接符 168"/>
+          <p:cNvPr id="109" name="直接箭头连接符 108"/>
           <p:cNvCxnSpPr>
-            <a:stCxn id="180" idx="3"/>
-            <a:endCxn id="185" idx="1"/>
+            <a:stCxn id="42" idx="2"/>
+            <a:endCxn id="60" idx="0"/>
           </p:cNvCxnSpPr>
           <p:nvPr/>
         </p:nvCxnSpPr>
         <p:spPr>
           <a:xfrm>
-            <a:off x="6199904" y="882434"/>
-            <a:ext cx="350620" cy="0"/>
+            <a:off x="7524356" y="3399787"/>
+            <a:ext cx="1753691" cy="647408"/>
           </a:xfrm>
           <a:prstGeom prst="straightConnector1">
             <a:avLst/>
@@ -17587,16 +17525,52 @@
           </a:fontRef>
         </p:style>
       </p:cxnSp>
-      <p:sp>
-        <p:nvSpPr>
-          <p:cNvPr id="193" name="矩形 192"/>
+      <p:cxnSp>
+        <p:nvCxnSpPr>
+          <p:cNvPr id="118" name="直接箭头连接符 117"/>
+          <p:cNvCxnSpPr>
+            <a:stCxn id="124" idx="2"/>
+            <a:endCxn id="93" idx="0"/>
+          </p:cNvCxnSpPr>
+          <p:nvPr/>
+        </p:nvCxnSpPr>
+        <p:spPr>
+          <a:xfrm>
+            <a:off x="8186753" y="4939902"/>
+            <a:ext cx="637313" cy="223200"/>
+          </a:xfrm>
+          <a:prstGeom prst="straightConnector1">
+            <a:avLst/>
+          </a:prstGeom>
+          <a:ln>
+            <a:tailEnd type="triangle"/>
+          </a:ln>
+        </p:spPr>
+        <p:style>
+          <a:lnRef idx="1">
+            <a:schemeClr val="accent1"/>
+          </a:lnRef>
+          <a:fillRef idx="0">
+            <a:schemeClr val="accent1"/>
+          </a:fillRef>
+          <a:effectRef idx="0">
+            <a:schemeClr val="accent1"/>
+          </a:effectRef>
+          <a:fontRef idx="minor">
+            <a:schemeClr val="tx1"/>
+          </a:fontRef>
+        </p:style>
+      </p:cxnSp>
+      <p:sp>
+        <p:nvSpPr>
+          <p:cNvPr id="164" name="矩形 163"/>
           <p:cNvSpPr/>
           <p:nvPr/>
         </p:nvSpPr>
         <p:spPr>
           <a:xfrm>
-            <a:off x="4563784" y="1555290"/>
-            <a:ext cx="733330" cy="695179"/>
+            <a:off x="6589925" y="4071362"/>
+            <a:ext cx="819035" cy="867094"/>
           </a:xfrm>
           <a:prstGeom prst="rect">
             <a:avLst/>
@@ -17635,7 +17609,18 @@
                   <a:schemeClr val="tx1"/>
                 </a:solidFill>
               </a:rPr>
-              <a:t>Relay</a:t>
+              <a:t>If(1)?</a:t>
+            </a:r>
+          </a:p>
+          <a:p>
+            <a:pPr algn="ctr"/>
+            <a:r>
+              <a:rPr lang="en-US" altLang="zh-CN" sz="1200" dirty="0" smtClean="0">
+                <a:solidFill>
+                  <a:schemeClr val="tx1"/>
+                </a:solidFill>
+              </a:rPr>
+              <a:t>20:100</a:t>
             </a:r>
             <a:endParaRPr lang="zh-CN" altLang="en-US" sz="1200" dirty="0">
               <a:solidFill>
@@ -17645,91 +17630,16 @@
           </a:p>
         </p:txBody>
       </p:sp>
-      <p:cxnSp>
-        <p:nvCxnSpPr>
-          <p:cNvPr id="178" name="肘形连接符 177"/>
-          <p:cNvCxnSpPr>
-            <a:stCxn id="185" idx="2"/>
-            <a:endCxn id="193" idx="0"/>
-          </p:cNvCxnSpPr>
-          <p:nvPr/>
-        </p:nvCxnSpPr>
-        <p:spPr>
-          <a:xfrm rot="5400000">
-            <a:off x="5761186" y="399286"/>
-            <a:ext cx="325267" cy="1986740"/>
-          </a:xfrm>
-          <a:prstGeom prst="bentConnector3">
-            <a:avLst/>
-          </a:prstGeom>
-          <a:ln>
-            <a:tailEnd type="triangle"/>
-          </a:ln>
-        </p:spPr>
-        <p:style>
-          <a:lnRef idx="1">
-            <a:schemeClr val="accent1"/>
-          </a:lnRef>
-          <a:fillRef idx="0">
-            <a:schemeClr val="accent1"/>
-          </a:fillRef>
-          <a:effectRef idx="0">
-            <a:schemeClr val="accent1"/>
-          </a:effectRef>
-          <a:fontRef idx="minor">
-            <a:schemeClr val="tx1"/>
-          </a:fontRef>
-        </p:style>
-      </p:cxnSp>
-      <p:cxnSp>
-        <p:nvCxnSpPr>
-          <p:cNvPr id="181" name="直接箭头连接符 180"/>
-          <p:cNvCxnSpPr>
-            <a:stCxn id="19" idx="0"/>
-            <a:endCxn id="193" idx="1"/>
-          </p:cNvCxnSpPr>
-          <p:nvPr/>
-        </p:nvCxnSpPr>
-        <p:spPr>
-          <a:xfrm flipV="1">
-            <a:off x="3277050" y="1902880"/>
-            <a:ext cx="1286734" cy="595077"/>
-          </a:xfrm>
-          <a:prstGeom prst="straightConnector1">
-            <a:avLst/>
-          </a:prstGeom>
-          <a:ln>
-            <a:solidFill>
-              <a:srgbClr val="FF0000"/>
-            </a:solidFill>
-            <a:tailEnd type="triangle"/>
-          </a:ln>
-        </p:spPr>
-        <p:style>
-          <a:lnRef idx="1">
-            <a:schemeClr val="accent1"/>
-          </a:lnRef>
-          <a:fillRef idx="0">
-            <a:schemeClr val="accent1"/>
-          </a:fillRef>
-          <a:effectRef idx="0">
-            <a:schemeClr val="accent1"/>
-          </a:effectRef>
-          <a:fontRef idx="minor">
-            <a:schemeClr val="tx1"/>
-          </a:fontRef>
-        </p:style>
-      </p:cxnSp>
-      <p:sp>
-        <p:nvSpPr>
-          <p:cNvPr id="201" name="矩形 200"/>
+      <p:sp>
+        <p:nvSpPr>
+          <p:cNvPr id="112" name="矩形 111"/>
           <p:cNvSpPr/>
           <p:nvPr/>
         </p:nvSpPr>
         <p:spPr>
           <a:xfrm>
-            <a:off x="5833239" y="1662041"/>
-            <a:ext cx="972113" cy="488326"/>
+            <a:off x="4693159" y="711373"/>
+            <a:ext cx="733330" cy="695179"/>
           </a:xfrm>
           <a:prstGeom prst="rect">
             <a:avLst/>
@@ -17768,7 +17678,7 @@
                   <a:schemeClr val="tx1"/>
                 </a:solidFill>
               </a:rPr>
-              <a:t>Oxygen</a:t>
+              <a:t>Abs()</a:t>
             </a:r>
             <a:endParaRPr lang="zh-CN" altLang="en-US" dirty="0">
               <a:solidFill>
@@ -17778,19 +17688,435 @@
           </a:p>
         </p:txBody>
       </p:sp>
+      <p:sp>
+        <p:nvSpPr>
+          <p:cNvPr id="113" name="矩形 112"/>
+          <p:cNvSpPr/>
+          <p:nvPr/>
+        </p:nvSpPr>
+        <p:spPr>
+          <a:xfrm>
+            <a:off x="3581014" y="708194"/>
+            <a:ext cx="733330" cy="695179"/>
+          </a:xfrm>
+          <a:prstGeom prst="rect">
+            <a:avLst/>
+          </a:prstGeom>
+          <a:noFill/>
+          <a:ln>
+            <a:solidFill>
+              <a:schemeClr val="tx1"/>
+            </a:solidFill>
+          </a:ln>
+        </p:spPr>
+        <p:style>
+          <a:lnRef idx="2">
+            <a:schemeClr val="accent1">
+              <a:shade val="50000"/>
+            </a:schemeClr>
+          </a:lnRef>
+          <a:fillRef idx="1">
+            <a:schemeClr val="accent1"/>
+          </a:fillRef>
+          <a:effectRef idx="0">
+            <a:schemeClr val="accent1"/>
+          </a:effectRef>
+          <a:fontRef idx="minor">
+            <a:schemeClr val="lt1"/>
+          </a:fontRef>
+        </p:style>
+        <p:txBody>
+          <a:bodyPr rtlCol="0" anchor="ctr"/>
+          <a:lstStyle/>
+          <a:p>
+            <a:pPr algn="ctr"/>
+            <a:r>
+              <a:rPr lang="en-US" altLang="zh-CN" dirty="0" smtClean="0">
+                <a:solidFill>
+                  <a:schemeClr val="tx1"/>
+                </a:solidFill>
+              </a:rPr>
+              <a:t>(int)</a:t>
+            </a:r>
+          </a:p>
+          <a:p>
+            <a:pPr algn="ctr"/>
+            <a:r>
+              <a:rPr lang="en-US" altLang="zh-CN" dirty="0" smtClean="0">
+                <a:solidFill>
+                  <a:schemeClr val="tx1"/>
+                </a:solidFill>
+              </a:rPr>
+              <a:t>HV</a:t>
+            </a:r>
+            <a:endParaRPr lang="zh-CN" altLang="en-US" dirty="0">
+              <a:solidFill>
+                <a:schemeClr val="tx1"/>
+              </a:solidFill>
+            </a:endParaRPr>
+          </a:p>
+        </p:txBody>
+      </p:sp>
       <p:cxnSp>
         <p:nvCxnSpPr>
-          <p:cNvPr id="184" name="直接箭头连接符 183"/>
+          <p:cNvPr id="85" name="直接箭头连接符 84"/>
           <p:cNvCxnSpPr>
-            <a:stCxn id="193" idx="3"/>
-            <a:endCxn id="201" idx="1"/>
+            <a:stCxn id="112" idx="3"/>
+            <a:endCxn id="105" idx="1"/>
           </p:cNvCxnSpPr>
           <p:nvPr/>
         </p:nvCxnSpPr>
         <p:spPr>
           <a:xfrm>
-            <a:off x="5297114" y="1902880"/>
-            <a:ext cx="536125" cy="3324"/>
+            <a:off x="5426489" y="1058963"/>
+            <a:ext cx="383870" cy="0"/>
+          </a:xfrm>
+          <a:prstGeom prst="straightConnector1">
+            <a:avLst/>
+          </a:prstGeom>
+          <a:ln>
+            <a:tailEnd type="triangle"/>
+          </a:ln>
+        </p:spPr>
+        <p:style>
+          <a:lnRef idx="1">
+            <a:schemeClr val="accent1"/>
+          </a:lnRef>
+          <a:fillRef idx="0">
+            <a:schemeClr val="accent1"/>
+          </a:fillRef>
+          <a:effectRef idx="0">
+            <a:schemeClr val="accent1"/>
+          </a:effectRef>
+          <a:fontRef idx="minor">
+            <a:schemeClr val="tx1"/>
+          </a:fontRef>
+        </p:style>
+      </p:cxnSp>
+      <p:cxnSp>
+        <p:nvCxnSpPr>
+          <p:cNvPr id="87" name="直接箭头连接符 86"/>
+          <p:cNvCxnSpPr>
+            <a:stCxn id="113" idx="3"/>
+            <a:endCxn id="112" idx="1"/>
+          </p:cNvCxnSpPr>
+          <p:nvPr/>
+        </p:nvCxnSpPr>
+        <p:spPr>
+          <a:xfrm>
+            <a:off x="4314344" y="1055784"/>
+            <a:ext cx="378815" cy="3179"/>
+          </a:xfrm>
+          <a:prstGeom prst="straightConnector1">
+            <a:avLst/>
+          </a:prstGeom>
+          <a:ln>
+            <a:tailEnd type="triangle"/>
+          </a:ln>
+        </p:spPr>
+        <p:style>
+          <a:lnRef idx="1">
+            <a:schemeClr val="accent1"/>
+          </a:lnRef>
+          <a:fillRef idx="0">
+            <a:schemeClr val="accent1"/>
+          </a:fillRef>
+          <a:effectRef idx="0">
+            <a:schemeClr val="accent1"/>
+          </a:effectRef>
+          <a:fontRef idx="minor">
+            <a:schemeClr val="tx1"/>
+          </a:fontRef>
+        </p:style>
+      </p:cxnSp>
+      <p:cxnSp>
+        <p:nvCxnSpPr>
+          <p:cNvPr id="89" name="直接箭头连接符 88"/>
+          <p:cNvCxnSpPr>
+            <a:stCxn id="65" idx="3"/>
+            <a:endCxn id="113" idx="1"/>
+          </p:cNvCxnSpPr>
+          <p:nvPr/>
+        </p:nvCxnSpPr>
+        <p:spPr>
+          <a:xfrm>
+            <a:off x="3044730" y="1054621"/>
+            <a:ext cx="536284" cy="1163"/>
+          </a:xfrm>
+          <a:prstGeom prst="straightConnector1">
+            <a:avLst/>
+          </a:prstGeom>
+          <a:ln>
+            <a:tailEnd type="triangle"/>
+          </a:ln>
+        </p:spPr>
+        <p:style>
+          <a:lnRef idx="1">
+            <a:schemeClr val="accent1"/>
+          </a:lnRef>
+          <a:fillRef idx="0">
+            <a:schemeClr val="accent1"/>
+          </a:fillRef>
+          <a:effectRef idx="0">
+            <a:schemeClr val="accent1"/>
+          </a:effectRef>
+          <a:fontRef idx="minor">
+            <a:schemeClr val="tx1"/>
+          </a:fontRef>
+        </p:style>
+      </p:cxnSp>
+      <p:sp>
+        <p:nvSpPr>
+          <p:cNvPr id="126" name="矩形 125"/>
+          <p:cNvSpPr/>
+          <p:nvPr/>
+        </p:nvSpPr>
+        <p:spPr>
+          <a:xfrm>
+            <a:off x="7102191" y="769917"/>
+            <a:ext cx="733330" cy="695179"/>
+          </a:xfrm>
+          <a:prstGeom prst="rect">
+            <a:avLst/>
+          </a:prstGeom>
+          <a:noFill/>
+          <a:ln>
+            <a:solidFill>
+              <a:schemeClr val="tx1"/>
+            </a:solidFill>
+          </a:ln>
+        </p:spPr>
+        <p:style>
+          <a:lnRef idx="2">
+            <a:schemeClr val="accent1">
+              <a:shade val="50000"/>
+            </a:schemeClr>
+          </a:lnRef>
+          <a:fillRef idx="1">
+            <a:schemeClr val="accent1"/>
+          </a:fillRef>
+          <a:effectRef idx="0">
+            <a:schemeClr val="accent1"/>
+          </a:effectRef>
+          <a:fontRef idx="minor">
+            <a:schemeClr val="lt1"/>
+          </a:fontRef>
+        </p:style>
+        <p:txBody>
+          <a:bodyPr rtlCol="0" anchor="ctr"/>
+          <a:lstStyle/>
+          <a:p>
+            <a:pPr algn="ctr"/>
+            <a:r>
+              <a:rPr lang="en-US" altLang="zh-CN" dirty="0" smtClean="0">
+                <a:solidFill>
+                  <a:schemeClr val="tx1"/>
+                </a:solidFill>
+              </a:rPr>
+              <a:t>Mod</a:t>
+            </a:r>
+          </a:p>
+          <a:p>
+            <a:pPr algn="ctr"/>
+            <a:r>
+              <a:rPr lang="en-US" altLang="zh-CN" dirty="0" smtClean="0">
+                <a:solidFill>
+                  <a:schemeClr val="tx1"/>
+                </a:solidFill>
+              </a:rPr>
+              <a:t>(50)</a:t>
+            </a:r>
+            <a:endParaRPr lang="zh-CN" altLang="en-US" dirty="0">
+              <a:solidFill>
+                <a:schemeClr val="tx1"/>
+              </a:solidFill>
+            </a:endParaRPr>
+          </a:p>
+        </p:txBody>
+      </p:sp>
+      <p:cxnSp>
+        <p:nvCxnSpPr>
+          <p:cNvPr id="103" name="直接箭头连接符 102"/>
+          <p:cNvCxnSpPr>
+            <a:stCxn id="126" idx="3"/>
+            <a:endCxn id="106" idx="1"/>
+          </p:cNvCxnSpPr>
+          <p:nvPr/>
+        </p:nvCxnSpPr>
+        <p:spPr>
+          <a:xfrm>
+            <a:off x="7835521" y="1117507"/>
+            <a:ext cx="378815" cy="0"/>
+          </a:xfrm>
+          <a:prstGeom prst="straightConnector1">
+            <a:avLst/>
+          </a:prstGeom>
+          <a:ln>
+            <a:tailEnd type="triangle"/>
+          </a:ln>
+        </p:spPr>
+        <p:style>
+          <a:lnRef idx="1">
+            <a:schemeClr val="accent1"/>
+          </a:lnRef>
+          <a:fillRef idx="0">
+            <a:schemeClr val="accent1"/>
+          </a:fillRef>
+          <a:effectRef idx="0">
+            <a:schemeClr val="accent1"/>
+          </a:effectRef>
+          <a:fontRef idx="minor">
+            <a:schemeClr val="tx1"/>
+          </a:fontRef>
+        </p:style>
+      </p:cxnSp>
+      <p:cxnSp>
+        <p:nvCxnSpPr>
+          <p:cNvPr id="111" name="肘形连接符 110"/>
+          <p:cNvCxnSpPr>
+            <a:stCxn id="112" idx="0"/>
+            <a:endCxn id="126" idx="0"/>
+          </p:cNvCxnSpPr>
+          <p:nvPr/>
+        </p:nvCxnSpPr>
+        <p:spPr>
+          <a:xfrm rot="16200000" flipH="1">
+            <a:off x="6235068" y="-463871"/>
+            <a:ext cx="58544" cy="2409032"/>
+          </a:xfrm>
+          <a:prstGeom prst="bentConnector3">
+            <a:avLst>
+              <a:gd name="adj1" fmla="val -390476"/>
+            </a:avLst>
+          </a:prstGeom>
+          <a:ln>
+            <a:tailEnd type="triangle"/>
+          </a:ln>
+        </p:spPr>
+        <p:style>
+          <a:lnRef idx="1">
+            <a:schemeClr val="accent1"/>
+          </a:lnRef>
+          <a:fillRef idx="0">
+            <a:schemeClr val="accent1"/>
+          </a:fillRef>
+          <a:effectRef idx="0">
+            <a:schemeClr val="accent1"/>
+          </a:effectRef>
+          <a:fontRef idx="minor">
+            <a:schemeClr val="tx1"/>
+          </a:fontRef>
+        </p:style>
+      </p:cxnSp>
+      <p:sp>
+        <p:nvSpPr>
+          <p:cNvPr id="140" name="矩形 139"/>
+          <p:cNvSpPr/>
+          <p:nvPr/>
+        </p:nvSpPr>
+        <p:spPr>
+          <a:xfrm>
+            <a:off x="10287179" y="769880"/>
+            <a:ext cx="733330" cy="695179"/>
+          </a:xfrm>
+          <a:prstGeom prst="rect">
+            <a:avLst/>
+          </a:prstGeom>
+          <a:noFill/>
+          <a:ln>
+            <a:solidFill>
+              <a:schemeClr val="tx1"/>
+            </a:solidFill>
+          </a:ln>
+        </p:spPr>
+        <p:style>
+          <a:lnRef idx="2">
+            <a:schemeClr val="accent1">
+              <a:shade val="50000"/>
+            </a:schemeClr>
+          </a:lnRef>
+          <a:fillRef idx="1">
+            <a:schemeClr val="accent1"/>
+          </a:fillRef>
+          <a:effectRef idx="0">
+            <a:schemeClr val="accent1"/>
+          </a:effectRef>
+          <a:fontRef idx="minor">
+            <a:schemeClr val="lt1"/>
+          </a:fontRef>
+        </p:style>
+        <p:txBody>
+          <a:bodyPr rtlCol="0" anchor="ctr"/>
+          <a:lstStyle/>
+          <a:p>
+            <a:pPr algn="ctr"/>
+            <a:r>
+              <a:rPr lang="en-US" altLang="zh-CN" dirty="0" smtClean="0">
+                <a:solidFill>
+                  <a:schemeClr val="tx1"/>
+                </a:solidFill>
+              </a:rPr>
+              <a:t>MEM50</a:t>
+            </a:r>
+            <a:endParaRPr lang="zh-CN" altLang="en-US" dirty="0">
+              <a:solidFill>
+                <a:schemeClr val="tx1"/>
+              </a:solidFill>
+            </a:endParaRPr>
+          </a:p>
+        </p:txBody>
+      </p:sp>
+      <p:cxnSp>
+        <p:nvCxnSpPr>
+          <p:cNvPr id="120" name="肘形连接符 119"/>
+          <p:cNvCxnSpPr>
+            <a:stCxn id="140" idx="0"/>
+            <a:endCxn id="126" idx="0"/>
+          </p:cNvCxnSpPr>
+          <p:nvPr/>
+        </p:nvCxnSpPr>
+        <p:spPr>
+          <a:xfrm rot="16200000" flipH="1" flipV="1">
+            <a:off x="9061331" y="-822596"/>
+            <a:ext cx="37" cy="3184988"/>
+          </a:xfrm>
+          <a:prstGeom prst="bentConnector3">
+            <a:avLst>
+              <a:gd name="adj1" fmla="val -1117664865"/>
+            </a:avLst>
+          </a:prstGeom>
+          <a:ln>
+            <a:tailEnd type="triangle"/>
+          </a:ln>
+        </p:spPr>
+        <p:style>
+          <a:lnRef idx="1">
+            <a:schemeClr val="accent1"/>
+          </a:lnRef>
+          <a:fillRef idx="0">
+            <a:schemeClr val="accent1"/>
+          </a:fillRef>
+          <a:effectRef idx="0">
+            <a:schemeClr val="accent1"/>
+          </a:effectRef>
+          <a:fontRef idx="minor">
+            <a:schemeClr val="tx1"/>
+          </a:fontRef>
+        </p:style>
+      </p:cxnSp>
+      <p:cxnSp>
+        <p:nvCxnSpPr>
+          <p:cNvPr id="142" name="直接箭头连接符 141"/>
+          <p:cNvCxnSpPr>
+            <a:stCxn id="201" idx="3"/>
+            <a:endCxn id="78" idx="1"/>
+          </p:cNvCxnSpPr>
+          <p:nvPr/>
+        </p:nvCxnSpPr>
+        <p:spPr>
+          <a:xfrm>
+            <a:off x="2972813" y="2674215"/>
+            <a:ext cx="2911195" cy="498461"/>
           </a:xfrm>
           <a:prstGeom prst="straightConnector1">
             <a:avLst/>
@@ -17817,15 +18143,206 @@
           </a:fontRef>
         </p:style>
       </p:cxnSp>
-      <p:sp>
-        <p:nvSpPr>
-          <p:cNvPr id="39" name="矩形 38"/>
+      <p:cxnSp>
+        <p:nvCxnSpPr>
+          <p:cNvPr id="149" name="肘形连接符 148"/>
+          <p:cNvCxnSpPr>
+            <a:stCxn id="106" idx="2"/>
+            <a:endCxn id="42" idx="3"/>
+          </p:cNvCxnSpPr>
+          <p:nvPr/>
+        </p:nvCxnSpPr>
+        <p:spPr>
+          <a:xfrm rot="5400000">
+            <a:off x="7470473" y="2064054"/>
+            <a:ext cx="1709487" cy="511570"/>
+          </a:xfrm>
+          <a:prstGeom prst="bentConnector2">
+            <a:avLst/>
+          </a:prstGeom>
+          <a:ln>
+            <a:tailEnd type="triangle"/>
+          </a:ln>
+        </p:spPr>
+        <p:style>
+          <a:lnRef idx="1">
+            <a:schemeClr val="accent1"/>
+          </a:lnRef>
+          <a:fillRef idx="0">
+            <a:schemeClr val="accent1"/>
+          </a:fillRef>
+          <a:effectRef idx="0">
+            <a:schemeClr val="accent1"/>
+          </a:effectRef>
+          <a:fontRef idx="minor">
+            <a:schemeClr val="tx1"/>
+          </a:fontRef>
+        </p:style>
+      </p:cxnSp>
+      <p:cxnSp>
+        <p:nvCxnSpPr>
+          <p:cNvPr id="174" name="肘形连接符 173"/>
+          <p:cNvCxnSpPr>
+            <a:stCxn id="42" idx="2"/>
+            <a:endCxn id="51" idx="3"/>
+          </p:cNvCxnSpPr>
+          <p:nvPr/>
+        </p:nvCxnSpPr>
+        <p:spPr>
+          <a:xfrm rot="5400000">
+            <a:off x="5050480" y="1341309"/>
+            <a:ext cx="415399" cy="4532355"/>
+          </a:xfrm>
+          <a:prstGeom prst="bentConnector2">
+            <a:avLst/>
+          </a:prstGeom>
+          <a:ln>
+            <a:solidFill>
+              <a:srgbClr val="FF0000"/>
+            </a:solidFill>
+            <a:tailEnd type="triangle"/>
+          </a:ln>
+        </p:spPr>
+        <p:style>
+          <a:lnRef idx="1">
+            <a:schemeClr val="accent1"/>
+          </a:lnRef>
+          <a:fillRef idx="0">
+            <a:schemeClr val="accent1"/>
+          </a:fillRef>
+          <a:effectRef idx="0">
+            <a:schemeClr val="accent1"/>
+          </a:effectRef>
+          <a:fontRef idx="minor">
+            <a:schemeClr val="tx1"/>
+          </a:fontRef>
+        </p:style>
+      </p:cxnSp>
+      <p:cxnSp>
+        <p:nvCxnSpPr>
+          <p:cNvPr id="181" name="肘形连接符 180"/>
+          <p:cNvCxnSpPr>
+            <a:stCxn id="201" idx="1"/>
+            <a:endCxn id="65" idx="1"/>
+          </p:cNvCxnSpPr>
+          <p:nvPr/>
+        </p:nvCxnSpPr>
+        <p:spPr>
+          <a:xfrm rot="10800000">
+            <a:off x="1918706" y="1054621"/>
+            <a:ext cx="81994" cy="1619594"/>
+          </a:xfrm>
+          <a:prstGeom prst="bentConnector3">
+            <a:avLst>
+              <a:gd name="adj1" fmla="val 378801"/>
+            </a:avLst>
+          </a:prstGeom>
+          <a:ln>
+            <a:solidFill>
+              <a:srgbClr val="FF0000"/>
+            </a:solidFill>
+            <a:tailEnd type="triangle"/>
+          </a:ln>
+        </p:spPr>
+        <p:style>
+          <a:lnRef idx="1">
+            <a:schemeClr val="accent1"/>
+          </a:lnRef>
+          <a:fillRef idx="0">
+            <a:schemeClr val="accent1"/>
+          </a:fillRef>
+          <a:effectRef idx="0">
+            <a:schemeClr val="accent1"/>
+          </a:effectRef>
+          <a:fontRef idx="minor">
+            <a:schemeClr val="tx1"/>
+          </a:fontRef>
+        </p:style>
+      </p:cxnSp>
+      <p:cxnSp>
+        <p:nvCxnSpPr>
+          <p:cNvPr id="212" name="直接箭头连接符 211"/>
+          <p:cNvCxnSpPr>
+            <a:stCxn id="93" idx="1"/>
+            <a:endCxn id="164" idx="2"/>
+          </p:cNvCxnSpPr>
+          <p:nvPr/>
+        </p:nvCxnSpPr>
+        <p:spPr>
+          <a:xfrm flipH="1" flipV="1">
+            <a:off x="6999443" y="4938456"/>
+            <a:ext cx="1457958" cy="572236"/>
+          </a:xfrm>
+          <a:prstGeom prst="straightConnector1">
+            <a:avLst/>
+          </a:prstGeom>
+          <a:ln>
+            <a:tailEnd type="triangle"/>
+          </a:ln>
+        </p:spPr>
+        <p:style>
+          <a:lnRef idx="1">
+            <a:schemeClr val="accent1"/>
+          </a:lnRef>
+          <a:fillRef idx="0">
+            <a:schemeClr val="accent1"/>
+          </a:fillRef>
+          <a:effectRef idx="0">
+            <a:schemeClr val="accent1"/>
+          </a:effectRef>
+          <a:fontRef idx="minor">
+            <a:schemeClr val="tx1"/>
+          </a:fontRef>
+        </p:style>
+      </p:cxnSp>
+      <p:cxnSp>
+        <p:nvCxnSpPr>
+          <p:cNvPr id="215" name="肘形连接符 214"/>
+          <p:cNvCxnSpPr>
+            <a:stCxn id="51" idx="2"/>
+            <a:endCxn id="44" idx="1"/>
+          </p:cNvCxnSpPr>
+          <p:nvPr/>
+        </p:nvCxnSpPr>
+        <p:spPr>
+          <a:xfrm rot="16200000" flipH="1">
+            <a:off x="3404135" y="3161159"/>
+            <a:ext cx="724041" cy="2520420"/>
+          </a:xfrm>
+          <a:prstGeom prst="bentConnector2">
+            <a:avLst/>
+          </a:prstGeom>
+          <a:ln>
+            <a:solidFill>
+              <a:srgbClr val="FF0000"/>
+            </a:solidFill>
+            <a:tailEnd type="triangle"/>
+          </a:ln>
+        </p:spPr>
+        <p:style>
+          <a:lnRef idx="1">
+            <a:schemeClr val="accent1"/>
+          </a:lnRef>
+          <a:fillRef idx="0">
+            <a:schemeClr val="accent1"/>
+          </a:fillRef>
+          <a:effectRef idx="0">
+            <a:schemeClr val="accent1"/>
+          </a:effectRef>
+          <a:fontRef idx="minor">
+            <a:schemeClr val="tx1"/>
+          </a:fontRef>
+        </p:style>
+      </p:cxnSp>
+      <p:sp>
+        <p:nvSpPr>
+          <p:cNvPr id="224" name="矩形 223"/>
           <p:cNvSpPr/>
           <p:nvPr/>
         </p:nvSpPr>
         <p:spPr>
           <a:xfrm>
-            <a:off x="3644407" y="3473509"/>
+            <a:off x="832577" y="2912307"/>
             <a:ext cx="733330" cy="695179"/>
           </a:xfrm>
           <a:prstGeom prst="rect">
@@ -17860,14 +18377,14 @@
           <a:p>
             <a:pPr algn="ctr"/>
             <a:r>
-              <a:rPr lang="en-US" altLang="zh-CN" sz="1200" dirty="0" smtClean="0">
+              <a:rPr lang="en-US" altLang="zh-CN" dirty="0" smtClean="0">
                 <a:solidFill>
                   <a:schemeClr val="tx1"/>
                 </a:solidFill>
               </a:rPr>
-              <a:t>100</a:t>
-            </a:r>
-            <a:endParaRPr lang="zh-CN" altLang="en-US" sz="1200" dirty="0">
+              <a:t>Relay</a:t>
+            </a:r>
+            <a:endParaRPr lang="zh-CN" altLang="en-US" dirty="0">
               <a:solidFill>
                 <a:schemeClr val="tx1"/>
               </a:solidFill>
@@ -17875,151 +18392,22 @@
           </a:p>
         </p:txBody>
       </p:sp>
-      <p:sp>
-        <p:nvSpPr>
-          <p:cNvPr id="40" name="矩形 39"/>
-          <p:cNvSpPr/>
-          <p:nvPr/>
-        </p:nvSpPr>
-        <p:spPr>
-          <a:xfrm>
-            <a:off x="4513215" y="3473509"/>
-            <a:ext cx="733330" cy="695178"/>
-          </a:xfrm>
-          <a:prstGeom prst="rect">
-            <a:avLst/>
-          </a:prstGeom>
-          <a:noFill/>
-          <a:ln>
-            <a:solidFill>
-              <a:schemeClr val="tx1"/>
-            </a:solidFill>
-          </a:ln>
-        </p:spPr>
-        <p:style>
-          <a:lnRef idx="2">
-            <a:schemeClr val="accent1">
-              <a:shade val="50000"/>
-            </a:schemeClr>
-          </a:lnRef>
-          <a:fillRef idx="1">
-            <a:schemeClr val="accent1"/>
-          </a:fillRef>
-          <a:effectRef idx="0">
-            <a:schemeClr val="accent1"/>
-          </a:effectRef>
-          <a:fontRef idx="minor">
-            <a:schemeClr val="lt1"/>
-          </a:fontRef>
-        </p:style>
-        <p:txBody>
-          <a:bodyPr rtlCol="0" anchor="ctr"/>
-          <a:lstStyle/>
-          <a:p>
-            <a:pPr algn="ctr"/>
-            <a:r>
-              <a:rPr lang="en-US" altLang="zh-CN" sz="1200" dirty="0" smtClean="0">
-                <a:solidFill>
-                  <a:schemeClr val="tx1"/>
-                </a:solidFill>
-              </a:rPr>
-              <a:t>-</a:t>
-            </a:r>
-            <a:endParaRPr lang="zh-CN" altLang="en-US" sz="1200" dirty="0">
-              <a:solidFill>
-                <a:schemeClr val="tx1"/>
-              </a:solidFill>
-            </a:endParaRPr>
-          </a:p>
-        </p:txBody>
-      </p:sp>
-      <p:sp>
-        <p:nvSpPr>
-          <p:cNvPr id="45" name="矩形 44"/>
-          <p:cNvSpPr/>
-          <p:nvPr/>
-        </p:nvSpPr>
-        <p:spPr>
-          <a:xfrm>
-            <a:off x="5410184" y="3473509"/>
-            <a:ext cx="733330" cy="695178"/>
-          </a:xfrm>
-          <a:prstGeom prst="rect">
-            <a:avLst/>
-          </a:prstGeom>
-          <a:noFill/>
-          <a:ln>
-            <a:solidFill>
-              <a:schemeClr val="tx1"/>
-            </a:solidFill>
-          </a:ln>
-        </p:spPr>
-        <p:style>
-          <a:lnRef idx="2">
-            <a:schemeClr val="accent1">
-              <a:shade val="50000"/>
-            </a:schemeClr>
-          </a:lnRef>
-          <a:fillRef idx="1">
-            <a:schemeClr val="accent1"/>
-          </a:fillRef>
-          <a:effectRef idx="0">
-            <a:schemeClr val="accent1"/>
-          </a:effectRef>
-          <a:fontRef idx="minor">
-            <a:schemeClr val="lt1"/>
-          </a:fontRef>
-        </p:style>
-        <p:txBody>
-          <a:bodyPr rtlCol="0" anchor="ctr"/>
-          <a:lstStyle/>
-          <a:p>
-            <a:pPr algn="ctr"/>
-            <a:r>
-              <a:rPr lang="en-US" altLang="zh-CN" sz="1200" dirty="0" smtClean="0">
-                <a:solidFill>
-                  <a:schemeClr val="tx1"/>
-                </a:solidFill>
-              </a:rPr>
-              <a:t>Delay</a:t>
-            </a:r>
-          </a:p>
-          <a:p>
-            <a:pPr algn="ctr"/>
-            <a:r>
-              <a:rPr lang="en-US" altLang="zh-CN" sz="1200" dirty="0" smtClean="0">
-                <a:solidFill>
-                  <a:schemeClr val="tx1"/>
-                </a:solidFill>
-              </a:rPr>
-              <a:t>1s</a:t>
-            </a:r>
-            <a:endParaRPr lang="zh-CN" altLang="en-US" sz="1200" dirty="0">
-              <a:solidFill>
-                <a:schemeClr val="tx1"/>
-              </a:solidFill>
-            </a:endParaRPr>
-          </a:p>
-        </p:txBody>
-      </p:sp>
       <p:cxnSp>
         <p:nvCxnSpPr>
-          <p:cNvPr id="7" name="肘形连接符 6"/>
+          <p:cNvPr id="226" name="肘形连接符 225"/>
           <p:cNvCxnSpPr>
-            <a:stCxn id="58" idx="0"/>
-            <a:endCxn id="185" idx="0"/>
+            <a:stCxn id="93" idx="1"/>
+            <a:endCxn id="224" idx="2"/>
           </p:cNvCxnSpPr>
           <p:nvPr/>
         </p:nvCxnSpPr>
         <p:spPr>
-          <a:xfrm rot="5400000" flipH="1" flipV="1">
-            <a:off x="5111881" y="-1262694"/>
-            <a:ext cx="7769" cy="3602847"/>
-          </a:xfrm>
-          <a:prstGeom prst="bentConnector3">
-            <a:avLst>
-              <a:gd name="adj1" fmla="val 3042464"/>
-            </a:avLst>
+          <a:xfrm rot="10800000">
+            <a:off x="1199243" y="3607486"/>
+            <a:ext cx="7258159" cy="1903206"/>
+          </a:xfrm>
+          <a:prstGeom prst="bentConnector2">
+            <a:avLst/>
           </a:prstGeom>
           <a:ln>
             <a:tailEnd type="triangle"/>
@@ -18042,22 +18430,25 @@
       </p:cxnSp>
       <p:cxnSp>
         <p:nvCxnSpPr>
-          <p:cNvPr id="17" name="直接箭头连接符 16"/>
+          <p:cNvPr id="232" name="直接箭头连接符 231"/>
           <p:cNvCxnSpPr>
-            <a:stCxn id="213" idx="2"/>
-            <a:endCxn id="40" idx="0"/>
+            <a:stCxn id="51" idx="1"/>
+            <a:endCxn id="224" idx="3"/>
           </p:cNvCxnSpPr>
           <p:nvPr/>
         </p:nvCxnSpPr>
         <p:spPr>
-          <a:xfrm>
-            <a:off x="4752039" y="2981858"/>
-            <a:ext cx="127841" cy="491651"/>
+          <a:xfrm flipH="1" flipV="1">
+            <a:off x="1565907" y="3259897"/>
+            <a:ext cx="453981" cy="555289"/>
           </a:xfrm>
           <a:prstGeom prst="straightConnector1">
             <a:avLst/>
           </a:prstGeom>
           <a:ln>
+            <a:solidFill>
+              <a:srgbClr val="FF0000"/>
+            </a:solidFill>
             <a:tailEnd type="triangle"/>
           </a:ln>
         </p:spPr>
@@ -18078,22 +18469,25 @@
       </p:cxnSp>
       <p:cxnSp>
         <p:nvCxnSpPr>
-          <p:cNvPr id="21" name="直接箭头连接符 20"/>
+          <p:cNvPr id="235" name="直接箭头连接符 234"/>
           <p:cNvCxnSpPr>
-            <a:stCxn id="39" idx="3"/>
-            <a:endCxn id="40" idx="1"/>
+            <a:stCxn id="224" idx="3"/>
+            <a:endCxn id="201" idx="1"/>
           </p:cNvCxnSpPr>
           <p:nvPr/>
         </p:nvCxnSpPr>
         <p:spPr>
           <a:xfrm flipV="1">
-            <a:off x="4377737" y="3821098"/>
-            <a:ext cx="135478" cy="1"/>
+            <a:off x="1565907" y="2674215"/>
+            <a:ext cx="434793" cy="585682"/>
           </a:xfrm>
           <a:prstGeom prst="straightConnector1">
             <a:avLst/>
           </a:prstGeom>
           <a:ln>
+            <a:solidFill>
+              <a:srgbClr val="FF0000"/>
+            </a:solidFill>
             <a:tailEnd type="triangle"/>
           </a:ln>
         </p:spPr>
@@ -18114,17 +18508,17 @@
       </p:cxnSp>
       <p:cxnSp>
         <p:nvCxnSpPr>
-          <p:cNvPr id="24" name="直接箭头连接符 23"/>
+          <p:cNvPr id="241" name="直接箭头连接符 240"/>
           <p:cNvCxnSpPr>
-            <a:stCxn id="40" idx="3"/>
-            <a:endCxn id="45" idx="1"/>
+            <a:stCxn id="164" idx="1"/>
+            <a:endCxn id="44" idx="3"/>
           </p:cNvCxnSpPr>
           <p:nvPr/>
         </p:nvCxnSpPr>
         <p:spPr>
-          <a:xfrm>
-            <a:off x="5246545" y="3821098"/>
-            <a:ext cx="163639" cy="0"/>
+          <a:xfrm flipH="1">
+            <a:off x="6152389" y="4504909"/>
+            <a:ext cx="437536" cy="278481"/>
           </a:xfrm>
           <a:prstGeom prst="straightConnector1">
             <a:avLst/>
@@ -18150,22 +18544,25 @@
       </p:cxnSp>
       <p:cxnSp>
         <p:nvCxnSpPr>
-          <p:cNvPr id="26" name="直接箭头连接符 25"/>
+          <p:cNvPr id="3" name="直接箭头连接符 2"/>
           <p:cNvCxnSpPr>
-            <a:stCxn id="45" idx="0"/>
-            <a:endCxn id="213" idx="2"/>
+            <a:stCxn id="51" idx="3"/>
+            <a:endCxn id="48" idx="1"/>
           </p:cNvCxnSpPr>
           <p:nvPr/>
         </p:nvCxnSpPr>
         <p:spPr>
-          <a:xfrm flipH="1" flipV="1">
-            <a:off x="4752039" y="2981858"/>
-            <a:ext cx="1024810" cy="491651"/>
+          <a:xfrm>
+            <a:off x="2992001" y="3815186"/>
+            <a:ext cx="2034364" cy="373504"/>
           </a:xfrm>
           <a:prstGeom prst="straightConnector1">
             <a:avLst/>
           </a:prstGeom>
           <a:ln>
+            <a:solidFill>
+              <a:srgbClr val="FF0000"/>
+            </a:solidFill>
             <a:tailEnd type="triangle"/>
           </a:ln>
         </p:spPr>
@@ -18187,7 +18584,7 @@
     </p:spTree>
     <p:extLst>
       <p:ext uri="{BB962C8B-B14F-4D97-AF65-F5344CB8AC3E}">
-        <p14:creationId xmlns:p14="http://schemas.microsoft.com/office/powerpoint/2010/main" val="6664992"/>
+        <p14:creationId xmlns:p14="http://schemas.microsoft.com/office/powerpoint/2010/main" val="3425912277"/>
       </p:ext>
     </p:extLst>
   </p:cSld>
@@ -18223,14 +18620,14 @@
       </p:grpSpPr>
       <p:sp>
         <p:nvSpPr>
-          <p:cNvPr id="20" name="矩形 19"/>
+          <p:cNvPr id="2" name="矩形 1"/>
           <p:cNvSpPr/>
           <p:nvPr/>
         </p:nvSpPr>
         <p:spPr>
           <a:xfrm>
-            <a:off x="3546109" y="1797808"/>
-            <a:ext cx="972113" cy="478060"/>
+            <a:off x="2070981" y="3472799"/>
+            <a:ext cx="733330" cy="695178"/>
           </a:xfrm>
           <a:prstGeom prst="rect">
             <a:avLst/>
@@ -18264,12 +18661,499 @@
           <a:p>
             <a:pPr algn="ctr"/>
             <a:r>
+              <a:rPr lang="en-US" altLang="zh-CN" sz="1200" dirty="0" smtClean="0">
+                <a:solidFill>
+                  <a:schemeClr val="tx1"/>
+                </a:solidFill>
+              </a:rPr>
+              <a:t>Delay</a:t>
+            </a:r>
+          </a:p>
+          <a:p>
+            <a:pPr algn="ctr"/>
+            <a:r>
+              <a:rPr lang="en-US" altLang="zh-CN" sz="1200" dirty="0" smtClean="0">
+                <a:solidFill>
+                  <a:schemeClr val="tx1"/>
+                </a:solidFill>
+              </a:rPr>
+              <a:t>(Rest1)</a:t>
+            </a:r>
+          </a:p>
+          <a:p>
+            <a:pPr algn="ctr"/>
+            <a:r>
+              <a:rPr lang="en-US" altLang="zh-CN" sz="1200" dirty="0" smtClean="0">
+                <a:solidFill>
+                  <a:schemeClr val="tx1"/>
+                </a:solidFill>
+              </a:rPr>
+              <a:t>0.05s</a:t>
+            </a:r>
+          </a:p>
+        </p:txBody>
+      </p:sp>
+      <p:sp>
+        <p:nvSpPr>
+          <p:cNvPr id="3" name="矩形 2"/>
+          <p:cNvSpPr/>
+          <p:nvPr/>
+        </p:nvSpPr>
+        <p:spPr>
+          <a:xfrm>
+            <a:off x="1464925" y="2265782"/>
+            <a:ext cx="733330" cy="695178"/>
+          </a:xfrm>
+          <a:prstGeom prst="rect">
+            <a:avLst/>
+          </a:prstGeom>
+          <a:noFill/>
+          <a:ln>
+            <a:solidFill>
+              <a:schemeClr val="tx1"/>
+            </a:solidFill>
+          </a:ln>
+        </p:spPr>
+        <p:style>
+          <a:lnRef idx="2">
+            <a:schemeClr val="accent1">
+              <a:shade val="50000"/>
+            </a:schemeClr>
+          </a:lnRef>
+          <a:fillRef idx="1">
+            <a:schemeClr val="accent1"/>
+          </a:fillRef>
+          <a:effectRef idx="0">
+            <a:schemeClr val="accent1"/>
+          </a:effectRef>
+          <a:fontRef idx="minor">
+            <a:schemeClr val="lt1"/>
+          </a:fontRef>
+        </p:style>
+        <p:txBody>
+          <a:bodyPr rtlCol="0" anchor="ctr"/>
+          <a:lstStyle/>
+          <a:p>
+            <a:pPr algn="ctr"/>
+            <a:r>
+              <a:rPr lang="en-US" altLang="zh-CN" sz="1200" dirty="0" smtClean="0">
+                <a:solidFill>
+                  <a:schemeClr val="tx1"/>
+                </a:solidFill>
+              </a:rPr>
+              <a:t>OR</a:t>
+            </a:r>
+          </a:p>
+          <a:p>
+            <a:pPr algn="ctr"/>
+            <a:r>
+              <a:rPr lang="en-US" altLang="zh-CN" sz="1200" dirty="0" smtClean="0">
+                <a:solidFill>
+                  <a:schemeClr val="tx1"/>
+                </a:solidFill>
+              </a:rPr>
+              <a:t>(1:0)</a:t>
+            </a:r>
+          </a:p>
+          <a:p>
+            <a:pPr algn="ctr"/>
+            <a:r>
+              <a:rPr lang="en-US" altLang="zh-CN" sz="1200" dirty="0" smtClean="0">
+                <a:solidFill>
+                  <a:schemeClr val="tx1"/>
+                </a:solidFill>
+              </a:rPr>
+              <a:t>0.2s</a:t>
+            </a:r>
+            <a:endParaRPr lang="zh-CN" altLang="en-US" sz="1200" dirty="0">
+              <a:solidFill>
+                <a:schemeClr val="tx1"/>
+              </a:solidFill>
+            </a:endParaRPr>
+          </a:p>
+        </p:txBody>
+      </p:sp>
+      <p:cxnSp>
+        <p:nvCxnSpPr>
+          <p:cNvPr id="5" name="直接箭头连接符 4"/>
+          <p:cNvCxnSpPr>
+            <a:stCxn id="2" idx="0"/>
+            <a:endCxn id="3" idx="2"/>
+          </p:cNvCxnSpPr>
+          <p:nvPr/>
+        </p:nvCxnSpPr>
+        <p:spPr>
+          <a:xfrm flipH="1" flipV="1">
+            <a:off x="1831590" y="2960960"/>
+            <a:ext cx="606056" cy="511839"/>
+          </a:xfrm>
+          <a:prstGeom prst="straightConnector1">
+            <a:avLst/>
+          </a:prstGeom>
+          <a:ln>
+            <a:tailEnd type="triangle"/>
+          </a:ln>
+        </p:spPr>
+        <p:style>
+          <a:lnRef idx="1">
+            <a:schemeClr val="accent1"/>
+          </a:lnRef>
+          <a:fillRef idx="0">
+            <a:schemeClr val="accent1"/>
+          </a:fillRef>
+          <a:effectRef idx="0">
+            <a:schemeClr val="accent1"/>
+          </a:effectRef>
+          <a:fontRef idx="minor">
+            <a:schemeClr val="tx1"/>
+          </a:fontRef>
+        </p:style>
+      </p:cxnSp>
+      <p:sp>
+        <p:nvSpPr>
+          <p:cNvPr id="7" name="矩形 6"/>
+          <p:cNvSpPr/>
+          <p:nvPr/>
+        </p:nvSpPr>
+        <p:spPr>
+          <a:xfrm>
+            <a:off x="2987959" y="2265782"/>
+            <a:ext cx="733330" cy="695178"/>
+          </a:xfrm>
+          <a:prstGeom prst="rect">
+            <a:avLst/>
+          </a:prstGeom>
+          <a:noFill/>
+          <a:ln>
+            <a:solidFill>
+              <a:schemeClr val="tx1"/>
+            </a:solidFill>
+          </a:ln>
+        </p:spPr>
+        <p:style>
+          <a:lnRef idx="2">
+            <a:schemeClr val="accent1">
+              <a:shade val="50000"/>
+            </a:schemeClr>
+          </a:lnRef>
+          <a:fillRef idx="1">
+            <a:schemeClr val="accent1"/>
+          </a:fillRef>
+          <a:effectRef idx="0">
+            <a:schemeClr val="accent1"/>
+          </a:effectRef>
+          <a:fontRef idx="minor">
+            <a:schemeClr val="lt1"/>
+          </a:fontRef>
+        </p:style>
+        <p:txBody>
+          <a:bodyPr rtlCol="0" anchor="ctr"/>
+          <a:lstStyle/>
+          <a:p>
+            <a:pPr algn="ctr"/>
+            <a:r>
               <a:rPr lang="en-US" altLang="zh-CN" dirty="0" smtClean="0">
                 <a:solidFill>
                   <a:schemeClr val="tx1"/>
                 </a:solidFill>
               </a:rPr>
-              <a:t>Reactor</a:t>
+              <a:t>Relay</a:t>
+            </a:r>
+          </a:p>
+        </p:txBody>
+      </p:sp>
+      <p:cxnSp>
+        <p:nvCxnSpPr>
+          <p:cNvPr id="9" name="直接箭头连接符 8"/>
+          <p:cNvCxnSpPr>
+            <a:stCxn id="2" idx="0"/>
+            <a:endCxn id="7" idx="1"/>
+          </p:cNvCxnSpPr>
+          <p:nvPr/>
+        </p:nvCxnSpPr>
+        <p:spPr>
+          <a:xfrm flipV="1">
+            <a:off x="2437646" y="2613371"/>
+            <a:ext cx="550313" cy="859428"/>
+          </a:xfrm>
+          <a:prstGeom prst="straightConnector1">
+            <a:avLst/>
+          </a:prstGeom>
+          <a:ln>
+            <a:tailEnd type="triangle"/>
+          </a:ln>
+        </p:spPr>
+        <p:style>
+          <a:lnRef idx="1">
+            <a:schemeClr val="accent1"/>
+          </a:lnRef>
+          <a:fillRef idx="0">
+            <a:schemeClr val="accent1"/>
+          </a:fillRef>
+          <a:effectRef idx="0">
+            <a:schemeClr val="accent1"/>
+          </a:effectRef>
+          <a:fontRef idx="minor">
+            <a:schemeClr val="tx1"/>
+          </a:fontRef>
+        </p:style>
+      </p:cxnSp>
+      <p:cxnSp>
+        <p:nvCxnSpPr>
+          <p:cNvPr id="11" name="直接箭头连接符 10"/>
+          <p:cNvCxnSpPr>
+            <a:stCxn id="3" idx="3"/>
+            <a:endCxn id="7" idx="1"/>
+          </p:cNvCxnSpPr>
+          <p:nvPr/>
+        </p:nvCxnSpPr>
+        <p:spPr>
+          <a:xfrm>
+            <a:off x="2198255" y="2613371"/>
+            <a:ext cx="789704" cy="0"/>
+          </a:xfrm>
+          <a:prstGeom prst="straightConnector1">
+            <a:avLst/>
+          </a:prstGeom>
+          <a:ln>
+            <a:tailEnd type="triangle"/>
+          </a:ln>
+        </p:spPr>
+        <p:style>
+          <a:lnRef idx="1">
+            <a:schemeClr val="accent1"/>
+          </a:lnRef>
+          <a:fillRef idx="0">
+            <a:schemeClr val="accent1"/>
+          </a:fillRef>
+          <a:effectRef idx="0">
+            <a:schemeClr val="accent1"/>
+          </a:effectRef>
+          <a:fontRef idx="minor">
+            <a:schemeClr val="tx1"/>
+          </a:fontRef>
+        </p:style>
+      </p:cxnSp>
+      <p:sp>
+        <p:nvSpPr>
+          <p:cNvPr id="12" name="文本框 11"/>
+          <p:cNvSpPr txBox="1"/>
+          <p:nvPr/>
+        </p:nvSpPr>
+        <p:spPr>
+          <a:xfrm>
+            <a:off x="2155193" y="2275448"/>
+            <a:ext cx="819455" cy="369332"/>
+          </a:xfrm>
+          <a:prstGeom prst="rect">
+            <a:avLst/>
+          </a:prstGeom>
+          <a:noFill/>
+        </p:spPr>
+        <p:txBody>
+          <a:bodyPr wrap="none" rtlCol="0">
+            <a:spAutoFit/>
+          </a:bodyPr>
+          <a:lstStyle/>
+          <a:p>
+            <a:r>
+              <a:rPr lang="en-US" altLang="zh-CN" dirty="0" smtClean="0"/>
+              <a:t>Enable</a:t>
+            </a:r>
+            <a:endParaRPr lang="zh-CN" altLang="en-US" dirty="0"/>
+          </a:p>
+        </p:txBody>
+      </p:sp>
+      <p:sp>
+        <p:nvSpPr>
+          <p:cNvPr id="21" name="矩形 20"/>
+          <p:cNvSpPr/>
+          <p:nvPr/>
+        </p:nvSpPr>
+        <p:spPr>
+          <a:xfrm>
+            <a:off x="4038643" y="2256238"/>
+            <a:ext cx="733330" cy="695178"/>
+          </a:xfrm>
+          <a:prstGeom prst="rect">
+            <a:avLst/>
+          </a:prstGeom>
+          <a:noFill/>
+          <a:ln>
+            <a:solidFill>
+              <a:schemeClr val="tx1"/>
+            </a:solidFill>
+          </a:ln>
+        </p:spPr>
+        <p:style>
+          <a:lnRef idx="2">
+            <a:schemeClr val="accent1">
+              <a:shade val="50000"/>
+            </a:schemeClr>
+          </a:lnRef>
+          <a:fillRef idx="1">
+            <a:schemeClr val="accent1"/>
+          </a:fillRef>
+          <a:effectRef idx="0">
+            <a:schemeClr val="accent1"/>
+          </a:effectRef>
+          <a:fontRef idx="minor">
+            <a:schemeClr val="lt1"/>
+          </a:fontRef>
+        </p:style>
+        <p:txBody>
+          <a:bodyPr rtlCol="0" anchor="ctr"/>
+          <a:lstStyle/>
+          <a:p>
+            <a:pPr algn="ctr"/>
+            <a:r>
+              <a:rPr lang="en-US" altLang="zh-CN" sz="1200" dirty="0" smtClean="0">
+                <a:solidFill>
+                  <a:schemeClr val="tx1"/>
+                </a:solidFill>
+              </a:rPr>
+              <a:t>Or</a:t>
+            </a:r>
+          </a:p>
+          <a:p>
+            <a:pPr algn="ctr"/>
+            <a:r>
+              <a:rPr lang="en-US" altLang="zh-CN" sz="1200" dirty="0" smtClean="0">
+                <a:solidFill>
+                  <a:schemeClr val="tx1"/>
+                </a:solidFill>
+              </a:rPr>
+              <a:t>N-1:null</a:t>
+            </a:r>
+            <a:endParaRPr lang="zh-CN" altLang="en-US" sz="1200" dirty="0">
+              <a:solidFill>
+                <a:schemeClr val="tx1"/>
+              </a:solidFill>
+            </a:endParaRPr>
+          </a:p>
+        </p:txBody>
+      </p:sp>
+      <p:cxnSp>
+        <p:nvCxnSpPr>
+          <p:cNvPr id="44" name="直接箭头连接符 43"/>
+          <p:cNvCxnSpPr>
+            <a:stCxn id="7" idx="3"/>
+            <a:endCxn id="21" idx="1"/>
+          </p:cNvCxnSpPr>
+          <p:nvPr/>
+        </p:nvCxnSpPr>
+        <p:spPr>
+          <a:xfrm flipV="1">
+            <a:off x="3721289" y="2603827"/>
+            <a:ext cx="317354" cy="9544"/>
+          </a:xfrm>
+          <a:prstGeom prst="straightConnector1">
+            <a:avLst/>
+          </a:prstGeom>
+          <a:ln>
+            <a:tailEnd type="triangle"/>
+          </a:ln>
+        </p:spPr>
+        <p:style>
+          <a:lnRef idx="1">
+            <a:schemeClr val="accent1"/>
+          </a:lnRef>
+          <a:fillRef idx="0">
+            <a:schemeClr val="accent1"/>
+          </a:fillRef>
+          <a:effectRef idx="0">
+            <a:schemeClr val="accent1"/>
+          </a:effectRef>
+          <a:fontRef idx="minor">
+            <a:schemeClr val="tx1"/>
+          </a:fontRef>
+        </p:style>
+      </p:cxnSp>
+      <p:cxnSp>
+        <p:nvCxnSpPr>
+          <p:cNvPr id="46" name="直接箭头连接符 45"/>
+          <p:cNvCxnSpPr>
+            <a:stCxn id="2" idx="3"/>
+            <a:endCxn id="52" idx="1"/>
+          </p:cNvCxnSpPr>
+          <p:nvPr/>
+        </p:nvCxnSpPr>
+        <p:spPr>
+          <a:xfrm>
+            <a:off x="2804311" y="3820388"/>
+            <a:ext cx="2468664" cy="0"/>
+          </a:xfrm>
+          <a:prstGeom prst="straightConnector1">
+            <a:avLst/>
+          </a:prstGeom>
+          <a:ln>
+            <a:tailEnd type="triangle"/>
+          </a:ln>
+        </p:spPr>
+        <p:style>
+          <a:lnRef idx="1">
+            <a:schemeClr val="accent1"/>
+          </a:lnRef>
+          <a:fillRef idx="0">
+            <a:schemeClr val="accent1"/>
+          </a:fillRef>
+          <a:effectRef idx="0">
+            <a:schemeClr val="accent1"/>
+          </a:effectRef>
+          <a:fontRef idx="minor">
+            <a:schemeClr val="tx1"/>
+          </a:fontRef>
+        </p:style>
+      </p:cxnSp>
+      <p:sp>
+        <p:nvSpPr>
+          <p:cNvPr id="51" name="矩形 50"/>
+          <p:cNvSpPr/>
+          <p:nvPr/>
+        </p:nvSpPr>
+        <p:spPr>
+          <a:xfrm>
+            <a:off x="5272201" y="2456437"/>
+            <a:ext cx="733330" cy="695178"/>
+          </a:xfrm>
+          <a:prstGeom prst="rect">
+            <a:avLst/>
+          </a:prstGeom>
+          <a:noFill/>
+          <a:ln>
+            <a:solidFill>
+              <a:schemeClr val="tx1"/>
+            </a:solidFill>
+          </a:ln>
+        </p:spPr>
+        <p:style>
+          <a:lnRef idx="2">
+            <a:schemeClr val="accent1">
+              <a:shade val="50000"/>
+            </a:schemeClr>
+          </a:lnRef>
+          <a:fillRef idx="1">
+            <a:schemeClr val="accent1"/>
+          </a:fillRef>
+          <a:effectRef idx="0">
+            <a:schemeClr val="accent1"/>
+          </a:effectRef>
+          <a:fontRef idx="minor">
+            <a:schemeClr val="lt1"/>
+          </a:fontRef>
+        </p:style>
+        <p:txBody>
+          <a:bodyPr rtlCol="0" anchor="ctr"/>
+          <a:lstStyle/>
+          <a:p>
+            <a:pPr algn="ctr"/>
+            <a:r>
+              <a:rPr lang="en-US" altLang="zh-CN" dirty="0" smtClean="0">
+                <a:solidFill>
+                  <a:schemeClr val="tx1"/>
+                </a:solidFill>
+              </a:rPr>
+              <a:t>MEM</a:t>
             </a:r>
             <a:endParaRPr lang="zh-CN" altLang="en-US" dirty="0">
               <a:solidFill>
@@ -18281,14 +19165,14 @@
       </p:sp>
       <p:sp>
         <p:nvSpPr>
-          <p:cNvPr id="38" name="矩形 37"/>
+          <p:cNvPr id="52" name="矩形 51"/>
           <p:cNvSpPr/>
           <p:nvPr/>
         </p:nvSpPr>
         <p:spPr>
           <a:xfrm>
-            <a:off x="7069050" y="1950714"/>
-            <a:ext cx="972113" cy="488326"/>
+            <a:off x="5272975" y="3472799"/>
+            <a:ext cx="733330" cy="695178"/>
           </a:xfrm>
           <a:prstGeom prst="rect">
             <a:avLst/>
@@ -18322,12 +19206,12 @@
           <a:p>
             <a:pPr algn="ctr"/>
             <a:r>
-              <a:rPr lang="en-US" altLang="zh-CN" dirty="0">
+              <a:rPr lang="en-US" altLang="zh-CN" dirty="0" smtClean="0">
                 <a:solidFill>
                   <a:schemeClr val="tx1"/>
                 </a:solidFill>
               </a:rPr>
-              <a:t>Oxygen</a:t>
+              <a:t>+</a:t>
             </a:r>
             <a:endParaRPr lang="zh-CN" altLang="en-US" dirty="0">
               <a:solidFill>
@@ -18337,16 +19221,52 @@
           </a:p>
         </p:txBody>
       </p:sp>
-      <p:sp>
-        <p:nvSpPr>
-          <p:cNvPr id="42" name="矩形 41"/>
+      <p:cxnSp>
+        <p:nvCxnSpPr>
+          <p:cNvPr id="54" name="直接箭头连接符 53"/>
+          <p:cNvCxnSpPr>
+            <a:stCxn id="21" idx="2"/>
+            <a:endCxn id="52" idx="1"/>
+          </p:cNvCxnSpPr>
+          <p:nvPr/>
+        </p:nvCxnSpPr>
+        <p:spPr>
+          <a:xfrm>
+            <a:off x="4405308" y="2951416"/>
+            <a:ext cx="867667" cy="868972"/>
+          </a:xfrm>
+          <a:prstGeom prst="straightConnector1">
+            <a:avLst/>
+          </a:prstGeom>
+          <a:ln>
+            <a:tailEnd type="triangle"/>
+          </a:ln>
+        </p:spPr>
+        <p:style>
+          <a:lnRef idx="1">
+            <a:schemeClr val="accent1"/>
+          </a:lnRef>
+          <a:fillRef idx="0">
+            <a:schemeClr val="accent1"/>
+          </a:fillRef>
+          <a:effectRef idx="0">
+            <a:schemeClr val="accent1"/>
+          </a:effectRef>
+          <a:fontRef idx="minor">
+            <a:schemeClr val="tx1"/>
+          </a:fontRef>
+        </p:style>
+      </p:cxnSp>
+      <p:sp>
+        <p:nvSpPr>
+          <p:cNvPr id="61" name="矩形 60"/>
           <p:cNvSpPr/>
           <p:nvPr/>
         </p:nvSpPr>
         <p:spPr>
           <a:xfrm>
-            <a:off x="6979281" y="2949378"/>
-            <a:ext cx="1090150" cy="450409"/>
+            <a:off x="6507307" y="3472799"/>
+            <a:ext cx="733330" cy="695178"/>
           </a:xfrm>
           <a:prstGeom prst="rect">
             <a:avLst/>
@@ -18385,71 +19305,7 @@
                   <a:schemeClr val="tx1"/>
                 </a:solidFill>
               </a:rPr>
-              <a:t>Battery</a:t>
-            </a:r>
-          </a:p>
-        </p:txBody>
-      </p:sp>
-      <p:sp>
-        <p:nvSpPr>
-          <p:cNvPr id="43" name="矩形 42"/>
-          <p:cNvSpPr/>
-          <p:nvPr/>
-        </p:nvSpPr>
-        <p:spPr>
-          <a:xfrm>
-            <a:off x="1995662" y="1633491"/>
-            <a:ext cx="972113" cy="488326"/>
-          </a:xfrm>
-          <a:prstGeom prst="rect">
-            <a:avLst/>
-          </a:prstGeom>
-          <a:noFill/>
-          <a:ln>
-            <a:solidFill>
-              <a:schemeClr val="tx1"/>
-            </a:solidFill>
-          </a:ln>
-        </p:spPr>
-        <p:style>
-          <a:lnRef idx="2">
-            <a:schemeClr val="accent1">
-              <a:shade val="50000"/>
-            </a:schemeClr>
-          </a:lnRef>
-          <a:fillRef idx="1">
-            <a:schemeClr val="accent1"/>
-          </a:fillRef>
-          <a:effectRef idx="0">
-            <a:schemeClr val="accent1"/>
-          </a:effectRef>
-          <a:fontRef idx="minor">
-            <a:schemeClr val="lt1"/>
-          </a:fontRef>
-        </p:style>
-        <p:txBody>
-          <a:bodyPr rtlCol="0" anchor="ctr"/>
-          <a:lstStyle/>
-          <a:p>
-            <a:pPr algn="ctr"/>
-            <a:r>
-              <a:rPr lang="en-US" altLang="zh-CN" dirty="0" smtClean="0">
-                <a:solidFill>
-                  <a:schemeClr val="tx1"/>
-                </a:solidFill>
-              </a:rPr>
-              <a:t>Engine</a:t>
-            </a:r>
-          </a:p>
-          <a:p>
-            <a:pPr algn="ctr"/>
-            <a:r>
-              <a:rPr lang="en-US" altLang="zh-CN" dirty="0" smtClean="0">
-                <a:solidFill>
-                  <a:schemeClr val="tx1"/>
-                </a:solidFill>
-              </a:rPr>
-              <a:t>2500</a:t>
+              <a:t>MEM</a:t>
             </a:r>
             <a:endParaRPr lang="zh-CN" altLang="en-US" dirty="0">
               <a:solidFill>
@@ -18459,16 +19315,88 @@
           </a:p>
         </p:txBody>
       </p:sp>
-      <p:sp>
-        <p:nvSpPr>
-          <p:cNvPr id="44" name="矩形 43"/>
+      <p:cxnSp>
+        <p:nvCxnSpPr>
+          <p:cNvPr id="65" name="直接箭头连接符 64"/>
+          <p:cNvCxnSpPr>
+            <a:stCxn id="52" idx="0"/>
+            <a:endCxn id="51" idx="2"/>
+          </p:cNvCxnSpPr>
+          <p:nvPr/>
+        </p:nvCxnSpPr>
+        <p:spPr>
+          <a:xfrm flipH="1" flipV="1">
+            <a:off x="5638866" y="3151615"/>
+            <a:ext cx="774" cy="321184"/>
+          </a:xfrm>
+          <a:prstGeom prst="straightConnector1">
+            <a:avLst/>
+          </a:prstGeom>
+          <a:ln>
+            <a:tailEnd type="triangle"/>
+          </a:ln>
+        </p:spPr>
+        <p:style>
+          <a:lnRef idx="1">
+            <a:schemeClr val="accent1"/>
+          </a:lnRef>
+          <a:fillRef idx="0">
+            <a:schemeClr val="accent1"/>
+          </a:fillRef>
+          <a:effectRef idx="0">
+            <a:schemeClr val="accent1"/>
+          </a:effectRef>
+          <a:fontRef idx="minor">
+            <a:schemeClr val="tx1"/>
+          </a:fontRef>
+        </p:style>
+      </p:cxnSp>
+      <p:cxnSp>
+        <p:nvCxnSpPr>
+          <p:cNvPr id="67" name="直接箭头连接符 66"/>
+          <p:cNvCxnSpPr>
+            <a:stCxn id="61" idx="1"/>
+            <a:endCxn id="52" idx="3"/>
+          </p:cNvCxnSpPr>
+          <p:nvPr/>
+        </p:nvCxnSpPr>
+        <p:spPr>
+          <a:xfrm flipH="1">
+            <a:off x="6006305" y="3820388"/>
+            <a:ext cx="501002" cy="0"/>
+          </a:xfrm>
+          <a:prstGeom prst="straightConnector1">
+            <a:avLst/>
+          </a:prstGeom>
+          <a:ln>
+            <a:tailEnd type="triangle"/>
+          </a:ln>
+        </p:spPr>
+        <p:style>
+          <a:lnRef idx="1">
+            <a:schemeClr val="accent1"/>
+          </a:lnRef>
+          <a:fillRef idx="0">
+            <a:schemeClr val="accent1"/>
+          </a:fillRef>
+          <a:effectRef idx="0">
+            <a:schemeClr val="accent1"/>
+          </a:effectRef>
+          <a:fontRef idx="minor">
+            <a:schemeClr val="tx1"/>
+          </a:fontRef>
+        </p:style>
+      </p:cxnSp>
+      <p:sp>
+        <p:nvSpPr>
+          <p:cNvPr id="71" name="矩形 70"/>
           <p:cNvSpPr/>
           <p:nvPr/>
         </p:nvSpPr>
         <p:spPr>
           <a:xfrm>
-            <a:off x="5026365" y="4562193"/>
-            <a:ext cx="1126024" cy="442393"/>
+            <a:off x="6507307" y="2254108"/>
+            <a:ext cx="733330" cy="695178"/>
           </a:xfrm>
           <a:prstGeom prst="rect">
             <a:avLst/>
@@ -18507,21 +19435,21 @@
                   <a:schemeClr val="tx1"/>
                 </a:solidFill>
               </a:rPr>
-              <a:t>Capacitor</a:t>
-            </a:r>
-          </a:p>
-        </p:txBody>
-      </p:sp>
-      <p:sp>
-        <p:nvSpPr>
-          <p:cNvPr id="48" name="矩形 47"/>
+              <a:t>Relay</a:t>
+            </a:r>
+          </a:p>
+        </p:txBody>
+      </p:sp>
+      <p:sp>
+        <p:nvSpPr>
+          <p:cNvPr id="72" name="矩形 71"/>
           <p:cNvSpPr/>
           <p:nvPr/>
         </p:nvSpPr>
         <p:spPr>
           <a:xfrm>
-            <a:off x="5026365" y="3967493"/>
-            <a:ext cx="1126024" cy="442393"/>
+            <a:off x="6507307" y="1037547"/>
+            <a:ext cx="733330" cy="695178"/>
           </a:xfrm>
           <a:prstGeom prst="rect">
             <a:avLst/>
@@ -18560,39 +19488,190 @@
                   <a:schemeClr val="tx1"/>
                 </a:solidFill>
               </a:rPr>
-              <a:t>others</a:t>
-            </a:r>
-          </a:p>
-        </p:txBody>
-      </p:sp>
-      <p:sp>
-        <p:nvSpPr>
-          <p:cNvPr id="51" name="矩形 50"/>
+              <a:t>Not</a:t>
+            </a:r>
+          </a:p>
+        </p:txBody>
+      </p:sp>
+      <p:cxnSp>
+        <p:nvCxnSpPr>
+          <p:cNvPr id="74" name="肘形连接符 73"/>
+          <p:cNvCxnSpPr>
+            <a:stCxn id="3" idx="0"/>
+            <a:endCxn id="72" idx="1"/>
+          </p:cNvCxnSpPr>
+          <p:nvPr/>
+        </p:nvCxnSpPr>
+        <p:spPr>
+          <a:xfrm rot="5400000" flipH="1" flipV="1">
+            <a:off x="3729125" y="-512399"/>
+            <a:ext cx="880646" cy="4675717"/>
+          </a:xfrm>
+          <a:prstGeom prst="bentConnector2">
+            <a:avLst/>
+          </a:prstGeom>
+          <a:ln>
+            <a:tailEnd type="triangle"/>
+          </a:ln>
+        </p:spPr>
+        <p:style>
+          <a:lnRef idx="1">
+            <a:schemeClr val="accent1"/>
+          </a:lnRef>
+          <a:fillRef idx="0">
+            <a:schemeClr val="accent1"/>
+          </a:fillRef>
+          <a:effectRef idx="0">
+            <a:schemeClr val="accent1"/>
+          </a:effectRef>
+          <a:fontRef idx="minor">
+            <a:schemeClr val="tx1"/>
+          </a:fontRef>
+        </p:style>
+      </p:cxnSp>
+      <p:cxnSp>
+        <p:nvCxnSpPr>
+          <p:cNvPr id="76" name="直接箭头连接符 75"/>
+          <p:cNvCxnSpPr>
+            <a:stCxn id="72" idx="2"/>
+            <a:endCxn id="71" idx="0"/>
+          </p:cNvCxnSpPr>
+          <p:nvPr/>
+        </p:nvCxnSpPr>
+        <p:spPr>
+          <a:xfrm>
+            <a:off x="6873972" y="1732725"/>
+            <a:ext cx="0" cy="521383"/>
+          </a:xfrm>
+          <a:prstGeom prst="straightConnector1">
+            <a:avLst/>
+          </a:prstGeom>
+          <a:ln>
+            <a:tailEnd type="triangle"/>
+          </a:ln>
+        </p:spPr>
+        <p:style>
+          <a:lnRef idx="1">
+            <a:schemeClr val="accent1"/>
+          </a:lnRef>
+          <a:fillRef idx="0">
+            <a:schemeClr val="accent1"/>
+          </a:fillRef>
+          <a:effectRef idx="0">
+            <a:schemeClr val="accent1"/>
+          </a:effectRef>
+          <a:fontRef idx="minor">
+            <a:schemeClr val="tx1"/>
+          </a:fontRef>
+        </p:style>
+      </p:cxnSp>
+      <p:cxnSp>
+        <p:nvCxnSpPr>
+          <p:cNvPr id="78" name="直接箭头连接符 77"/>
+          <p:cNvCxnSpPr>
+            <a:stCxn id="42" idx="3"/>
+            <a:endCxn id="71" idx="1"/>
+          </p:cNvCxnSpPr>
+          <p:nvPr/>
+        </p:nvCxnSpPr>
+        <p:spPr>
+          <a:xfrm>
+            <a:off x="6005531" y="1847092"/>
+            <a:ext cx="501776" cy="754605"/>
+          </a:xfrm>
+          <a:prstGeom prst="straightConnector1">
+            <a:avLst/>
+          </a:prstGeom>
+          <a:ln>
+            <a:tailEnd type="triangle"/>
+          </a:ln>
+        </p:spPr>
+        <p:style>
+          <a:lnRef idx="1">
+            <a:schemeClr val="accent1"/>
+          </a:lnRef>
+          <a:fillRef idx="0">
+            <a:schemeClr val="accent1"/>
+          </a:fillRef>
+          <a:effectRef idx="0">
+            <a:schemeClr val="accent1"/>
+          </a:effectRef>
+          <a:fontRef idx="minor">
+            <a:schemeClr val="tx1"/>
+          </a:fontRef>
+        </p:style>
+      </p:cxnSp>
+      <p:cxnSp>
+        <p:nvCxnSpPr>
+          <p:cNvPr id="80" name="直接箭头连接符 79"/>
+          <p:cNvCxnSpPr>
+            <a:stCxn id="71" idx="2"/>
+            <a:endCxn id="61" idx="0"/>
+          </p:cNvCxnSpPr>
+          <p:nvPr/>
+        </p:nvCxnSpPr>
+        <p:spPr>
+          <a:xfrm>
+            <a:off x="6873972" y="2949286"/>
+            <a:ext cx="0" cy="523513"/>
+          </a:xfrm>
+          <a:prstGeom prst="straightConnector1">
+            <a:avLst/>
+          </a:prstGeom>
+          <a:ln>
+            <a:tailEnd type="triangle"/>
+          </a:ln>
+        </p:spPr>
+        <p:style>
+          <a:lnRef idx="1">
+            <a:schemeClr val="accent1"/>
+          </a:lnRef>
+          <a:fillRef idx="0">
+            <a:schemeClr val="accent1"/>
+          </a:fillRef>
+          <a:effectRef idx="0">
+            <a:schemeClr val="accent1"/>
+          </a:effectRef>
+          <a:fontRef idx="minor">
+            <a:schemeClr val="tx1"/>
+          </a:fontRef>
+        </p:style>
+      </p:cxnSp>
+      <p:sp>
+        <p:nvSpPr>
+          <p:cNvPr id="86" name="矩形 85"/>
           <p:cNvSpPr/>
           <p:nvPr/>
         </p:nvSpPr>
         <p:spPr>
           <a:xfrm>
-            <a:off x="2019888" y="3571023"/>
-            <a:ext cx="972113" cy="488326"/>
+            <a:off x="7741638" y="3472799"/>
+            <a:ext cx="733330" cy="695178"/>
           </a:xfrm>
           <a:prstGeom prst="rect">
             <a:avLst/>
           </a:prstGeom>
-          <a:ln/>
+          <a:noFill/>
+          <a:ln>
+            <a:solidFill>
+              <a:schemeClr val="tx1"/>
+            </a:solidFill>
+          </a:ln>
         </p:spPr>
         <p:style>
           <a:lnRef idx="2">
-            <a:schemeClr val="dk1"/>
+            <a:schemeClr val="accent1">
+              <a:shade val="50000"/>
+            </a:schemeClr>
           </a:lnRef>
           <a:fillRef idx="1">
+            <a:schemeClr val="accent1"/>
+          </a:fillRef>
+          <a:effectRef idx="0">
+            <a:schemeClr val="accent1"/>
+          </a:effectRef>
+          <a:fontRef idx="minor">
             <a:schemeClr val="lt1"/>
-          </a:fillRef>
-          <a:effectRef idx="0">
-            <a:schemeClr val="dk1"/>
-          </a:effectRef>
-          <a:fontRef idx="minor">
-            <a:schemeClr val="dk1"/>
           </a:fontRef>
         </p:style>
         <p:txBody>
@@ -18601,12 +19680,70 @@
           <a:p>
             <a:pPr algn="ctr"/>
             <a:r>
+              <a:rPr lang="en-US" altLang="zh-CN" sz="1200" dirty="0" smtClean="0">
+                <a:solidFill>
+                  <a:schemeClr val="tx1"/>
+                </a:solidFill>
+              </a:rPr>
+              <a:t>MOD(N)</a:t>
+            </a:r>
+            <a:endParaRPr lang="zh-CN" altLang="en-US" sz="1200" dirty="0">
+              <a:solidFill>
+                <a:schemeClr val="tx1"/>
+              </a:solidFill>
+            </a:endParaRPr>
+          </a:p>
+        </p:txBody>
+      </p:sp>
+      <p:sp>
+        <p:nvSpPr>
+          <p:cNvPr id="91" name="矩形 90"/>
+          <p:cNvSpPr/>
+          <p:nvPr/>
+        </p:nvSpPr>
+        <p:spPr>
+          <a:xfrm>
+            <a:off x="8898678" y="3472799"/>
+            <a:ext cx="733330" cy="695178"/>
+          </a:xfrm>
+          <a:prstGeom prst="rect">
+            <a:avLst/>
+          </a:prstGeom>
+          <a:noFill/>
+          <a:ln>
+            <a:solidFill>
+              <a:schemeClr val="tx1"/>
+            </a:solidFill>
+          </a:ln>
+        </p:spPr>
+        <p:style>
+          <a:lnRef idx="2">
+            <a:schemeClr val="accent1">
+              <a:shade val="50000"/>
+            </a:schemeClr>
+          </a:lnRef>
+          <a:fillRef idx="1">
+            <a:schemeClr val="accent1"/>
+          </a:fillRef>
+          <a:effectRef idx="0">
+            <a:schemeClr val="accent1"/>
+          </a:effectRef>
+          <a:fontRef idx="minor">
+            <a:schemeClr val="lt1"/>
+          </a:fontRef>
+        </p:style>
+        <p:txBody>
+          <a:bodyPr rtlCol="0" anchor="ctr"/>
+          <a:lstStyle/>
+          <a:p>
+            <a:pPr algn="ctr"/>
+            <a:r>
               <a:rPr lang="en-US" altLang="zh-CN" dirty="0" smtClean="0">
                 <a:solidFill>
                   <a:schemeClr val="tx1"/>
                 </a:solidFill>
               </a:rPr>
-              <a:t>Junction</a:t>
+              <a:t>+</a:t>
             </a:r>
             <a:endParaRPr lang="zh-CN" altLang="en-US" dirty="0">
               <a:solidFill>
@@ -18618,14 +19755,14 @@
       </p:sp>
       <p:sp>
         <p:nvSpPr>
-          <p:cNvPr id="65" name="矩形 64"/>
+          <p:cNvPr id="94" name="矩形 93"/>
           <p:cNvSpPr/>
           <p:nvPr/>
         </p:nvSpPr>
         <p:spPr>
           <a:xfrm>
-            <a:off x="1918706" y="833424"/>
-            <a:ext cx="1126024" cy="442393"/>
+            <a:off x="8898678" y="2265782"/>
+            <a:ext cx="733330" cy="695178"/>
           </a:xfrm>
           <a:prstGeom prst="rect">
             <a:avLst/>
@@ -18664,60 +19801,7 @@
                   <a:schemeClr val="tx1"/>
                 </a:solidFill>
               </a:rPr>
-              <a:t>Sonar</a:t>
-            </a:r>
-          </a:p>
-        </p:txBody>
-      </p:sp>
-      <p:sp>
-        <p:nvSpPr>
-          <p:cNvPr id="77" name="矩形 76"/>
-          <p:cNvSpPr/>
-          <p:nvPr/>
-        </p:nvSpPr>
-        <p:spPr>
-          <a:xfrm>
-            <a:off x="5884008" y="1852345"/>
-            <a:ext cx="733330" cy="695179"/>
-          </a:xfrm>
-          <a:prstGeom prst="rect">
-            <a:avLst/>
-          </a:prstGeom>
-          <a:noFill/>
-          <a:ln>
-            <a:solidFill>
-              <a:schemeClr val="tx1"/>
-            </a:solidFill>
-          </a:ln>
-        </p:spPr>
-        <p:style>
-          <a:lnRef idx="2">
-            <a:schemeClr val="accent1">
-              <a:shade val="50000"/>
-            </a:schemeClr>
-          </a:lnRef>
-          <a:fillRef idx="1">
-            <a:schemeClr val="accent1"/>
-          </a:fillRef>
-          <a:effectRef idx="0">
-            <a:schemeClr val="accent1"/>
-          </a:effectRef>
-          <a:fontRef idx="minor">
-            <a:schemeClr val="lt1"/>
-          </a:fontRef>
-        </p:style>
-        <p:txBody>
-          <a:bodyPr rtlCol="0" anchor="ctr"/>
-          <a:lstStyle/>
-          <a:p>
-            <a:pPr algn="ctr"/>
-            <a:r>
-              <a:rPr lang="en-US" altLang="zh-CN" dirty="0" smtClean="0">
-                <a:solidFill>
-                  <a:schemeClr val="tx1"/>
-                </a:solidFill>
-              </a:rPr>
-              <a:t>Relay</a:t>
+              <a:t>101</a:t>
             </a:r>
             <a:endParaRPr lang="zh-CN" altLang="en-US" dirty="0">
               <a:solidFill>
@@ -18727,16 +19811,124 @@
           </a:p>
         </p:txBody>
       </p:sp>
-      <p:sp>
-        <p:nvSpPr>
-          <p:cNvPr id="78" name="矩形 77"/>
+      <p:cxnSp>
+        <p:nvCxnSpPr>
+          <p:cNvPr id="99" name="直接箭头连接符 98"/>
+          <p:cNvCxnSpPr>
+            <a:stCxn id="94" idx="2"/>
+            <a:endCxn id="91" idx="0"/>
+          </p:cNvCxnSpPr>
+          <p:nvPr/>
+        </p:nvCxnSpPr>
+        <p:spPr>
+          <a:xfrm>
+            <a:off x="9265343" y="2960960"/>
+            <a:ext cx="0" cy="511839"/>
+          </a:xfrm>
+          <a:prstGeom prst="straightConnector1">
+            <a:avLst/>
+          </a:prstGeom>
+          <a:ln>
+            <a:tailEnd type="triangle"/>
+          </a:ln>
+        </p:spPr>
+        <p:style>
+          <a:lnRef idx="1">
+            <a:schemeClr val="accent1"/>
+          </a:lnRef>
+          <a:fillRef idx="0">
+            <a:schemeClr val="accent1"/>
+          </a:fillRef>
+          <a:effectRef idx="0">
+            <a:schemeClr val="accent1"/>
+          </a:effectRef>
+          <a:fontRef idx="minor">
+            <a:schemeClr val="tx1"/>
+          </a:fontRef>
+        </p:style>
+      </p:cxnSp>
+      <p:cxnSp>
+        <p:nvCxnSpPr>
+          <p:cNvPr id="101" name="直接箭头连接符 100"/>
+          <p:cNvCxnSpPr>
+            <a:stCxn id="86" idx="3"/>
+            <a:endCxn id="91" idx="1"/>
+          </p:cNvCxnSpPr>
+          <p:nvPr/>
+        </p:nvCxnSpPr>
+        <p:spPr>
+          <a:xfrm>
+            <a:off x="8474968" y="3820388"/>
+            <a:ext cx="423710" cy="0"/>
+          </a:xfrm>
+          <a:prstGeom prst="straightConnector1">
+            <a:avLst/>
+          </a:prstGeom>
+          <a:ln>
+            <a:tailEnd type="triangle"/>
+          </a:ln>
+        </p:spPr>
+        <p:style>
+          <a:lnRef idx="1">
+            <a:schemeClr val="accent1"/>
+          </a:lnRef>
+          <a:fillRef idx="0">
+            <a:schemeClr val="accent1"/>
+          </a:fillRef>
+          <a:effectRef idx="0">
+            <a:schemeClr val="accent1"/>
+          </a:effectRef>
+          <a:fontRef idx="minor">
+            <a:schemeClr val="tx1"/>
+          </a:fontRef>
+        </p:style>
+      </p:cxnSp>
+      <p:cxnSp>
+        <p:nvCxnSpPr>
+          <p:cNvPr id="103" name="直接箭头连接符 102"/>
+          <p:cNvCxnSpPr>
+            <a:stCxn id="61" idx="3"/>
+            <a:endCxn id="86" idx="1"/>
+          </p:cNvCxnSpPr>
+          <p:nvPr/>
+        </p:nvCxnSpPr>
+        <p:spPr>
+          <a:xfrm>
+            <a:off x="7240637" y="3820388"/>
+            <a:ext cx="501001" cy="0"/>
+          </a:xfrm>
+          <a:prstGeom prst="straightConnector1">
+            <a:avLst/>
+          </a:prstGeom>
+          <a:ln>
+            <a:tailEnd type="triangle"/>
+          </a:ln>
+        </p:spPr>
+        <p:style>
+          <a:lnRef idx="1">
+            <a:schemeClr val="accent1"/>
+          </a:lnRef>
+          <a:fillRef idx="0">
+            <a:schemeClr val="accent1"/>
+          </a:fillRef>
+          <a:effectRef idx="0">
+            <a:schemeClr val="accent1"/>
+          </a:effectRef>
+          <a:fontRef idx="minor">
+            <a:schemeClr val="tx1"/>
+          </a:fontRef>
+        </p:style>
+      </p:cxnSp>
+      <p:sp>
+        <p:nvSpPr>
+          <p:cNvPr id="106" name="矩形 105"/>
           <p:cNvSpPr/>
           <p:nvPr/>
         </p:nvSpPr>
         <p:spPr>
           <a:xfrm>
-            <a:off x="5884008" y="2825086"/>
-            <a:ext cx="733330" cy="695179"/>
+            <a:off x="10055718" y="3472799"/>
+            <a:ext cx="733330" cy="695178"/>
           </a:xfrm>
           <a:prstGeom prst="rect">
             <a:avLst/>
@@ -18775,7 +19967,7 @@
                   <a:schemeClr val="tx1"/>
                 </a:solidFill>
               </a:rPr>
-              <a:t>Relay</a:t>
+              <a:t>wifi</a:t>
             </a:r>
             <a:endParaRPr lang="zh-CN" altLang="en-US" dirty="0">
               <a:solidFill>
@@ -18787,25 +19979,22 @@
       </p:sp>
       <p:cxnSp>
         <p:nvCxnSpPr>
-          <p:cNvPr id="71" name="直接箭头连接符 70"/>
+          <p:cNvPr id="108" name="直接箭头连接符 107"/>
           <p:cNvCxnSpPr>
-            <a:stCxn id="77" idx="3"/>
-            <a:endCxn id="38" idx="1"/>
+            <a:stCxn id="91" idx="3"/>
+            <a:endCxn id="106" idx="1"/>
           </p:cNvCxnSpPr>
           <p:nvPr/>
         </p:nvCxnSpPr>
         <p:spPr>
-          <a:xfrm flipV="1">
-            <a:off x="6617338" y="2194877"/>
-            <a:ext cx="451712" cy="5058"/>
+          <a:xfrm>
+            <a:off x="9632008" y="3820388"/>
+            <a:ext cx="423710" cy="0"/>
           </a:xfrm>
           <a:prstGeom prst="straightConnector1">
             <a:avLst/>
           </a:prstGeom>
           <a:ln>
-            <a:solidFill>
-              <a:srgbClr val="FF0000"/>
-            </a:solidFill>
             <a:tailEnd type="triangle"/>
           </a:ln>
         </p:spPr>
@@ -18826,25 +20015,21 @@
       </p:cxnSp>
       <p:cxnSp>
         <p:nvCxnSpPr>
-          <p:cNvPr id="75" name="直接箭头连接符 74"/>
+          <p:cNvPr id="110" name="直接箭头连接符 109"/>
           <p:cNvCxnSpPr>
-            <a:stCxn id="78" idx="3"/>
-            <a:endCxn id="42" idx="1"/>
+            <a:endCxn id="2" idx="1"/>
           </p:cNvCxnSpPr>
           <p:nvPr/>
         </p:nvCxnSpPr>
         <p:spPr>
           <a:xfrm>
-            <a:off x="6617338" y="3172676"/>
-            <a:ext cx="361943" cy="1907"/>
+            <a:off x="1464925" y="3820388"/>
+            <a:ext cx="606056" cy="0"/>
           </a:xfrm>
           <a:prstGeom prst="straightConnector1">
             <a:avLst/>
           </a:prstGeom>
           <a:ln>
-            <a:solidFill>
-              <a:srgbClr val="FF0000"/>
-            </a:solidFill>
             <a:tailEnd type="triangle"/>
           </a:ln>
         </p:spPr>
@@ -18865,14 +20050,44 @@
       </p:cxnSp>
       <p:sp>
         <p:nvSpPr>
-          <p:cNvPr id="105" name="矩形 104"/>
+          <p:cNvPr id="111" name="文本框 110"/>
+          <p:cNvSpPr txBox="1"/>
+          <p:nvPr/>
+        </p:nvSpPr>
+        <p:spPr>
+          <a:xfrm>
+            <a:off x="836649" y="3635722"/>
+            <a:ext cx="615874" cy="369332"/>
+          </a:xfrm>
+          <a:prstGeom prst="rect">
+            <a:avLst/>
+          </a:prstGeom>
+          <a:noFill/>
+        </p:spPr>
+        <p:txBody>
+          <a:bodyPr wrap="none" rtlCol="0">
+            <a:spAutoFit/>
+          </a:bodyPr>
+          <a:lstStyle/>
+          <a:p>
+            <a:r>
+              <a:rPr lang="en-US" altLang="zh-CN" dirty="0" smtClean="0"/>
+              <a:t>Click</a:t>
+            </a:r>
+            <a:endParaRPr lang="zh-CN" altLang="en-US" dirty="0"/>
+          </a:p>
+        </p:txBody>
+      </p:sp>
+      <p:sp>
+        <p:nvSpPr>
+          <p:cNvPr id="42" name="矩形 41"/>
           <p:cNvSpPr/>
           <p:nvPr/>
         </p:nvSpPr>
         <p:spPr>
           <a:xfrm>
-            <a:off x="5810359" y="611732"/>
-            <a:ext cx="907962" cy="894461"/>
+            <a:off x="5272201" y="1499503"/>
+            <a:ext cx="733330" cy="695178"/>
           </a:xfrm>
           <a:prstGeom prst="rect">
             <a:avLst/>
@@ -18906,92 +20121,23 @@
           <a:p>
             <a:pPr algn="ctr"/>
             <a:r>
-              <a:rPr lang="en-US" altLang="zh-CN" sz="1200" dirty="0" smtClean="0">
+              <a:rPr lang="en-US" altLang="zh-CN" dirty="0" smtClean="0">
                 <a:solidFill>
                   <a:schemeClr val="tx1"/>
                 </a:solidFill>
               </a:rPr>
-              <a:t>RegEx</a:t>
+              <a:t>Delay</a:t>
             </a:r>
           </a:p>
           <a:p>
             <a:pPr algn="ctr"/>
             <a:r>
-              <a:rPr lang="en-US" altLang="zh-CN" sz="1200" dirty="0" smtClean="0">
+              <a:rPr lang="en-US" altLang="zh-CN" dirty="0" smtClean="0">
                 <a:solidFill>
                   <a:schemeClr val="tx1"/>
                 </a:solidFill>
               </a:rPr>
-              <a:t>if(50-100)?</a:t>
-            </a:r>
-          </a:p>
-          <a:p>
-            <a:pPr algn="ctr"/>
-            <a:r>
-              <a:rPr lang="en-US" altLang="zh-CN" sz="1200" dirty="0" smtClean="0">
-                <a:solidFill>
-                  <a:schemeClr val="tx1"/>
-                </a:solidFill>
-              </a:rPr>
-              <a:t>0:1</a:t>
-            </a:r>
-            <a:endParaRPr lang="zh-CN" altLang="en-US" sz="1200" dirty="0">
-              <a:solidFill>
-                <a:schemeClr val="tx1"/>
-              </a:solidFill>
-            </a:endParaRPr>
-          </a:p>
-        </p:txBody>
-      </p:sp>
-      <p:sp>
-        <p:nvSpPr>
-          <p:cNvPr id="106" name="矩形 105"/>
-          <p:cNvSpPr/>
-          <p:nvPr/>
-        </p:nvSpPr>
-        <p:spPr>
-          <a:xfrm>
-            <a:off x="8214336" y="769917"/>
-            <a:ext cx="733330" cy="695179"/>
-          </a:xfrm>
-          <a:prstGeom prst="rect">
-            <a:avLst/>
-          </a:prstGeom>
-          <a:noFill/>
-          <a:ln>
-            <a:solidFill>
-              <a:schemeClr val="tx1"/>
-            </a:solidFill>
-          </a:ln>
-        </p:spPr>
-        <p:style>
-          <a:lnRef idx="2">
-            <a:schemeClr val="accent1">
-              <a:shade val="50000"/>
-            </a:schemeClr>
-          </a:lnRef>
-          <a:fillRef idx="1">
-            <a:schemeClr val="accent1"/>
-          </a:fillRef>
-          <a:effectRef idx="0">
-            <a:schemeClr val="accent1"/>
-          </a:effectRef>
-          <a:fontRef idx="minor">
-            <a:schemeClr val="lt1"/>
-          </a:fontRef>
-        </p:style>
-        <p:txBody>
-          <a:bodyPr rtlCol="0" anchor="ctr"/>
-          <a:lstStyle/>
-          <a:p>
-            <a:pPr algn="ctr"/>
-            <a:r>
-              <a:rPr lang="en-US" altLang="zh-CN" dirty="0" smtClean="0">
-                <a:solidFill>
-                  <a:schemeClr val="tx1"/>
-                </a:solidFill>
-              </a:rPr>
-              <a:t>*2</a:t>
+              <a:t>0.02s</a:t>
             </a:r>
             <a:endParaRPr lang="zh-CN" altLang="en-US" dirty="0">
               <a:solidFill>
@@ -19001,1695 +20147,24 @@
           </a:p>
         </p:txBody>
       </p:sp>
-      <p:sp>
-        <p:nvSpPr>
-          <p:cNvPr id="107" name="矩形 106"/>
-          <p:cNvSpPr/>
-          <p:nvPr/>
-        </p:nvSpPr>
-        <p:spPr>
-          <a:xfrm>
-            <a:off x="9314331" y="769917"/>
-            <a:ext cx="733330" cy="695179"/>
-          </a:xfrm>
-          <a:prstGeom prst="rect">
-            <a:avLst/>
-          </a:prstGeom>
-          <a:noFill/>
-          <a:ln>
-            <a:solidFill>
-              <a:schemeClr val="tx1"/>
-            </a:solidFill>
-          </a:ln>
-        </p:spPr>
-        <p:style>
-          <a:lnRef idx="2">
-            <a:schemeClr val="accent1">
-              <a:shade val="50000"/>
-            </a:schemeClr>
-          </a:lnRef>
-          <a:fillRef idx="1">
-            <a:schemeClr val="accent1"/>
-          </a:fillRef>
-          <a:effectRef idx="0">
-            <a:schemeClr val="accent1"/>
-          </a:effectRef>
-          <a:fontRef idx="minor">
-            <a:schemeClr val="lt1"/>
-          </a:fontRef>
-        </p:style>
-        <p:txBody>
-          <a:bodyPr rtlCol="0" anchor="ctr"/>
-          <a:lstStyle/>
-          <a:p>
-            <a:pPr algn="ctr"/>
-            <a:r>
-              <a:rPr lang="en-US" altLang="zh-CN" dirty="0" smtClean="0">
-                <a:solidFill>
-                  <a:schemeClr val="tx1"/>
-                </a:solidFill>
-              </a:rPr>
-              <a:t>MEM2</a:t>
-            </a:r>
-            <a:endParaRPr lang="zh-CN" altLang="en-US" dirty="0">
-              <a:solidFill>
-                <a:schemeClr val="tx1"/>
-              </a:solidFill>
-            </a:endParaRPr>
-          </a:p>
-        </p:txBody>
-      </p:sp>
       <p:cxnSp>
         <p:nvCxnSpPr>
-          <p:cNvPr id="102" name="直接箭头连接符 101"/>
-          <p:cNvCxnSpPr/>
+          <p:cNvPr id="17" name="直接箭头连接符 16"/>
+          <p:cNvCxnSpPr>
+            <a:stCxn id="51" idx="0"/>
+            <a:endCxn id="42" idx="2"/>
+          </p:cNvCxnSpPr>
           <p:nvPr/>
         </p:nvCxnSpPr>
         <p:spPr>
-          <a:xfrm flipH="1">
-            <a:off x="8947666" y="1117506"/>
-            <a:ext cx="366665" cy="0"/>
+          <a:xfrm flipV="1">
+            <a:off x="5638866" y="2194681"/>
+            <a:ext cx="0" cy="261756"/>
           </a:xfrm>
           <a:prstGeom prst="straightConnector1">
             <a:avLst/>
           </a:prstGeom>
           <a:ln>
-            <a:tailEnd type="triangle"/>
-          </a:ln>
-        </p:spPr>
-        <p:style>
-          <a:lnRef idx="1">
-            <a:schemeClr val="accent1"/>
-          </a:lnRef>
-          <a:fillRef idx="0">
-            <a:schemeClr val="accent1"/>
-          </a:fillRef>
-          <a:effectRef idx="0">
-            <a:schemeClr val="accent1"/>
-          </a:effectRef>
-          <a:fontRef idx="minor">
-            <a:schemeClr val="tx1"/>
-          </a:fontRef>
-        </p:style>
-      </p:cxnSp>
-      <p:cxnSp>
-        <p:nvCxnSpPr>
-          <p:cNvPr id="28" name="直接箭头连接符 27"/>
-          <p:cNvCxnSpPr>
-            <a:stCxn id="65" idx="2"/>
-            <a:endCxn id="43" idx="0"/>
-          </p:cNvCxnSpPr>
-          <p:nvPr/>
-        </p:nvCxnSpPr>
-        <p:spPr>
-          <a:xfrm>
-            <a:off x="2481718" y="1275817"/>
-            <a:ext cx="1" cy="357674"/>
-          </a:xfrm>
-          <a:prstGeom prst="straightConnector1">
-            <a:avLst/>
-          </a:prstGeom>
-          <a:ln>
-            <a:tailEnd type="triangle"/>
-          </a:ln>
-        </p:spPr>
-        <p:style>
-          <a:lnRef idx="1">
-            <a:schemeClr val="accent1"/>
-          </a:lnRef>
-          <a:fillRef idx="0">
-            <a:schemeClr val="accent1"/>
-          </a:fillRef>
-          <a:effectRef idx="0">
-            <a:schemeClr val="accent1"/>
-          </a:effectRef>
-          <a:fontRef idx="minor">
-            <a:schemeClr val="tx1"/>
-          </a:fontRef>
-        </p:style>
-      </p:cxnSp>
-      <p:sp>
-        <p:nvSpPr>
-          <p:cNvPr id="60" name="矩形 59"/>
-          <p:cNvSpPr/>
-          <p:nvPr/>
-        </p:nvSpPr>
-        <p:spPr>
-          <a:xfrm>
-            <a:off x="8824066" y="4047195"/>
-            <a:ext cx="907962" cy="894461"/>
-          </a:xfrm>
-          <a:prstGeom prst="rect">
-            <a:avLst/>
-          </a:prstGeom>
-          <a:noFill/>
-          <a:ln>
-            <a:solidFill>
-              <a:schemeClr val="tx1"/>
-            </a:solidFill>
-          </a:ln>
-        </p:spPr>
-        <p:style>
-          <a:lnRef idx="2">
-            <a:schemeClr val="accent1">
-              <a:shade val="50000"/>
-            </a:schemeClr>
-          </a:lnRef>
-          <a:fillRef idx="1">
-            <a:schemeClr val="accent1"/>
-          </a:fillRef>
-          <a:effectRef idx="0">
-            <a:schemeClr val="accent1"/>
-          </a:effectRef>
-          <a:fontRef idx="minor">
-            <a:schemeClr val="lt1"/>
-          </a:fontRef>
-        </p:style>
-        <p:txBody>
-          <a:bodyPr rtlCol="0" anchor="ctr"/>
-          <a:lstStyle/>
-          <a:p>
-            <a:pPr algn="ctr"/>
-            <a:r>
-              <a:rPr lang="en-US" altLang="zh-CN" sz="1200" dirty="0" smtClean="0">
-                <a:solidFill>
-                  <a:schemeClr val="tx1"/>
-                </a:solidFill>
-              </a:rPr>
-              <a:t>RegEx</a:t>
-            </a:r>
-          </a:p>
-          <a:p>
-            <a:pPr algn="ctr"/>
-            <a:r>
-              <a:rPr lang="en-US" altLang="zh-CN" sz="1200" dirty="0" smtClean="0">
-                <a:solidFill>
-                  <a:schemeClr val="tx1"/>
-                </a:solidFill>
-              </a:rPr>
-              <a:t>if(90-100)?</a:t>
-            </a:r>
-          </a:p>
-          <a:p>
-            <a:pPr algn="ctr"/>
-            <a:r>
-              <a:rPr lang="en-US" altLang="zh-CN" sz="1200" dirty="0" smtClean="0">
-                <a:solidFill>
-                  <a:schemeClr val="tx1"/>
-                </a:solidFill>
-              </a:rPr>
-              <a:t>1:null</a:t>
-            </a:r>
-            <a:endParaRPr lang="zh-CN" altLang="en-US" sz="1200" dirty="0">
-              <a:solidFill>
-                <a:schemeClr val="tx1"/>
-              </a:solidFill>
-            </a:endParaRPr>
-          </a:p>
-        </p:txBody>
-      </p:sp>
-      <p:sp>
-        <p:nvSpPr>
-          <p:cNvPr id="40" name="文本框 39"/>
-          <p:cNvSpPr txBox="1"/>
-          <p:nvPr/>
-        </p:nvSpPr>
-        <p:spPr>
-          <a:xfrm>
-            <a:off x="8382624" y="3520265"/>
-            <a:ext cx="349776" cy="369332"/>
-          </a:xfrm>
-          <a:prstGeom prst="rect">
-            <a:avLst/>
-          </a:prstGeom>
-          <a:noFill/>
-        </p:spPr>
-        <p:txBody>
-          <a:bodyPr wrap="none" rtlCol="0">
-            <a:spAutoFit/>
-          </a:bodyPr>
-          <a:lstStyle/>
-          <a:p>
-            <a:r>
-              <a:rPr lang="en-US" altLang="zh-CN" dirty="0" smtClean="0"/>
-              <a:t>%</a:t>
-            </a:r>
-            <a:endParaRPr lang="zh-CN" altLang="en-US" dirty="0"/>
-          </a:p>
-        </p:txBody>
-      </p:sp>
-      <p:cxnSp>
-        <p:nvCxnSpPr>
-          <p:cNvPr id="74" name="直接箭头连接符 73"/>
-          <p:cNvCxnSpPr>
-            <a:stCxn id="42" idx="2"/>
-            <a:endCxn id="124" idx="0"/>
-          </p:cNvCxnSpPr>
-          <p:nvPr/>
-        </p:nvCxnSpPr>
-        <p:spPr>
-          <a:xfrm>
-            <a:off x="7524356" y="3399787"/>
-            <a:ext cx="662397" cy="645654"/>
-          </a:xfrm>
-          <a:prstGeom prst="straightConnector1">
-            <a:avLst/>
-          </a:prstGeom>
-          <a:ln>
-            <a:tailEnd type="triangle"/>
-          </a:ln>
-        </p:spPr>
-        <p:style>
-          <a:lnRef idx="1">
-            <a:schemeClr val="accent1"/>
-          </a:lnRef>
-          <a:fillRef idx="0">
-            <a:schemeClr val="accent1"/>
-          </a:fillRef>
-          <a:effectRef idx="0">
-            <a:schemeClr val="accent1"/>
-          </a:effectRef>
-          <a:fontRef idx="minor">
-            <a:schemeClr val="tx1"/>
-          </a:fontRef>
-        </p:style>
-      </p:cxnSp>
-      <p:sp>
-        <p:nvSpPr>
-          <p:cNvPr id="201" name="矩形 200"/>
-          <p:cNvSpPr/>
-          <p:nvPr/>
-        </p:nvSpPr>
-        <p:spPr>
-          <a:xfrm>
-            <a:off x="2000700" y="2430052"/>
-            <a:ext cx="972113" cy="488326"/>
-          </a:xfrm>
-          <a:prstGeom prst="rect">
-            <a:avLst/>
-          </a:prstGeom>
-          <a:ln/>
-        </p:spPr>
-        <p:style>
-          <a:lnRef idx="2">
-            <a:schemeClr val="dk1"/>
-          </a:lnRef>
-          <a:fillRef idx="1">
-            <a:schemeClr val="lt1"/>
-          </a:fillRef>
-          <a:effectRef idx="0">
-            <a:schemeClr val="dk1"/>
-          </a:effectRef>
-          <a:fontRef idx="minor">
-            <a:schemeClr val="dk1"/>
-          </a:fontRef>
-        </p:style>
-        <p:txBody>
-          <a:bodyPr rtlCol="0" anchor="ctr"/>
-          <a:lstStyle/>
-          <a:p>
-            <a:pPr algn="ctr"/>
-            <a:r>
-              <a:rPr lang="en-US" altLang="zh-CN" dirty="0" smtClean="0">
-                <a:solidFill>
-                  <a:schemeClr val="tx1"/>
-                </a:solidFill>
-              </a:rPr>
-              <a:t>Junction</a:t>
-            </a:r>
-            <a:endParaRPr lang="zh-CN" altLang="en-US" dirty="0">
-              <a:solidFill>
-                <a:schemeClr val="tx1"/>
-              </a:solidFill>
-            </a:endParaRPr>
-          </a:p>
-        </p:txBody>
-      </p:sp>
-      <p:cxnSp>
-        <p:nvCxnSpPr>
-          <p:cNvPr id="205" name="直接箭头连接符 204"/>
-          <p:cNvCxnSpPr>
-            <a:stCxn id="20" idx="1"/>
-            <a:endCxn id="201" idx="3"/>
-          </p:cNvCxnSpPr>
-          <p:nvPr/>
-        </p:nvCxnSpPr>
-        <p:spPr>
-          <a:xfrm flipH="1">
-            <a:off x="2972813" y="2036838"/>
-            <a:ext cx="573296" cy="637377"/>
-          </a:xfrm>
-          <a:prstGeom prst="straightConnector1">
-            <a:avLst/>
-          </a:prstGeom>
-          <a:ln>
-            <a:solidFill>
-              <a:srgbClr val="FF0000"/>
-            </a:solidFill>
-            <a:tailEnd type="triangle"/>
-          </a:ln>
-        </p:spPr>
-        <p:style>
-          <a:lnRef idx="1">
-            <a:schemeClr val="accent1"/>
-          </a:lnRef>
-          <a:fillRef idx="0">
-            <a:schemeClr val="accent1"/>
-          </a:fillRef>
-          <a:effectRef idx="0">
-            <a:schemeClr val="accent1"/>
-          </a:effectRef>
-          <a:fontRef idx="minor">
-            <a:schemeClr val="tx1"/>
-          </a:fontRef>
-        </p:style>
-      </p:cxnSp>
-      <p:cxnSp>
-        <p:nvCxnSpPr>
-          <p:cNvPr id="220" name="直接箭头连接符 219"/>
-          <p:cNvCxnSpPr>
-            <a:stCxn id="201" idx="0"/>
-            <a:endCxn id="43" idx="2"/>
-          </p:cNvCxnSpPr>
-          <p:nvPr/>
-        </p:nvCxnSpPr>
-        <p:spPr>
-          <a:xfrm flipH="1" flipV="1">
-            <a:off x="2481719" y="2121817"/>
-            <a:ext cx="5038" cy="308235"/>
-          </a:xfrm>
-          <a:prstGeom prst="straightConnector1">
-            <a:avLst/>
-          </a:prstGeom>
-          <a:ln>
-            <a:solidFill>
-              <a:srgbClr val="FF0000"/>
-            </a:solidFill>
-            <a:tailEnd type="triangle"/>
-          </a:ln>
-        </p:spPr>
-        <p:style>
-          <a:lnRef idx="1">
-            <a:schemeClr val="accent1"/>
-          </a:lnRef>
-          <a:fillRef idx="0">
-            <a:schemeClr val="accent1"/>
-          </a:fillRef>
-          <a:effectRef idx="0">
-            <a:schemeClr val="accent1"/>
-          </a:effectRef>
-          <a:fontRef idx="minor">
-            <a:schemeClr val="tx1"/>
-          </a:fontRef>
-        </p:style>
-      </p:cxnSp>
-      <p:cxnSp>
-        <p:nvCxnSpPr>
-          <p:cNvPr id="233" name="直接箭头连接符 232"/>
-          <p:cNvCxnSpPr>
-            <a:stCxn id="201" idx="3"/>
-            <a:endCxn id="77" idx="1"/>
-          </p:cNvCxnSpPr>
-          <p:nvPr/>
-        </p:nvCxnSpPr>
-        <p:spPr>
-          <a:xfrm flipV="1">
-            <a:off x="2972813" y="2199935"/>
-            <a:ext cx="2911195" cy="474280"/>
-          </a:xfrm>
-          <a:prstGeom prst="straightConnector1">
-            <a:avLst/>
-          </a:prstGeom>
-          <a:ln>
-            <a:solidFill>
-              <a:srgbClr val="FF0000"/>
-            </a:solidFill>
-            <a:tailEnd type="triangle"/>
-          </a:ln>
-        </p:spPr>
-        <p:style>
-          <a:lnRef idx="1">
-            <a:schemeClr val="accent1"/>
-          </a:lnRef>
-          <a:fillRef idx="0">
-            <a:schemeClr val="accent1"/>
-          </a:fillRef>
-          <a:effectRef idx="0">
-            <a:schemeClr val="accent1"/>
-          </a:effectRef>
-          <a:fontRef idx="minor">
-            <a:schemeClr val="tx1"/>
-          </a:fontRef>
-        </p:style>
-      </p:cxnSp>
-      <p:sp>
-        <p:nvSpPr>
-          <p:cNvPr id="93" name="矩形 92"/>
-          <p:cNvSpPr/>
-          <p:nvPr/>
-        </p:nvSpPr>
-        <p:spPr>
-          <a:xfrm>
-            <a:off x="8457401" y="5163102"/>
-            <a:ext cx="733330" cy="695179"/>
-          </a:xfrm>
-          <a:prstGeom prst="rect">
-            <a:avLst/>
-          </a:prstGeom>
-          <a:noFill/>
-          <a:ln>
-            <a:solidFill>
-              <a:schemeClr val="tx1"/>
-            </a:solidFill>
-          </a:ln>
-        </p:spPr>
-        <p:style>
-          <a:lnRef idx="2">
-            <a:schemeClr val="accent1">
-              <a:shade val="50000"/>
-            </a:schemeClr>
-          </a:lnRef>
-          <a:fillRef idx="1">
-            <a:schemeClr val="accent1"/>
-          </a:fillRef>
-          <a:effectRef idx="0">
-            <a:schemeClr val="accent1"/>
-          </a:effectRef>
-          <a:fontRef idx="minor">
-            <a:schemeClr val="lt1"/>
-          </a:fontRef>
-        </p:style>
-        <p:txBody>
-          <a:bodyPr rtlCol="0" anchor="ctr"/>
-          <a:lstStyle/>
-          <a:p>
-            <a:pPr algn="ctr"/>
-            <a:r>
-              <a:rPr lang="en-US" altLang="zh-CN" dirty="0" smtClean="0">
-                <a:solidFill>
-                  <a:schemeClr val="tx1"/>
-                </a:solidFill>
-              </a:rPr>
-              <a:t>MEM</a:t>
-            </a:r>
-            <a:endParaRPr lang="zh-CN" altLang="en-US" dirty="0">
-              <a:solidFill>
-                <a:schemeClr val="tx1"/>
-              </a:solidFill>
-            </a:endParaRPr>
-          </a:p>
-        </p:txBody>
-      </p:sp>
-      <p:cxnSp>
-        <p:nvCxnSpPr>
-          <p:cNvPr id="62" name="直接箭头连接符 61"/>
-          <p:cNvCxnSpPr>
-            <a:stCxn id="60" idx="2"/>
-            <a:endCxn id="93" idx="0"/>
-          </p:cNvCxnSpPr>
-          <p:nvPr/>
-        </p:nvCxnSpPr>
-        <p:spPr>
-          <a:xfrm flipH="1">
-            <a:off x="8824066" y="4941656"/>
-            <a:ext cx="453981" cy="221446"/>
-          </a:xfrm>
-          <a:prstGeom prst="straightConnector1">
-            <a:avLst/>
-          </a:prstGeom>
-          <a:ln>
-            <a:tailEnd type="triangle"/>
-          </a:ln>
-        </p:spPr>
-        <p:style>
-          <a:lnRef idx="1">
-            <a:schemeClr val="accent1"/>
-          </a:lnRef>
-          <a:fillRef idx="0">
-            <a:schemeClr val="accent1"/>
-          </a:fillRef>
-          <a:effectRef idx="0">
-            <a:schemeClr val="accent1"/>
-          </a:effectRef>
-          <a:fontRef idx="minor">
-            <a:schemeClr val="tx1"/>
-          </a:fontRef>
-        </p:style>
-      </p:cxnSp>
-      <p:sp>
-        <p:nvSpPr>
-          <p:cNvPr id="124" name="矩形 123"/>
-          <p:cNvSpPr/>
-          <p:nvPr/>
-        </p:nvSpPr>
-        <p:spPr>
-          <a:xfrm>
-            <a:off x="7732772" y="4045441"/>
-            <a:ext cx="907962" cy="894461"/>
-          </a:xfrm>
-          <a:prstGeom prst="rect">
-            <a:avLst/>
-          </a:prstGeom>
-          <a:noFill/>
-          <a:ln>
-            <a:solidFill>
-              <a:schemeClr val="tx1"/>
-            </a:solidFill>
-          </a:ln>
-        </p:spPr>
-        <p:style>
-          <a:lnRef idx="2">
-            <a:schemeClr val="accent1">
-              <a:shade val="50000"/>
-            </a:schemeClr>
-          </a:lnRef>
-          <a:fillRef idx="1">
-            <a:schemeClr val="accent1"/>
-          </a:fillRef>
-          <a:effectRef idx="0">
-            <a:schemeClr val="accent1"/>
-          </a:effectRef>
-          <a:fontRef idx="minor">
-            <a:schemeClr val="lt1"/>
-          </a:fontRef>
-        </p:style>
-        <p:txBody>
-          <a:bodyPr rtlCol="0" anchor="ctr"/>
-          <a:lstStyle/>
-          <a:p>
-            <a:pPr algn="ctr"/>
-            <a:r>
-              <a:rPr lang="en-US" altLang="zh-CN" sz="1200" dirty="0" smtClean="0">
-                <a:solidFill>
-                  <a:schemeClr val="tx1"/>
-                </a:solidFill>
-              </a:rPr>
-              <a:t>RegEx</a:t>
-            </a:r>
-          </a:p>
-          <a:p>
-            <a:pPr algn="ctr"/>
-            <a:r>
-              <a:rPr lang="en-US" altLang="zh-CN" sz="1200" dirty="0" smtClean="0">
-                <a:solidFill>
-                  <a:schemeClr val="tx1"/>
-                </a:solidFill>
-              </a:rPr>
-              <a:t>if(0-20)?</a:t>
-            </a:r>
-          </a:p>
-          <a:p>
-            <a:pPr algn="ctr"/>
-            <a:r>
-              <a:rPr lang="en-US" altLang="zh-CN" sz="1200" dirty="0" smtClean="0">
-                <a:solidFill>
-                  <a:schemeClr val="tx1"/>
-                </a:solidFill>
-              </a:rPr>
-              <a:t>0:null</a:t>
-            </a:r>
-            <a:endParaRPr lang="zh-CN" altLang="en-US" sz="1200" dirty="0">
-              <a:solidFill>
-                <a:schemeClr val="tx1"/>
-              </a:solidFill>
-            </a:endParaRPr>
-          </a:p>
-        </p:txBody>
-      </p:sp>
-      <p:cxnSp>
-        <p:nvCxnSpPr>
-          <p:cNvPr id="109" name="直接箭头连接符 108"/>
-          <p:cNvCxnSpPr>
-            <a:stCxn id="42" idx="2"/>
-            <a:endCxn id="60" idx="0"/>
-          </p:cNvCxnSpPr>
-          <p:nvPr/>
-        </p:nvCxnSpPr>
-        <p:spPr>
-          <a:xfrm>
-            <a:off x="7524356" y="3399787"/>
-            <a:ext cx="1753691" cy="647408"/>
-          </a:xfrm>
-          <a:prstGeom prst="straightConnector1">
-            <a:avLst/>
-          </a:prstGeom>
-          <a:ln>
-            <a:tailEnd type="triangle"/>
-          </a:ln>
-        </p:spPr>
-        <p:style>
-          <a:lnRef idx="1">
-            <a:schemeClr val="accent1"/>
-          </a:lnRef>
-          <a:fillRef idx="0">
-            <a:schemeClr val="accent1"/>
-          </a:fillRef>
-          <a:effectRef idx="0">
-            <a:schemeClr val="accent1"/>
-          </a:effectRef>
-          <a:fontRef idx="minor">
-            <a:schemeClr val="tx1"/>
-          </a:fontRef>
-        </p:style>
-      </p:cxnSp>
-      <p:cxnSp>
-        <p:nvCxnSpPr>
-          <p:cNvPr id="118" name="直接箭头连接符 117"/>
-          <p:cNvCxnSpPr>
-            <a:stCxn id="124" idx="2"/>
-            <a:endCxn id="93" idx="0"/>
-          </p:cNvCxnSpPr>
-          <p:nvPr/>
-        </p:nvCxnSpPr>
-        <p:spPr>
-          <a:xfrm>
-            <a:off x="8186753" y="4939902"/>
-            <a:ext cx="637313" cy="223200"/>
-          </a:xfrm>
-          <a:prstGeom prst="straightConnector1">
-            <a:avLst/>
-          </a:prstGeom>
-          <a:ln>
-            <a:tailEnd type="triangle"/>
-          </a:ln>
-        </p:spPr>
-        <p:style>
-          <a:lnRef idx="1">
-            <a:schemeClr val="accent1"/>
-          </a:lnRef>
-          <a:fillRef idx="0">
-            <a:schemeClr val="accent1"/>
-          </a:fillRef>
-          <a:effectRef idx="0">
-            <a:schemeClr val="accent1"/>
-          </a:effectRef>
-          <a:fontRef idx="minor">
-            <a:schemeClr val="tx1"/>
-          </a:fontRef>
-        </p:style>
-      </p:cxnSp>
-      <p:sp>
-        <p:nvSpPr>
-          <p:cNvPr id="164" name="矩形 163"/>
-          <p:cNvSpPr/>
-          <p:nvPr/>
-        </p:nvSpPr>
-        <p:spPr>
-          <a:xfrm>
-            <a:off x="6589925" y="4071362"/>
-            <a:ext cx="819035" cy="867094"/>
-          </a:xfrm>
-          <a:prstGeom prst="rect">
-            <a:avLst/>
-          </a:prstGeom>
-          <a:noFill/>
-          <a:ln>
-            <a:solidFill>
-              <a:schemeClr val="tx1"/>
-            </a:solidFill>
-          </a:ln>
-        </p:spPr>
-        <p:style>
-          <a:lnRef idx="2">
-            <a:schemeClr val="accent1">
-              <a:shade val="50000"/>
-            </a:schemeClr>
-          </a:lnRef>
-          <a:fillRef idx="1">
-            <a:schemeClr val="accent1"/>
-          </a:fillRef>
-          <a:effectRef idx="0">
-            <a:schemeClr val="accent1"/>
-          </a:effectRef>
-          <a:fontRef idx="minor">
-            <a:schemeClr val="lt1"/>
-          </a:fontRef>
-        </p:style>
-        <p:txBody>
-          <a:bodyPr rtlCol="0" anchor="ctr"/>
-          <a:lstStyle/>
-          <a:p>
-            <a:pPr algn="ctr"/>
-            <a:r>
-              <a:rPr lang="en-US" altLang="zh-CN" sz="1200" dirty="0" smtClean="0">
-                <a:solidFill>
-                  <a:schemeClr val="tx1"/>
-                </a:solidFill>
-              </a:rPr>
-              <a:t>If(1)?</a:t>
-            </a:r>
-          </a:p>
-          <a:p>
-            <a:pPr algn="ctr"/>
-            <a:r>
-              <a:rPr lang="en-US" altLang="zh-CN" sz="1200" dirty="0" smtClean="0">
-                <a:solidFill>
-                  <a:schemeClr val="tx1"/>
-                </a:solidFill>
-              </a:rPr>
-              <a:t>20:100</a:t>
-            </a:r>
-            <a:endParaRPr lang="zh-CN" altLang="en-US" sz="1200" dirty="0">
-              <a:solidFill>
-                <a:schemeClr val="tx1"/>
-              </a:solidFill>
-            </a:endParaRPr>
-          </a:p>
-        </p:txBody>
-      </p:sp>
-      <p:sp>
-        <p:nvSpPr>
-          <p:cNvPr id="112" name="矩形 111"/>
-          <p:cNvSpPr/>
-          <p:nvPr/>
-        </p:nvSpPr>
-        <p:spPr>
-          <a:xfrm>
-            <a:off x="4693159" y="711373"/>
-            <a:ext cx="733330" cy="695179"/>
-          </a:xfrm>
-          <a:prstGeom prst="rect">
-            <a:avLst/>
-          </a:prstGeom>
-          <a:noFill/>
-          <a:ln>
-            <a:solidFill>
-              <a:schemeClr val="tx1"/>
-            </a:solidFill>
-          </a:ln>
-        </p:spPr>
-        <p:style>
-          <a:lnRef idx="2">
-            <a:schemeClr val="accent1">
-              <a:shade val="50000"/>
-            </a:schemeClr>
-          </a:lnRef>
-          <a:fillRef idx="1">
-            <a:schemeClr val="accent1"/>
-          </a:fillRef>
-          <a:effectRef idx="0">
-            <a:schemeClr val="accent1"/>
-          </a:effectRef>
-          <a:fontRef idx="minor">
-            <a:schemeClr val="lt1"/>
-          </a:fontRef>
-        </p:style>
-        <p:txBody>
-          <a:bodyPr rtlCol="0" anchor="ctr"/>
-          <a:lstStyle/>
-          <a:p>
-            <a:pPr algn="ctr"/>
-            <a:r>
-              <a:rPr lang="en-US" altLang="zh-CN" dirty="0" smtClean="0">
-                <a:solidFill>
-                  <a:schemeClr val="tx1"/>
-                </a:solidFill>
-              </a:rPr>
-              <a:t>Abs()</a:t>
-            </a:r>
-            <a:endParaRPr lang="zh-CN" altLang="en-US" dirty="0">
-              <a:solidFill>
-                <a:schemeClr val="tx1"/>
-              </a:solidFill>
-            </a:endParaRPr>
-          </a:p>
-        </p:txBody>
-      </p:sp>
-      <p:sp>
-        <p:nvSpPr>
-          <p:cNvPr id="113" name="矩形 112"/>
-          <p:cNvSpPr/>
-          <p:nvPr/>
-        </p:nvSpPr>
-        <p:spPr>
-          <a:xfrm>
-            <a:off x="3581014" y="708194"/>
-            <a:ext cx="733330" cy="695179"/>
-          </a:xfrm>
-          <a:prstGeom prst="rect">
-            <a:avLst/>
-          </a:prstGeom>
-          <a:noFill/>
-          <a:ln>
-            <a:solidFill>
-              <a:schemeClr val="tx1"/>
-            </a:solidFill>
-          </a:ln>
-        </p:spPr>
-        <p:style>
-          <a:lnRef idx="2">
-            <a:schemeClr val="accent1">
-              <a:shade val="50000"/>
-            </a:schemeClr>
-          </a:lnRef>
-          <a:fillRef idx="1">
-            <a:schemeClr val="accent1"/>
-          </a:fillRef>
-          <a:effectRef idx="0">
-            <a:schemeClr val="accent1"/>
-          </a:effectRef>
-          <a:fontRef idx="minor">
-            <a:schemeClr val="lt1"/>
-          </a:fontRef>
-        </p:style>
-        <p:txBody>
-          <a:bodyPr rtlCol="0" anchor="ctr"/>
-          <a:lstStyle/>
-          <a:p>
-            <a:pPr algn="ctr"/>
-            <a:r>
-              <a:rPr lang="en-US" altLang="zh-CN" dirty="0" smtClean="0">
-                <a:solidFill>
-                  <a:schemeClr val="tx1"/>
-                </a:solidFill>
-              </a:rPr>
-              <a:t>(int)</a:t>
-            </a:r>
-          </a:p>
-          <a:p>
-            <a:pPr algn="ctr"/>
-            <a:r>
-              <a:rPr lang="en-US" altLang="zh-CN" dirty="0" smtClean="0">
-                <a:solidFill>
-                  <a:schemeClr val="tx1"/>
-                </a:solidFill>
-              </a:rPr>
-              <a:t>HV</a:t>
-            </a:r>
-            <a:endParaRPr lang="zh-CN" altLang="en-US" dirty="0">
-              <a:solidFill>
-                <a:schemeClr val="tx1"/>
-              </a:solidFill>
-            </a:endParaRPr>
-          </a:p>
-        </p:txBody>
-      </p:sp>
-      <p:cxnSp>
-        <p:nvCxnSpPr>
-          <p:cNvPr id="85" name="直接箭头连接符 84"/>
-          <p:cNvCxnSpPr>
-            <a:stCxn id="112" idx="3"/>
-            <a:endCxn id="105" idx="1"/>
-          </p:cNvCxnSpPr>
-          <p:nvPr/>
-        </p:nvCxnSpPr>
-        <p:spPr>
-          <a:xfrm>
-            <a:off x="5426489" y="1058963"/>
-            <a:ext cx="383870" cy="0"/>
-          </a:xfrm>
-          <a:prstGeom prst="straightConnector1">
-            <a:avLst/>
-          </a:prstGeom>
-          <a:ln>
-            <a:tailEnd type="triangle"/>
-          </a:ln>
-        </p:spPr>
-        <p:style>
-          <a:lnRef idx="1">
-            <a:schemeClr val="accent1"/>
-          </a:lnRef>
-          <a:fillRef idx="0">
-            <a:schemeClr val="accent1"/>
-          </a:fillRef>
-          <a:effectRef idx="0">
-            <a:schemeClr val="accent1"/>
-          </a:effectRef>
-          <a:fontRef idx="minor">
-            <a:schemeClr val="tx1"/>
-          </a:fontRef>
-        </p:style>
-      </p:cxnSp>
-      <p:cxnSp>
-        <p:nvCxnSpPr>
-          <p:cNvPr id="87" name="直接箭头连接符 86"/>
-          <p:cNvCxnSpPr>
-            <a:stCxn id="113" idx="3"/>
-            <a:endCxn id="112" idx="1"/>
-          </p:cNvCxnSpPr>
-          <p:nvPr/>
-        </p:nvCxnSpPr>
-        <p:spPr>
-          <a:xfrm>
-            <a:off x="4314344" y="1055784"/>
-            <a:ext cx="378815" cy="3179"/>
-          </a:xfrm>
-          <a:prstGeom prst="straightConnector1">
-            <a:avLst/>
-          </a:prstGeom>
-          <a:ln>
-            <a:tailEnd type="triangle"/>
-          </a:ln>
-        </p:spPr>
-        <p:style>
-          <a:lnRef idx="1">
-            <a:schemeClr val="accent1"/>
-          </a:lnRef>
-          <a:fillRef idx="0">
-            <a:schemeClr val="accent1"/>
-          </a:fillRef>
-          <a:effectRef idx="0">
-            <a:schemeClr val="accent1"/>
-          </a:effectRef>
-          <a:fontRef idx="minor">
-            <a:schemeClr val="tx1"/>
-          </a:fontRef>
-        </p:style>
-      </p:cxnSp>
-      <p:cxnSp>
-        <p:nvCxnSpPr>
-          <p:cNvPr id="89" name="直接箭头连接符 88"/>
-          <p:cNvCxnSpPr>
-            <a:stCxn id="65" idx="3"/>
-            <a:endCxn id="113" idx="1"/>
-          </p:cNvCxnSpPr>
-          <p:nvPr/>
-        </p:nvCxnSpPr>
-        <p:spPr>
-          <a:xfrm>
-            <a:off x="3044730" y="1054621"/>
-            <a:ext cx="536284" cy="1163"/>
-          </a:xfrm>
-          <a:prstGeom prst="straightConnector1">
-            <a:avLst/>
-          </a:prstGeom>
-          <a:ln>
-            <a:tailEnd type="triangle"/>
-          </a:ln>
-        </p:spPr>
-        <p:style>
-          <a:lnRef idx="1">
-            <a:schemeClr val="accent1"/>
-          </a:lnRef>
-          <a:fillRef idx="0">
-            <a:schemeClr val="accent1"/>
-          </a:fillRef>
-          <a:effectRef idx="0">
-            <a:schemeClr val="accent1"/>
-          </a:effectRef>
-          <a:fontRef idx="minor">
-            <a:schemeClr val="tx1"/>
-          </a:fontRef>
-        </p:style>
-      </p:cxnSp>
-      <p:sp>
-        <p:nvSpPr>
-          <p:cNvPr id="126" name="矩形 125"/>
-          <p:cNvSpPr/>
-          <p:nvPr/>
-        </p:nvSpPr>
-        <p:spPr>
-          <a:xfrm>
-            <a:off x="7102191" y="769917"/>
-            <a:ext cx="733330" cy="695179"/>
-          </a:xfrm>
-          <a:prstGeom prst="rect">
-            <a:avLst/>
-          </a:prstGeom>
-          <a:noFill/>
-          <a:ln>
-            <a:solidFill>
-              <a:schemeClr val="tx1"/>
-            </a:solidFill>
-          </a:ln>
-        </p:spPr>
-        <p:style>
-          <a:lnRef idx="2">
-            <a:schemeClr val="accent1">
-              <a:shade val="50000"/>
-            </a:schemeClr>
-          </a:lnRef>
-          <a:fillRef idx="1">
-            <a:schemeClr val="accent1"/>
-          </a:fillRef>
-          <a:effectRef idx="0">
-            <a:schemeClr val="accent1"/>
-          </a:effectRef>
-          <a:fontRef idx="minor">
-            <a:schemeClr val="lt1"/>
-          </a:fontRef>
-        </p:style>
-        <p:txBody>
-          <a:bodyPr rtlCol="0" anchor="ctr"/>
-          <a:lstStyle/>
-          <a:p>
-            <a:pPr algn="ctr"/>
-            <a:r>
-              <a:rPr lang="en-US" altLang="zh-CN" dirty="0" smtClean="0">
-                <a:solidFill>
-                  <a:schemeClr val="tx1"/>
-                </a:solidFill>
-              </a:rPr>
-              <a:t>Mod</a:t>
-            </a:r>
-          </a:p>
-          <a:p>
-            <a:pPr algn="ctr"/>
-            <a:r>
-              <a:rPr lang="en-US" altLang="zh-CN" dirty="0" smtClean="0">
-                <a:solidFill>
-                  <a:schemeClr val="tx1"/>
-                </a:solidFill>
-              </a:rPr>
-              <a:t>(50)</a:t>
-            </a:r>
-            <a:endParaRPr lang="zh-CN" altLang="en-US" dirty="0">
-              <a:solidFill>
-                <a:schemeClr val="tx1"/>
-              </a:solidFill>
-            </a:endParaRPr>
-          </a:p>
-        </p:txBody>
-      </p:sp>
-      <p:cxnSp>
-        <p:nvCxnSpPr>
-          <p:cNvPr id="103" name="直接箭头连接符 102"/>
-          <p:cNvCxnSpPr>
-            <a:stCxn id="126" idx="3"/>
-            <a:endCxn id="106" idx="1"/>
-          </p:cNvCxnSpPr>
-          <p:nvPr/>
-        </p:nvCxnSpPr>
-        <p:spPr>
-          <a:xfrm>
-            <a:off x="7835521" y="1117507"/>
-            <a:ext cx="378815" cy="0"/>
-          </a:xfrm>
-          <a:prstGeom prst="straightConnector1">
-            <a:avLst/>
-          </a:prstGeom>
-          <a:ln>
-            <a:tailEnd type="triangle"/>
-          </a:ln>
-        </p:spPr>
-        <p:style>
-          <a:lnRef idx="1">
-            <a:schemeClr val="accent1"/>
-          </a:lnRef>
-          <a:fillRef idx="0">
-            <a:schemeClr val="accent1"/>
-          </a:fillRef>
-          <a:effectRef idx="0">
-            <a:schemeClr val="accent1"/>
-          </a:effectRef>
-          <a:fontRef idx="minor">
-            <a:schemeClr val="tx1"/>
-          </a:fontRef>
-        </p:style>
-      </p:cxnSp>
-      <p:cxnSp>
-        <p:nvCxnSpPr>
-          <p:cNvPr id="111" name="肘形连接符 110"/>
-          <p:cNvCxnSpPr>
-            <a:stCxn id="112" idx="0"/>
-            <a:endCxn id="126" idx="0"/>
-          </p:cNvCxnSpPr>
-          <p:nvPr/>
-        </p:nvCxnSpPr>
-        <p:spPr>
-          <a:xfrm rot="16200000" flipH="1">
-            <a:off x="6235068" y="-463871"/>
-            <a:ext cx="58544" cy="2409032"/>
-          </a:xfrm>
-          <a:prstGeom prst="bentConnector3">
-            <a:avLst>
-              <a:gd name="adj1" fmla="val -390476"/>
-            </a:avLst>
-          </a:prstGeom>
-          <a:ln>
-            <a:tailEnd type="triangle"/>
-          </a:ln>
-        </p:spPr>
-        <p:style>
-          <a:lnRef idx="1">
-            <a:schemeClr val="accent1"/>
-          </a:lnRef>
-          <a:fillRef idx="0">
-            <a:schemeClr val="accent1"/>
-          </a:fillRef>
-          <a:effectRef idx="0">
-            <a:schemeClr val="accent1"/>
-          </a:effectRef>
-          <a:fontRef idx="minor">
-            <a:schemeClr val="tx1"/>
-          </a:fontRef>
-        </p:style>
-      </p:cxnSp>
-      <p:sp>
-        <p:nvSpPr>
-          <p:cNvPr id="140" name="矩形 139"/>
-          <p:cNvSpPr/>
-          <p:nvPr/>
-        </p:nvSpPr>
-        <p:spPr>
-          <a:xfrm>
-            <a:off x="10287179" y="769880"/>
-            <a:ext cx="733330" cy="695179"/>
-          </a:xfrm>
-          <a:prstGeom prst="rect">
-            <a:avLst/>
-          </a:prstGeom>
-          <a:noFill/>
-          <a:ln>
-            <a:solidFill>
-              <a:schemeClr val="tx1"/>
-            </a:solidFill>
-          </a:ln>
-        </p:spPr>
-        <p:style>
-          <a:lnRef idx="2">
-            <a:schemeClr val="accent1">
-              <a:shade val="50000"/>
-            </a:schemeClr>
-          </a:lnRef>
-          <a:fillRef idx="1">
-            <a:schemeClr val="accent1"/>
-          </a:fillRef>
-          <a:effectRef idx="0">
-            <a:schemeClr val="accent1"/>
-          </a:effectRef>
-          <a:fontRef idx="minor">
-            <a:schemeClr val="lt1"/>
-          </a:fontRef>
-        </p:style>
-        <p:txBody>
-          <a:bodyPr rtlCol="0" anchor="ctr"/>
-          <a:lstStyle/>
-          <a:p>
-            <a:pPr algn="ctr"/>
-            <a:r>
-              <a:rPr lang="en-US" altLang="zh-CN" dirty="0" smtClean="0">
-                <a:solidFill>
-                  <a:schemeClr val="tx1"/>
-                </a:solidFill>
-              </a:rPr>
-              <a:t>MEM50</a:t>
-            </a:r>
-            <a:endParaRPr lang="zh-CN" altLang="en-US" dirty="0">
-              <a:solidFill>
-                <a:schemeClr val="tx1"/>
-              </a:solidFill>
-            </a:endParaRPr>
-          </a:p>
-        </p:txBody>
-      </p:sp>
-      <p:cxnSp>
-        <p:nvCxnSpPr>
-          <p:cNvPr id="120" name="肘形连接符 119"/>
-          <p:cNvCxnSpPr>
-            <a:stCxn id="140" idx="0"/>
-            <a:endCxn id="126" idx="0"/>
-          </p:cNvCxnSpPr>
-          <p:nvPr/>
-        </p:nvCxnSpPr>
-        <p:spPr>
-          <a:xfrm rot="16200000" flipH="1" flipV="1">
-            <a:off x="9061331" y="-822596"/>
-            <a:ext cx="37" cy="3184988"/>
-          </a:xfrm>
-          <a:prstGeom prst="bentConnector3">
-            <a:avLst>
-              <a:gd name="adj1" fmla="val -1117664865"/>
-            </a:avLst>
-          </a:prstGeom>
-          <a:ln>
-            <a:tailEnd type="triangle"/>
-          </a:ln>
-        </p:spPr>
-        <p:style>
-          <a:lnRef idx="1">
-            <a:schemeClr val="accent1"/>
-          </a:lnRef>
-          <a:fillRef idx="0">
-            <a:schemeClr val="accent1"/>
-          </a:fillRef>
-          <a:effectRef idx="0">
-            <a:schemeClr val="accent1"/>
-          </a:effectRef>
-          <a:fontRef idx="minor">
-            <a:schemeClr val="tx1"/>
-          </a:fontRef>
-        </p:style>
-      </p:cxnSp>
-      <p:cxnSp>
-        <p:nvCxnSpPr>
-          <p:cNvPr id="142" name="直接箭头连接符 141"/>
-          <p:cNvCxnSpPr>
-            <a:stCxn id="201" idx="3"/>
-            <a:endCxn id="78" idx="1"/>
-          </p:cNvCxnSpPr>
-          <p:nvPr/>
-        </p:nvCxnSpPr>
-        <p:spPr>
-          <a:xfrm>
-            <a:off x="2972813" y="2674215"/>
-            <a:ext cx="2911195" cy="498461"/>
-          </a:xfrm>
-          <a:prstGeom prst="straightConnector1">
-            <a:avLst/>
-          </a:prstGeom>
-          <a:ln>
-            <a:solidFill>
-              <a:srgbClr val="FF0000"/>
-            </a:solidFill>
-            <a:tailEnd type="triangle"/>
-          </a:ln>
-        </p:spPr>
-        <p:style>
-          <a:lnRef idx="1">
-            <a:schemeClr val="accent1"/>
-          </a:lnRef>
-          <a:fillRef idx="0">
-            <a:schemeClr val="accent1"/>
-          </a:fillRef>
-          <a:effectRef idx="0">
-            <a:schemeClr val="accent1"/>
-          </a:effectRef>
-          <a:fontRef idx="minor">
-            <a:schemeClr val="tx1"/>
-          </a:fontRef>
-        </p:style>
-      </p:cxnSp>
-      <p:cxnSp>
-        <p:nvCxnSpPr>
-          <p:cNvPr id="149" name="肘形连接符 148"/>
-          <p:cNvCxnSpPr>
-            <a:stCxn id="106" idx="2"/>
-            <a:endCxn id="42" idx="3"/>
-          </p:cNvCxnSpPr>
-          <p:nvPr/>
-        </p:nvCxnSpPr>
-        <p:spPr>
-          <a:xfrm rot="5400000">
-            <a:off x="7470473" y="2064054"/>
-            <a:ext cx="1709487" cy="511570"/>
-          </a:xfrm>
-          <a:prstGeom prst="bentConnector2">
-            <a:avLst/>
-          </a:prstGeom>
-          <a:ln>
-            <a:tailEnd type="triangle"/>
-          </a:ln>
-        </p:spPr>
-        <p:style>
-          <a:lnRef idx="1">
-            <a:schemeClr val="accent1"/>
-          </a:lnRef>
-          <a:fillRef idx="0">
-            <a:schemeClr val="accent1"/>
-          </a:fillRef>
-          <a:effectRef idx="0">
-            <a:schemeClr val="accent1"/>
-          </a:effectRef>
-          <a:fontRef idx="minor">
-            <a:schemeClr val="tx1"/>
-          </a:fontRef>
-        </p:style>
-      </p:cxnSp>
-      <p:cxnSp>
-        <p:nvCxnSpPr>
-          <p:cNvPr id="174" name="肘形连接符 173"/>
-          <p:cNvCxnSpPr>
-            <a:stCxn id="42" idx="2"/>
-            <a:endCxn id="51" idx="3"/>
-          </p:cNvCxnSpPr>
-          <p:nvPr/>
-        </p:nvCxnSpPr>
-        <p:spPr>
-          <a:xfrm rot="5400000">
-            <a:off x="5050480" y="1341309"/>
-            <a:ext cx="415399" cy="4532355"/>
-          </a:xfrm>
-          <a:prstGeom prst="bentConnector2">
-            <a:avLst/>
-          </a:prstGeom>
-          <a:ln>
-            <a:solidFill>
-              <a:srgbClr val="FF0000"/>
-            </a:solidFill>
-            <a:tailEnd type="triangle"/>
-          </a:ln>
-        </p:spPr>
-        <p:style>
-          <a:lnRef idx="1">
-            <a:schemeClr val="accent1"/>
-          </a:lnRef>
-          <a:fillRef idx="0">
-            <a:schemeClr val="accent1"/>
-          </a:fillRef>
-          <a:effectRef idx="0">
-            <a:schemeClr val="accent1"/>
-          </a:effectRef>
-          <a:fontRef idx="minor">
-            <a:schemeClr val="tx1"/>
-          </a:fontRef>
-        </p:style>
-      </p:cxnSp>
-      <p:cxnSp>
-        <p:nvCxnSpPr>
-          <p:cNvPr id="181" name="肘形连接符 180"/>
-          <p:cNvCxnSpPr>
-            <a:stCxn id="201" idx="1"/>
-            <a:endCxn id="65" idx="1"/>
-          </p:cNvCxnSpPr>
-          <p:nvPr/>
-        </p:nvCxnSpPr>
-        <p:spPr>
-          <a:xfrm rot="10800000">
-            <a:off x="1918706" y="1054621"/>
-            <a:ext cx="81994" cy="1619594"/>
-          </a:xfrm>
-          <a:prstGeom prst="bentConnector3">
-            <a:avLst>
-              <a:gd name="adj1" fmla="val 378801"/>
-            </a:avLst>
-          </a:prstGeom>
-          <a:ln>
-            <a:solidFill>
-              <a:srgbClr val="FF0000"/>
-            </a:solidFill>
-            <a:tailEnd type="triangle"/>
-          </a:ln>
-        </p:spPr>
-        <p:style>
-          <a:lnRef idx="1">
-            <a:schemeClr val="accent1"/>
-          </a:lnRef>
-          <a:fillRef idx="0">
-            <a:schemeClr val="accent1"/>
-          </a:fillRef>
-          <a:effectRef idx="0">
-            <a:schemeClr val="accent1"/>
-          </a:effectRef>
-          <a:fontRef idx="minor">
-            <a:schemeClr val="tx1"/>
-          </a:fontRef>
-        </p:style>
-      </p:cxnSp>
-      <p:cxnSp>
-        <p:nvCxnSpPr>
-          <p:cNvPr id="212" name="直接箭头连接符 211"/>
-          <p:cNvCxnSpPr>
-            <a:stCxn id="93" idx="1"/>
-            <a:endCxn id="164" idx="2"/>
-          </p:cNvCxnSpPr>
-          <p:nvPr/>
-        </p:nvCxnSpPr>
-        <p:spPr>
-          <a:xfrm flipH="1" flipV="1">
-            <a:off x="6999443" y="4938456"/>
-            <a:ext cx="1457958" cy="572236"/>
-          </a:xfrm>
-          <a:prstGeom prst="straightConnector1">
-            <a:avLst/>
-          </a:prstGeom>
-          <a:ln>
-            <a:tailEnd type="triangle"/>
-          </a:ln>
-        </p:spPr>
-        <p:style>
-          <a:lnRef idx="1">
-            <a:schemeClr val="accent1"/>
-          </a:lnRef>
-          <a:fillRef idx="0">
-            <a:schemeClr val="accent1"/>
-          </a:fillRef>
-          <a:effectRef idx="0">
-            <a:schemeClr val="accent1"/>
-          </a:effectRef>
-          <a:fontRef idx="minor">
-            <a:schemeClr val="tx1"/>
-          </a:fontRef>
-        </p:style>
-      </p:cxnSp>
-      <p:cxnSp>
-        <p:nvCxnSpPr>
-          <p:cNvPr id="215" name="肘形连接符 214"/>
-          <p:cNvCxnSpPr>
-            <a:stCxn id="51" idx="2"/>
-            <a:endCxn id="44" idx="1"/>
-          </p:cNvCxnSpPr>
-          <p:nvPr/>
-        </p:nvCxnSpPr>
-        <p:spPr>
-          <a:xfrm rot="16200000" flipH="1">
-            <a:off x="3404135" y="3161159"/>
-            <a:ext cx="724041" cy="2520420"/>
-          </a:xfrm>
-          <a:prstGeom prst="bentConnector2">
-            <a:avLst/>
-          </a:prstGeom>
-          <a:ln>
-            <a:solidFill>
-              <a:srgbClr val="FF0000"/>
-            </a:solidFill>
-            <a:tailEnd type="triangle"/>
-          </a:ln>
-        </p:spPr>
-        <p:style>
-          <a:lnRef idx="1">
-            <a:schemeClr val="accent1"/>
-          </a:lnRef>
-          <a:fillRef idx="0">
-            <a:schemeClr val="accent1"/>
-          </a:fillRef>
-          <a:effectRef idx="0">
-            <a:schemeClr val="accent1"/>
-          </a:effectRef>
-          <a:fontRef idx="minor">
-            <a:schemeClr val="tx1"/>
-          </a:fontRef>
-        </p:style>
-      </p:cxnSp>
-      <p:sp>
-        <p:nvSpPr>
-          <p:cNvPr id="224" name="矩形 223"/>
-          <p:cNvSpPr/>
-          <p:nvPr/>
-        </p:nvSpPr>
-        <p:spPr>
-          <a:xfrm>
-            <a:off x="832577" y="2912307"/>
-            <a:ext cx="733330" cy="695179"/>
-          </a:xfrm>
-          <a:prstGeom prst="rect">
-            <a:avLst/>
-          </a:prstGeom>
-          <a:noFill/>
-          <a:ln>
-            <a:solidFill>
-              <a:schemeClr val="tx1"/>
-            </a:solidFill>
-          </a:ln>
-        </p:spPr>
-        <p:style>
-          <a:lnRef idx="2">
-            <a:schemeClr val="accent1">
-              <a:shade val="50000"/>
-            </a:schemeClr>
-          </a:lnRef>
-          <a:fillRef idx="1">
-            <a:schemeClr val="accent1"/>
-          </a:fillRef>
-          <a:effectRef idx="0">
-            <a:schemeClr val="accent1"/>
-          </a:effectRef>
-          <a:fontRef idx="minor">
-            <a:schemeClr val="lt1"/>
-          </a:fontRef>
-        </p:style>
-        <p:txBody>
-          <a:bodyPr rtlCol="0" anchor="ctr"/>
-          <a:lstStyle/>
-          <a:p>
-            <a:pPr algn="ctr"/>
-            <a:r>
-              <a:rPr lang="en-US" altLang="zh-CN" dirty="0" smtClean="0">
-                <a:solidFill>
-                  <a:schemeClr val="tx1"/>
-                </a:solidFill>
-              </a:rPr>
-              <a:t>Relay</a:t>
-            </a:r>
-            <a:endParaRPr lang="zh-CN" altLang="en-US" dirty="0">
-              <a:solidFill>
-                <a:schemeClr val="tx1"/>
-              </a:solidFill>
-            </a:endParaRPr>
-          </a:p>
-        </p:txBody>
-      </p:sp>
-      <p:cxnSp>
-        <p:nvCxnSpPr>
-          <p:cNvPr id="226" name="肘形连接符 225"/>
-          <p:cNvCxnSpPr>
-            <a:stCxn id="93" idx="1"/>
-            <a:endCxn id="224" idx="2"/>
-          </p:cNvCxnSpPr>
-          <p:nvPr/>
-        </p:nvCxnSpPr>
-        <p:spPr>
-          <a:xfrm rot="10800000">
-            <a:off x="1199243" y="3607486"/>
-            <a:ext cx="7258159" cy="1903206"/>
-          </a:xfrm>
-          <a:prstGeom prst="bentConnector2">
-            <a:avLst/>
-          </a:prstGeom>
-          <a:ln>
-            <a:tailEnd type="triangle"/>
-          </a:ln>
-        </p:spPr>
-        <p:style>
-          <a:lnRef idx="1">
-            <a:schemeClr val="accent1"/>
-          </a:lnRef>
-          <a:fillRef idx="0">
-            <a:schemeClr val="accent1"/>
-          </a:fillRef>
-          <a:effectRef idx="0">
-            <a:schemeClr val="accent1"/>
-          </a:effectRef>
-          <a:fontRef idx="minor">
-            <a:schemeClr val="tx1"/>
-          </a:fontRef>
-        </p:style>
-      </p:cxnSp>
-      <p:cxnSp>
-        <p:nvCxnSpPr>
-          <p:cNvPr id="232" name="直接箭头连接符 231"/>
-          <p:cNvCxnSpPr>
-            <a:stCxn id="51" idx="1"/>
-            <a:endCxn id="224" idx="3"/>
-          </p:cNvCxnSpPr>
-          <p:nvPr/>
-        </p:nvCxnSpPr>
-        <p:spPr>
-          <a:xfrm flipH="1" flipV="1">
-            <a:off x="1565907" y="3259897"/>
-            <a:ext cx="453981" cy="555289"/>
-          </a:xfrm>
-          <a:prstGeom prst="straightConnector1">
-            <a:avLst/>
-          </a:prstGeom>
-          <a:ln>
-            <a:solidFill>
-              <a:srgbClr val="FF0000"/>
-            </a:solidFill>
-            <a:tailEnd type="triangle"/>
-          </a:ln>
-        </p:spPr>
-        <p:style>
-          <a:lnRef idx="1">
-            <a:schemeClr val="accent1"/>
-          </a:lnRef>
-          <a:fillRef idx="0">
-            <a:schemeClr val="accent1"/>
-          </a:fillRef>
-          <a:effectRef idx="0">
-            <a:schemeClr val="accent1"/>
-          </a:effectRef>
-          <a:fontRef idx="minor">
-            <a:schemeClr val="tx1"/>
-          </a:fontRef>
-        </p:style>
-      </p:cxnSp>
-      <p:cxnSp>
-        <p:nvCxnSpPr>
-          <p:cNvPr id="235" name="直接箭头连接符 234"/>
-          <p:cNvCxnSpPr>
-            <a:stCxn id="224" idx="3"/>
-            <a:endCxn id="201" idx="1"/>
-          </p:cNvCxnSpPr>
-          <p:nvPr/>
-        </p:nvCxnSpPr>
-        <p:spPr>
-          <a:xfrm flipV="1">
-            <a:off x="1565907" y="2674215"/>
-            <a:ext cx="434793" cy="585682"/>
-          </a:xfrm>
-          <a:prstGeom prst="straightConnector1">
-            <a:avLst/>
-          </a:prstGeom>
-          <a:ln>
-            <a:solidFill>
-              <a:srgbClr val="FF0000"/>
-            </a:solidFill>
-            <a:tailEnd type="triangle"/>
-          </a:ln>
-        </p:spPr>
-        <p:style>
-          <a:lnRef idx="1">
-            <a:schemeClr val="accent1"/>
-          </a:lnRef>
-          <a:fillRef idx="0">
-            <a:schemeClr val="accent1"/>
-          </a:fillRef>
-          <a:effectRef idx="0">
-            <a:schemeClr val="accent1"/>
-          </a:effectRef>
-          <a:fontRef idx="minor">
-            <a:schemeClr val="tx1"/>
-          </a:fontRef>
-        </p:style>
-      </p:cxnSp>
-      <p:cxnSp>
-        <p:nvCxnSpPr>
-          <p:cNvPr id="241" name="直接箭头连接符 240"/>
-          <p:cNvCxnSpPr>
-            <a:stCxn id="164" idx="1"/>
-            <a:endCxn id="44" idx="3"/>
-          </p:cNvCxnSpPr>
-          <p:nvPr/>
-        </p:nvCxnSpPr>
-        <p:spPr>
-          <a:xfrm flipH="1">
-            <a:off x="6152389" y="4504909"/>
-            <a:ext cx="437536" cy="278481"/>
-          </a:xfrm>
-          <a:prstGeom prst="straightConnector1">
-            <a:avLst/>
-          </a:prstGeom>
-          <a:ln>
-            <a:tailEnd type="triangle"/>
-          </a:ln>
-        </p:spPr>
-        <p:style>
-          <a:lnRef idx="1">
-            <a:schemeClr val="accent1"/>
-          </a:lnRef>
-          <a:fillRef idx="0">
-            <a:schemeClr val="accent1"/>
-          </a:fillRef>
-          <a:effectRef idx="0">
-            <a:schemeClr val="accent1"/>
-          </a:effectRef>
-          <a:fontRef idx="minor">
-            <a:schemeClr val="tx1"/>
-          </a:fontRef>
-        </p:style>
-      </p:cxnSp>
-      <p:cxnSp>
-        <p:nvCxnSpPr>
-          <p:cNvPr id="3" name="直接箭头连接符 2"/>
-          <p:cNvCxnSpPr>
-            <a:stCxn id="51" idx="3"/>
-            <a:endCxn id="48" idx="1"/>
-          </p:cNvCxnSpPr>
-          <p:nvPr/>
-        </p:nvCxnSpPr>
-        <p:spPr>
-          <a:xfrm>
-            <a:off x="2992001" y="3815186"/>
-            <a:ext cx="2034364" cy="373504"/>
-          </a:xfrm>
-          <a:prstGeom prst="straightConnector1">
-            <a:avLst/>
-          </a:prstGeom>
-          <a:ln>
-            <a:solidFill>
-              <a:srgbClr val="FF0000"/>
-            </a:solidFill>
             <a:tailEnd type="triangle"/>
           </a:ln>
         </p:spPr>
@@ -20711,7 +20186,7 @@
     </p:spTree>
     <p:extLst>
       <p:ext uri="{BB962C8B-B14F-4D97-AF65-F5344CB8AC3E}">
-        <p14:creationId xmlns:p14="http://schemas.microsoft.com/office/powerpoint/2010/main" val="3425912277"/>
+        <p14:creationId xmlns:p14="http://schemas.microsoft.com/office/powerpoint/2010/main" val="902403353"/>
       </p:ext>
     </p:extLst>
   </p:cSld>
@@ -20745,3306 +20220,10 @@
           <a:chExt cx="0" cy="0"/>
         </a:xfrm>
       </p:grpSpPr>
-      <p:sp>
-        <p:nvSpPr>
-          <p:cNvPr id="20" name="矩形 19"/>
-          <p:cNvSpPr/>
-          <p:nvPr/>
-        </p:nvSpPr>
-        <p:spPr>
-          <a:xfrm>
-            <a:off x="4174715" y="3994249"/>
-            <a:ext cx="972113" cy="478060"/>
-          </a:xfrm>
-          <a:prstGeom prst="rect">
-            <a:avLst/>
-          </a:prstGeom>
-          <a:noFill/>
-          <a:ln>
-            <a:solidFill>
-              <a:schemeClr val="tx1"/>
-            </a:solidFill>
-          </a:ln>
-        </p:spPr>
-        <p:style>
-          <a:lnRef idx="2">
-            <a:schemeClr val="accent1">
-              <a:shade val="50000"/>
-            </a:schemeClr>
-          </a:lnRef>
-          <a:fillRef idx="1">
-            <a:schemeClr val="accent1"/>
-          </a:fillRef>
-          <a:effectRef idx="0">
-            <a:schemeClr val="accent1"/>
-          </a:effectRef>
-          <a:fontRef idx="minor">
-            <a:schemeClr val="lt1"/>
-          </a:fontRef>
-        </p:style>
-        <p:txBody>
-          <a:bodyPr rtlCol="0" anchor="ctr"/>
-          <a:lstStyle/>
-          <a:p>
-            <a:pPr algn="ctr"/>
-            <a:r>
-              <a:rPr lang="en-US" altLang="zh-CN" dirty="0" smtClean="0">
-                <a:solidFill>
-                  <a:schemeClr val="tx1"/>
-                </a:solidFill>
-              </a:rPr>
-              <a:t>Reactor</a:t>
-            </a:r>
-            <a:endParaRPr lang="zh-CN" altLang="en-US" dirty="0">
-              <a:solidFill>
-                <a:schemeClr val="tx1"/>
-              </a:solidFill>
-            </a:endParaRPr>
-          </a:p>
-        </p:txBody>
-      </p:sp>
-      <p:sp>
-        <p:nvSpPr>
-          <p:cNvPr id="38" name="矩形 37"/>
-          <p:cNvSpPr/>
-          <p:nvPr/>
-        </p:nvSpPr>
-        <p:spPr>
-          <a:xfrm>
-            <a:off x="3855959" y="163767"/>
-            <a:ext cx="972113" cy="488326"/>
-          </a:xfrm>
-          <a:prstGeom prst="rect">
-            <a:avLst/>
-          </a:prstGeom>
-          <a:noFill/>
-          <a:ln>
-            <a:solidFill>
-              <a:schemeClr val="tx1"/>
-            </a:solidFill>
-          </a:ln>
-        </p:spPr>
-        <p:style>
-          <a:lnRef idx="2">
-            <a:schemeClr val="accent1">
-              <a:shade val="50000"/>
-            </a:schemeClr>
-          </a:lnRef>
-          <a:fillRef idx="1">
-            <a:schemeClr val="accent1"/>
-          </a:fillRef>
-          <a:effectRef idx="0">
-            <a:schemeClr val="accent1"/>
-          </a:effectRef>
-          <a:fontRef idx="minor">
-            <a:schemeClr val="lt1"/>
-          </a:fontRef>
-        </p:style>
-        <p:txBody>
-          <a:bodyPr rtlCol="0" anchor="ctr"/>
-          <a:lstStyle/>
-          <a:p>
-            <a:pPr algn="ctr"/>
-            <a:r>
-              <a:rPr lang="en-US" altLang="zh-CN" dirty="0" smtClean="0">
-                <a:solidFill>
-                  <a:schemeClr val="tx1"/>
-                </a:solidFill>
-              </a:rPr>
-              <a:t>Oxygen1000</a:t>
-            </a:r>
-            <a:endParaRPr lang="zh-CN" altLang="en-US" dirty="0">
-              <a:solidFill>
-                <a:schemeClr val="tx1"/>
-              </a:solidFill>
-            </a:endParaRPr>
-          </a:p>
-        </p:txBody>
-      </p:sp>
-      <p:sp>
-        <p:nvSpPr>
-          <p:cNvPr id="42" name="矩形 41"/>
-          <p:cNvSpPr/>
-          <p:nvPr/>
-        </p:nvSpPr>
-        <p:spPr>
-          <a:xfrm>
-            <a:off x="6611555" y="3660485"/>
-            <a:ext cx="1090150" cy="450409"/>
-          </a:xfrm>
-          <a:prstGeom prst="rect">
-            <a:avLst/>
-          </a:prstGeom>
-          <a:noFill/>
-          <a:ln>
-            <a:solidFill>
-              <a:schemeClr val="tx1"/>
-            </a:solidFill>
-          </a:ln>
-        </p:spPr>
-        <p:style>
-          <a:lnRef idx="2">
-            <a:schemeClr val="accent1">
-              <a:shade val="50000"/>
-            </a:schemeClr>
-          </a:lnRef>
-          <a:fillRef idx="1">
-            <a:schemeClr val="accent1"/>
-          </a:fillRef>
-          <a:effectRef idx="0">
-            <a:schemeClr val="accent1"/>
-          </a:effectRef>
-          <a:fontRef idx="minor">
-            <a:schemeClr val="lt1"/>
-          </a:fontRef>
-        </p:style>
-        <p:txBody>
-          <a:bodyPr rtlCol="0" anchor="ctr"/>
-          <a:lstStyle/>
-          <a:p>
-            <a:pPr algn="ctr"/>
-            <a:r>
-              <a:rPr lang="en-US" altLang="zh-CN" dirty="0" smtClean="0">
-                <a:solidFill>
-                  <a:schemeClr val="tx1"/>
-                </a:solidFill>
-              </a:rPr>
-              <a:t>Battery</a:t>
-            </a:r>
-          </a:p>
-          <a:p>
-            <a:pPr algn="ctr"/>
-            <a:r>
-              <a:rPr lang="en-US" altLang="zh-CN" dirty="0" smtClean="0">
-                <a:solidFill>
-                  <a:schemeClr val="tx1"/>
-                </a:solidFill>
-              </a:rPr>
-              <a:t>500/1500</a:t>
-            </a:r>
-          </a:p>
-        </p:txBody>
-      </p:sp>
-      <p:sp>
-        <p:nvSpPr>
-          <p:cNvPr id="43" name="矩形 42"/>
-          <p:cNvSpPr/>
-          <p:nvPr/>
-        </p:nvSpPr>
-        <p:spPr>
-          <a:xfrm>
-            <a:off x="2641077" y="2875339"/>
-            <a:ext cx="972113" cy="488326"/>
-          </a:xfrm>
-          <a:prstGeom prst="rect">
-            <a:avLst/>
-          </a:prstGeom>
-          <a:noFill/>
-          <a:ln>
-            <a:solidFill>
-              <a:schemeClr val="tx1"/>
-            </a:solidFill>
-          </a:ln>
-        </p:spPr>
-        <p:style>
-          <a:lnRef idx="2">
-            <a:schemeClr val="accent1">
-              <a:shade val="50000"/>
-            </a:schemeClr>
-          </a:lnRef>
-          <a:fillRef idx="1">
-            <a:schemeClr val="accent1"/>
-          </a:fillRef>
-          <a:effectRef idx="0">
-            <a:schemeClr val="accent1"/>
-          </a:effectRef>
-          <a:fontRef idx="minor">
-            <a:schemeClr val="lt1"/>
-          </a:fontRef>
-        </p:style>
-        <p:txBody>
-          <a:bodyPr rtlCol="0" anchor="ctr"/>
-          <a:lstStyle/>
-          <a:p>
-            <a:pPr algn="ctr"/>
-            <a:r>
-              <a:rPr lang="en-US" altLang="zh-CN" dirty="0" smtClean="0">
-                <a:solidFill>
-                  <a:schemeClr val="tx1"/>
-                </a:solidFill>
-              </a:rPr>
-              <a:t>Engine</a:t>
-            </a:r>
-          </a:p>
-          <a:p>
-            <a:pPr algn="ctr"/>
-            <a:r>
-              <a:rPr lang="en-US" altLang="zh-CN" dirty="0" smtClean="0">
-                <a:solidFill>
-                  <a:schemeClr val="tx1"/>
-                </a:solidFill>
-              </a:rPr>
-              <a:t>2500</a:t>
-            </a:r>
-            <a:endParaRPr lang="zh-CN" altLang="en-US" dirty="0">
-              <a:solidFill>
-                <a:schemeClr val="tx1"/>
-              </a:solidFill>
-            </a:endParaRPr>
-          </a:p>
-        </p:txBody>
-      </p:sp>
-      <p:sp>
-        <p:nvSpPr>
-          <p:cNvPr id="44" name="矩形 43"/>
-          <p:cNvSpPr/>
-          <p:nvPr/>
-        </p:nvSpPr>
-        <p:spPr>
-          <a:xfrm>
-            <a:off x="5632540" y="5322481"/>
-            <a:ext cx="1126024" cy="442393"/>
-          </a:xfrm>
-          <a:prstGeom prst="rect">
-            <a:avLst/>
-          </a:prstGeom>
-          <a:noFill/>
-          <a:ln>
-            <a:solidFill>
-              <a:schemeClr val="tx1"/>
-            </a:solidFill>
-          </a:ln>
-        </p:spPr>
-        <p:style>
-          <a:lnRef idx="2">
-            <a:schemeClr val="accent1">
-              <a:shade val="50000"/>
-            </a:schemeClr>
-          </a:lnRef>
-          <a:fillRef idx="1">
-            <a:schemeClr val="accent1"/>
-          </a:fillRef>
-          <a:effectRef idx="0">
-            <a:schemeClr val="accent1"/>
-          </a:effectRef>
-          <a:fontRef idx="minor">
-            <a:schemeClr val="lt1"/>
-          </a:fontRef>
-        </p:style>
-        <p:txBody>
-          <a:bodyPr rtlCol="0" anchor="ctr"/>
-          <a:lstStyle/>
-          <a:p>
-            <a:pPr algn="ctr"/>
-            <a:r>
-              <a:rPr lang="en-US" altLang="zh-CN" dirty="0" smtClean="0">
-                <a:solidFill>
-                  <a:schemeClr val="tx1"/>
-                </a:solidFill>
-              </a:rPr>
-              <a:t>Capacitor</a:t>
-            </a:r>
-          </a:p>
-        </p:txBody>
-      </p:sp>
-      <p:sp>
-        <p:nvSpPr>
-          <p:cNvPr id="48" name="矩形 47"/>
-          <p:cNvSpPr/>
-          <p:nvPr/>
-        </p:nvSpPr>
-        <p:spPr>
-          <a:xfrm>
-            <a:off x="5632540" y="4727781"/>
-            <a:ext cx="1126024" cy="442393"/>
-          </a:xfrm>
-          <a:prstGeom prst="rect">
-            <a:avLst/>
-          </a:prstGeom>
-          <a:noFill/>
-          <a:ln>
-            <a:solidFill>
-              <a:schemeClr val="tx1"/>
-            </a:solidFill>
-          </a:ln>
-        </p:spPr>
-        <p:style>
-          <a:lnRef idx="2">
-            <a:schemeClr val="accent1">
-              <a:shade val="50000"/>
-            </a:schemeClr>
-          </a:lnRef>
-          <a:fillRef idx="1">
-            <a:schemeClr val="accent1"/>
-          </a:fillRef>
-          <a:effectRef idx="0">
-            <a:schemeClr val="accent1"/>
-          </a:effectRef>
-          <a:fontRef idx="minor">
-            <a:schemeClr val="lt1"/>
-          </a:fontRef>
-        </p:style>
-        <p:txBody>
-          <a:bodyPr rtlCol="0" anchor="ctr"/>
-          <a:lstStyle/>
-          <a:p>
-            <a:pPr algn="ctr"/>
-            <a:r>
-              <a:rPr lang="en-US" altLang="zh-CN" dirty="0" smtClean="0">
-                <a:solidFill>
-                  <a:schemeClr val="tx1"/>
-                </a:solidFill>
-              </a:rPr>
-              <a:t>others</a:t>
-            </a:r>
-          </a:p>
-        </p:txBody>
-      </p:sp>
-      <p:sp>
-        <p:nvSpPr>
-          <p:cNvPr id="51" name="矩形 50"/>
-          <p:cNvSpPr/>
-          <p:nvPr/>
-        </p:nvSpPr>
-        <p:spPr>
-          <a:xfrm>
-            <a:off x="2626063" y="4331311"/>
-            <a:ext cx="972113" cy="488326"/>
-          </a:xfrm>
-          <a:prstGeom prst="rect">
-            <a:avLst/>
-          </a:prstGeom>
-          <a:ln/>
-        </p:spPr>
-        <p:style>
-          <a:lnRef idx="2">
-            <a:schemeClr val="dk1"/>
-          </a:lnRef>
-          <a:fillRef idx="1">
-            <a:schemeClr val="lt1"/>
-          </a:fillRef>
-          <a:effectRef idx="0">
-            <a:schemeClr val="dk1"/>
-          </a:effectRef>
-          <a:fontRef idx="minor">
-            <a:schemeClr val="dk1"/>
-          </a:fontRef>
-        </p:style>
-        <p:txBody>
-          <a:bodyPr rtlCol="0" anchor="ctr"/>
-          <a:lstStyle/>
-          <a:p>
-            <a:pPr algn="ctr"/>
-            <a:r>
-              <a:rPr lang="en-US" altLang="zh-CN" dirty="0" smtClean="0">
-                <a:solidFill>
-                  <a:schemeClr val="tx1"/>
-                </a:solidFill>
-              </a:rPr>
-              <a:t>Junction</a:t>
-            </a:r>
-            <a:endParaRPr lang="zh-CN" altLang="en-US" dirty="0">
-              <a:solidFill>
-                <a:schemeClr val="tx1"/>
-              </a:solidFill>
-            </a:endParaRPr>
-          </a:p>
-        </p:txBody>
-      </p:sp>
-      <p:sp>
-        <p:nvSpPr>
-          <p:cNvPr id="65" name="矩形 64"/>
-          <p:cNvSpPr/>
-          <p:nvPr/>
-        </p:nvSpPr>
-        <p:spPr>
-          <a:xfrm>
-            <a:off x="2564121" y="1969468"/>
-            <a:ext cx="1126024" cy="442393"/>
-          </a:xfrm>
-          <a:prstGeom prst="rect">
-            <a:avLst/>
-          </a:prstGeom>
-          <a:noFill/>
-          <a:ln>
-            <a:solidFill>
-              <a:schemeClr val="tx1"/>
-            </a:solidFill>
-          </a:ln>
-        </p:spPr>
-        <p:style>
-          <a:lnRef idx="2">
-            <a:schemeClr val="accent1">
-              <a:shade val="50000"/>
-            </a:schemeClr>
-          </a:lnRef>
-          <a:fillRef idx="1">
-            <a:schemeClr val="accent1"/>
-          </a:fillRef>
-          <a:effectRef idx="0">
-            <a:schemeClr val="accent1"/>
-          </a:effectRef>
-          <a:fontRef idx="minor">
-            <a:schemeClr val="lt1"/>
-          </a:fontRef>
-        </p:style>
-        <p:txBody>
-          <a:bodyPr rtlCol="0" anchor="ctr"/>
-          <a:lstStyle/>
-          <a:p>
-            <a:pPr algn="ctr"/>
-            <a:r>
-              <a:rPr lang="en-US" altLang="zh-CN" dirty="0" smtClean="0">
-                <a:solidFill>
-                  <a:schemeClr val="tx1"/>
-                </a:solidFill>
-              </a:rPr>
-              <a:t>Sonar</a:t>
-            </a:r>
-          </a:p>
-        </p:txBody>
-      </p:sp>
-      <p:sp>
-        <p:nvSpPr>
-          <p:cNvPr id="77" name="矩形 76"/>
-          <p:cNvSpPr/>
-          <p:nvPr/>
-        </p:nvSpPr>
-        <p:spPr>
-          <a:xfrm>
-            <a:off x="5705780" y="240293"/>
-            <a:ext cx="733330" cy="695179"/>
-          </a:xfrm>
-          <a:prstGeom prst="rect">
-            <a:avLst/>
-          </a:prstGeom>
-          <a:noFill/>
-          <a:ln>
-            <a:solidFill>
-              <a:schemeClr val="tx1"/>
-            </a:solidFill>
-          </a:ln>
-        </p:spPr>
-        <p:style>
-          <a:lnRef idx="2">
-            <a:schemeClr val="accent1">
-              <a:shade val="50000"/>
-            </a:schemeClr>
-          </a:lnRef>
-          <a:fillRef idx="1">
-            <a:schemeClr val="accent1"/>
-          </a:fillRef>
-          <a:effectRef idx="0">
-            <a:schemeClr val="accent1"/>
-          </a:effectRef>
-          <a:fontRef idx="minor">
-            <a:schemeClr val="lt1"/>
-          </a:fontRef>
-        </p:style>
-        <p:txBody>
-          <a:bodyPr rtlCol="0" anchor="ctr"/>
-          <a:lstStyle/>
-          <a:p>
-            <a:pPr algn="ctr"/>
-            <a:r>
-              <a:rPr lang="en-US" altLang="zh-CN" dirty="0" smtClean="0">
-                <a:solidFill>
-                  <a:schemeClr val="tx1"/>
-                </a:solidFill>
-              </a:rPr>
-              <a:t>Relay</a:t>
-            </a:r>
-            <a:endParaRPr lang="zh-CN" altLang="en-US" dirty="0">
-              <a:solidFill>
-                <a:schemeClr val="tx1"/>
-              </a:solidFill>
-            </a:endParaRPr>
-          </a:p>
-        </p:txBody>
-      </p:sp>
-      <p:sp>
-        <p:nvSpPr>
-          <p:cNvPr id="78" name="矩形 77"/>
-          <p:cNvSpPr/>
-          <p:nvPr/>
-        </p:nvSpPr>
-        <p:spPr>
-          <a:xfrm>
-            <a:off x="5638192" y="3542108"/>
-            <a:ext cx="733330" cy="695179"/>
-          </a:xfrm>
-          <a:prstGeom prst="rect">
-            <a:avLst/>
-          </a:prstGeom>
-          <a:noFill/>
-          <a:ln>
-            <a:solidFill>
-              <a:schemeClr val="tx1"/>
-            </a:solidFill>
-          </a:ln>
-        </p:spPr>
-        <p:style>
-          <a:lnRef idx="2">
-            <a:schemeClr val="accent1">
-              <a:shade val="50000"/>
-            </a:schemeClr>
-          </a:lnRef>
-          <a:fillRef idx="1">
-            <a:schemeClr val="accent1"/>
-          </a:fillRef>
-          <a:effectRef idx="0">
-            <a:schemeClr val="accent1"/>
-          </a:effectRef>
-          <a:fontRef idx="minor">
-            <a:schemeClr val="lt1"/>
-          </a:fontRef>
-        </p:style>
-        <p:txBody>
-          <a:bodyPr rtlCol="0" anchor="ctr"/>
-          <a:lstStyle/>
-          <a:p>
-            <a:pPr algn="ctr"/>
-            <a:r>
-              <a:rPr lang="en-US" altLang="zh-CN" dirty="0" smtClean="0">
-                <a:solidFill>
-                  <a:schemeClr val="tx1"/>
-                </a:solidFill>
-              </a:rPr>
-              <a:t>Relay</a:t>
-            </a:r>
-            <a:endParaRPr lang="zh-CN" altLang="en-US" dirty="0">
-              <a:solidFill>
-                <a:schemeClr val="tx1"/>
-              </a:solidFill>
-            </a:endParaRPr>
-          </a:p>
-        </p:txBody>
-      </p:sp>
-      <p:cxnSp>
-        <p:nvCxnSpPr>
-          <p:cNvPr id="71" name="直接箭头连接符 70"/>
-          <p:cNvCxnSpPr>
-            <a:stCxn id="77" idx="1"/>
-            <a:endCxn id="38" idx="3"/>
-          </p:cNvCxnSpPr>
-          <p:nvPr/>
-        </p:nvCxnSpPr>
-        <p:spPr>
-          <a:xfrm flipH="1" flipV="1">
-            <a:off x="4828072" y="407930"/>
-            <a:ext cx="877708" cy="179953"/>
-          </a:xfrm>
-          <a:prstGeom prst="straightConnector1">
-            <a:avLst/>
-          </a:prstGeom>
-          <a:ln>
-            <a:solidFill>
-              <a:srgbClr val="FF0000"/>
-            </a:solidFill>
-            <a:tailEnd type="triangle"/>
-          </a:ln>
-        </p:spPr>
-        <p:style>
-          <a:lnRef idx="1">
-            <a:schemeClr val="accent1"/>
-          </a:lnRef>
-          <a:fillRef idx="0">
-            <a:schemeClr val="accent1"/>
-          </a:fillRef>
-          <a:effectRef idx="0">
-            <a:schemeClr val="accent1"/>
-          </a:effectRef>
-          <a:fontRef idx="minor">
-            <a:schemeClr val="tx1"/>
-          </a:fontRef>
-        </p:style>
-      </p:cxnSp>
-      <p:cxnSp>
-        <p:nvCxnSpPr>
-          <p:cNvPr id="75" name="直接箭头连接符 74"/>
-          <p:cNvCxnSpPr>
-            <a:stCxn id="78" idx="3"/>
-            <a:endCxn id="42" idx="1"/>
-          </p:cNvCxnSpPr>
-          <p:nvPr/>
-        </p:nvCxnSpPr>
-        <p:spPr>
-          <a:xfrm flipV="1">
-            <a:off x="6371522" y="3885690"/>
-            <a:ext cx="240033" cy="4008"/>
-          </a:xfrm>
-          <a:prstGeom prst="straightConnector1">
-            <a:avLst/>
-          </a:prstGeom>
-          <a:ln>
-            <a:solidFill>
-              <a:srgbClr val="FF0000"/>
-            </a:solidFill>
-            <a:tailEnd type="triangle"/>
-          </a:ln>
-        </p:spPr>
-        <p:style>
-          <a:lnRef idx="1">
-            <a:schemeClr val="accent1"/>
-          </a:lnRef>
-          <a:fillRef idx="0">
-            <a:schemeClr val="accent1"/>
-          </a:fillRef>
-          <a:effectRef idx="0">
-            <a:schemeClr val="accent1"/>
-          </a:effectRef>
-          <a:fontRef idx="minor">
-            <a:schemeClr val="tx1"/>
-          </a:fontRef>
-        </p:style>
-      </p:cxnSp>
-      <p:sp>
-        <p:nvSpPr>
-          <p:cNvPr id="105" name="矩形 104"/>
-          <p:cNvSpPr/>
-          <p:nvPr/>
-        </p:nvSpPr>
-        <p:spPr>
-          <a:xfrm>
-            <a:off x="7625232" y="158088"/>
-            <a:ext cx="888622" cy="842178"/>
-          </a:xfrm>
-          <a:prstGeom prst="rect">
-            <a:avLst/>
-          </a:prstGeom>
-          <a:noFill/>
-          <a:ln>
-            <a:solidFill>
-              <a:schemeClr val="tx1"/>
-            </a:solidFill>
-          </a:ln>
-        </p:spPr>
-        <p:style>
-          <a:lnRef idx="2">
-            <a:schemeClr val="accent1">
-              <a:shade val="50000"/>
-            </a:schemeClr>
-          </a:lnRef>
-          <a:fillRef idx="1">
-            <a:schemeClr val="accent1"/>
-          </a:fillRef>
-          <a:effectRef idx="0">
-            <a:schemeClr val="accent1"/>
-          </a:effectRef>
-          <a:fontRef idx="minor">
-            <a:schemeClr val="lt1"/>
-          </a:fontRef>
-        </p:style>
-        <p:txBody>
-          <a:bodyPr rtlCol="0" anchor="ctr"/>
-          <a:lstStyle/>
-          <a:p>
-            <a:pPr algn="ctr"/>
-            <a:r>
-              <a:rPr lang="en-US" altLang="zh-CN" sz="1200" dirty="0" smtClean="0">
-                <a:solidFill>
-                  <a:schemeClr val="tx1"/>
-                </a:solidFill>
-              </a:rPr>
-              <a:t>RegEx</a:t>
-            </a:r>
-          </a:p>
-          <a:p>
-            <a:pPr algn="ctr"/>
-            <a:r>
-              <a:rPr lang="en-US" altLang="zh-CN" sz="1200" dirty="0" smtClean="0">
-                <a:solidFill>
-                  <a:schemeClr val="tx1"/>
-                </a:solidFill>
-              </a:rPr>
-              <a:t>if(60-100)?</a:t>
-            </a:r>
-          </a:p>
-          <a:p>
-            <a:pPr algn="ctr"/>
-            <a:r>
-              <a:rPr lang="en-US" altLang="zh-CN" sz="1200" dirty="0" smtClean="0">
-                <a:solidFill>
-                  <a:schemeClr val="tx1"/>
-                </a:solidFill>
-              </a:rPr>
-              <a:t>0:1</a:t>
-            </a:r>
-            <a:endParaRPr lang="zh-CN" altLang="en-US" sz="1200" dirty="0">
-              <a:solidFill>
-                <a:schemeClr val="tx1"/>
-              </a:solidFill>
-            </a:endParaRPr>
-          </a:p>
-        </p:txBody>
-      </p:sp>
-      <p:sp>
-        <p:nvSpPr>
-          <p:cNvPr id="106" name="矩形 105"/>
-          <p:cNvSpPr/>
-          <p:nvPr/>
-        </p:nvSpPr>
-        <p:spPr>
-          <a:xfrm>
-            <a:off x="8233670" y="2248480"/>
-            <a:ext cx="733330" cy="695179"/>
-          </a:xfrm>
-          <a:prstGeom prst="rect">
-            <a:avLst/>
-          </a:prstGeom>
-          <a:noFill/>
-          <a:ln>
-            <a:solidFill>
-              <a:schemeClr val="tx1"/>
-            </a:solidFill>
-          </a:ln>
-        </p:spPr>
-        <p:style>
-          <a:lnRef idx="2">
-            <a:schemeClr val="accent1">
-              <a:shade val="50000"/>
-            </a:schemeClr>
-          </a:lnRef>
-          <a:fillRef idx="1">
-            <a:schemeClr val="accent1"/>
-          </a:fillRef>
-          <a:effectRef idx="0">
-            <a:schemeClr val="accent1"/>
-          </a:effectRef>
-          <a:fontRef idx="minor">
-            <a:schemeClr val="lt1"/>
-          </a:fontRef>
-        </p:style>
-        <p:txBody>
-          <a:bodyPr rtlCol="0" anchor="ctr"/>
-          <a:lstStyle/>
-          <a:p>
-            <a:pPr algn="ctr"/>
-            <a:r>
-              <a:rPr lang="en-US" altLang="zh-CN" dirty="0" smtClean="0">
-                <a:solidFill>
-                  <a:schemeClr val="tx1"/>
-                </a:solidFill>
-              </a:rPr>
-              <a:t>*2.5</a:t>
-            </a:r>
-            <a:endParaRPr lang="zh-CN" altLang="en-US" dirty="0">
-              <a:solidFill>
-                <a:schemeClr val="tx1"/>
-              </a:solidFill>
-            </a:endParaRPr>
-          </a:p>
-        </p:txBody>
-      </p:sp>
-      <p:sp>
-        <p:nvSpPr>
-          <p:cNvPr id="107" name="矩形 106"/>
-          <p:cNvSpPr/>
-          <p:nvPr/>
-        </p:nvSpPr>
-        <p:spPr>
-          <a:xfrm>
-            <a:off x="9333665" y="2248480"/>
-            <a:ext cx="733330" cy="695179"/>
-          </a:xfrm>
-          <a:prstGeom prst="rect">
-            <a:avLst/>
-          </a:prstGeom>
-          <a:noFill/>
-          <a:ln>
-            <a:solidFill>
-              <a:schemeClr val="tx1"/>
-            </a:solidFill>
-          </a:ln>
-        </p:spPr>
-        <p:style>
-          <a:lnRef idx="2">
-            <a:schemeClr val="accent1">
-              <a:shade val="50000"/>
-            </a:schemeClr>
-          </a:lnRef>
-          <a:fillRef idx="1">
-            <a:schemeClr val="accent1"/>
-          </a:fillRef>
-          <a:effectRef idx="0">
-            <a:schemeClr val="accent1"/>
-          </a:effectRef>
-          <a:fontRef idx="minor">
-            <a:schemeClr val="lt1"/>
-          </a:fontRef>
-        </p:style>
-        <p:txBody>
-          <a:bodyPr rtlCol="0" anchor="ctr"/>
-          <a:lstStyle/>
-          <a:p>
-            <a:pPr algn="ctr"/>
-            <a:r>
-              <a:rPr lang="en-US" altLang="zh-CN" dirty="0" smtClean="0">
-                <a:solidFill>
-                  <a:schemeClr val="tx1"/>
-                </a:solidFill>
-              </a:rPr>
-              <a:t>2.5</a:t>
-            </a:r>
-            <a:endParaRPr lang="zh-CN" altLang="en-US" dirty="0">
-              <a:solidFill>
-                <a:schemeClr val="tx1"/>
-              </a:solidFill>
-            </a:endParaRPr>
-          </a:p>
-        </p:txBody>
-      </p:sp>
-      <p:cxnSp>
-        <p:nvCxnSpPr>
-          <p:cNvPr id="102" name="直接箭头连接符 101"/>
-          <p:cNvCxnSpPr/>
-          <p:nvPr/>
-        </p:nvCxnSpPr>
-        <p:spPr>
-          <a:xfrm flipH="1">
-            <a:off x="8967000" y="2596069"/>
-            <a:ext cx="366665" cy="0"/>
-          </a:xfrm>
-          <a:prstGeom prst="straightConnector1">
-            <a:avLst/>
-          </a:prstGeom>
-          <a:ln>
-            <a:tailEnd type="triangle"/>
-          </a:ln>
-        </p:spPr>
-        <p:style>
-          <a:lnRef idx="1">
-            <a:schemeClr val="accent1"/>
-          </a:lnRef>
-          <a:fillRef idx="0">
-            <a:schemeClr val="accent1"/>
-          </a:fillRef>
-          <a:effectRef idx="0">
-            <a:schemeClr val="accent1"/>
-          </a:effectRef>
-          <a:fontRef idx="minor">
-            <a:schemeClr val="tx1"/>
-          </a:fontRef>
-        </p:style>
-      </p:cxnSp>
-      <p:cxnSp>
-        <p:nvCxnSpPr>
-          <p:cNvPr id="28" name="直接箭头连接符 27"/>
-          <p:cNvCxnSpPr>
-            <a:stCxn id="65" idx="2"/>
-            <a:endCxn id="43" idx="0"/>
-          </p:cNvCxnSpPr>
-          <p:nvPr/>
-        </p:nvCxnSpPr>
-        <p:spPr>
-          <a:xfrm>
-            <a:off x="3127133" y="2411861"/>
-            <a:ext cx="1" cy="463478"/>
-          </a:xfrm>
-          <a:prstGeom prst="straightConnector1">
-            <a:avLst/>
-          </a:prstGeom>
-          <a:ln>
-            <a:tailEnd type="triangle"/>
-          </a:ln>
-        </p:spPr>
-        <p:style>
-          <a:lnRef idx="1">
-            <a:schemeClr val="accent1"/>
-          </a:lnRef>
-          <a:fillRef idx="0">
-            <a:schemeClr val="accent1"/>
-          </a:fillRef>
-          <a:effectRef idx="0">
-            <a:schemeClr val="accent1"/>
-          </a:effectRef>
-          <a:fontRef idx="minor">
-            <a:schemeClr val="tx1"/>
-          </a:fontRef>
-        </p:style>
-      </p:cxnSp>
-      <p:sp>
-        <p:nvSpPr>
-          <p:cNvPr id="60" name="矩形 59"/>
-          <p:cNvSpPr/>
-          <p:nvPr/>
-        </p:nvSpPr>
-        <p:spPr>
-          <a:xfrm>
-            <a:off x="8148830" y="3496774"/>
-            <a:ext cx="812576" cy="752584"/>
-          </a:xfrm>
-          <a:prstGeom prst="rect">
-            <a:avLst/>
-          </a:prstGeom>
-          <a:noFill/>
-          <a:ln>
-            <a:solidFill>
-              <a:schemeClr val="tx1"/>
-            </a:solidFill>
-          </a:ln>
-        </p:spPr>
-        <p:style>
-          <a:lnRef idx="2">
-            <a:schemeClr val="accent1">
-              <a:shade val="50000"/>
-            </a:schemeClr>
-          </a:lnRef>
-          <a:fillRef idx="1">
-            <a:schemeClr val="accent1"/>
-          </a:fillRef>
-          <a:effectRef idx="0">
-            <a:schemeClr val="accent1"/>
-          </a:effectRef>
-          <a:fontRef idx="minor">
-            <a:schemeClr val="lt1"/>
-          </a:fontRef>
-        </p:style>
-        <p:txBody>
-          <a:bodyPr rtlCol="0" anchor="ctr"/>
-          <a:lstStyle/>
-          <a:p>
-            <a:pPr algn="ctr"/>
-            <a:r>
-              <a:rPr lang="en-US" altLang="zh-CN" sz="1200" dirty="0" smtClean="0">
-                <a:solidFill>
-                  <a:schemeClr val="tx1"/>
-                </a:solidFill>
-              </a:rPr>
-              <a:t>RegEx</a:t>
-            </a:r>
-          </a:p>
-          <a:p>
-            <a:pPr algn="ctr"/>
-            <a:r>
-              <a:rPr lang="en-US" altLang="zh-CN" sz="1200" dirty="0" smtClean="0">
-                <a:solidFill>
-                  <a:schemeClr val="tx1"/>
-                </a:solidFill>
-              </a:rPr>
-              <a:t>if(90-100)?</a:t>
-            </a:r>
-          </a:p>
-          <a:p>
-            <a:pPr algn="ctr"/>
-            <a:r>
-              <a:rPr lang="en-US" altLang="zh-CN" sz="1200" dirty="0" smtClean="0">
-                <a:solidFill>
-                  <a:schemeClr val="tx1"/>
-                </a:solidFill>
-              </a:rPr>
-              <a:t>1:null</a:t>
-            </a:r>
-            <a:endParaRPr lang="zh-CN" altLang="en-US" sz="1200" dirty="0">
-              <a:solidFill>
-                <a:schemeClr val="tx1"/>
-              </a:solidFill>
-            </a:endParaRPr>
-          </a:p>
-        </p:txBody>
-      </p:sp>
-      <p:sp>
-        <p:nvSpPr>
-          <p:cNvPr id="40" name="文本框 39"/>
-          <p:cNvSpPr txBox="1"/>
-          <p:nvPr/>
-        </p:nvSpPr>
-        <p:spPr>
-          <a:xfrm>
-            <a:off x="7767163" y="4022755"/>
-            <a:ext cx="349776" cy="369332"/>
-          </a:xfrm>
-          <a:prstGeom prst="rect">
-            <a:avLst/>
-          </a:prstGeom>
-          <a:noFill/>
-        </p:spPr>
-        <p:txBody>
-          <a:bodyPr wrap="none" rtlCol="0">
-            <a:spAutoFit/>
-          </a:bodyPr>
-          <a:lstStyle/>
-          <a:p>
-            <a:r>
-              <a:rPr lang="en-US" altLang="zh-CN" dirty="0" smtClean="0"/>
-              <a:t>%</a:t>
-            </a:r>
-            <a:endParaRPr lang="zh-CN" altLang="en-US" dirty="0"/>
-          </a:p>
-        </p:txBody>
-      </p:sp>
-      <p:sp>
-        <p:nvSpPr>
-          <p:cNvPr id="201" name="矩形 200"/>
-          <p:cNvSpPr/>
-          <p:nvPr/>
-        </p:nvSpPr>
-        <p:spPr>
-          <a:xfrm>
-            <a:off x="2646115" y="3671900"/>
-            <a:ext cx="972113" cy="488326"/>
-          </a:xfrm>
-          <a:prstGeom prst="rect">
-            <a:avLst/>
-          </a:prstGeom>
-          <a:ln/>
-        </p:spPr>
-        <p:style>
-          <a:lnRef idx="2">
-            <a:schemeClr val="dk1"/>
-          </a:lnRef>
-          <a:fillRef idx="1">
-            <a:schemeClr val="lt1"/>
-          </a:fillRef>
-          <a:effectRef idx="0">
-            <a:schemeClr val="dk1"/>
-          </a:effectRef>
-          <a:fontRef idx="minor">
-            <a:schemeClr val="dk1"/>
-          </a:fontRef>
-        </p:style>
-        <p:txBody>
-          <a:bodyPr rtlCol="0" anchor="ctr"/>
-          <a:lstStyle/>
-          <a:p>
-            <a:pPr algn="ctr"/>
-            <a:r>
-              <a:rPr lang="en-US" altLang="zh-CN" dirty="0" smtClean="0">
-                <a:solidFill>
-                  <a:schemeClr val="tx1"/>
-                </a:solidFill>
-              </a:rPr>
-              <a:t>Junction</a:t>
-            </a:r>
-            <a:endParaRPr lang="zh-CN" altLang="en-US" dirty="0">
-              <a:solidFill>
-                <a:schemeClr val="tx1"/>
-              </a:solidFill>
-            </a:endParaRPr>
-          </a:p>
-        </p:txBody>
-      </p:sp>
-      <p:cxnSp>
-        <p:nvCxnSpPr>
-          <p:cNvPr id="205" name="直接箭头连接符 204"/>
-          <p:cNvCxnSpPr>
-            <a:stCxn id="20" idx="1"/>
-            <a:endCxn id="201" idx="3"/>
-          </p:cNvCxnSpPr>
-          <p:nvPr/>
-        </p:nvCxnSpPr>
-        <p:spPr>
-          <a:xfrm flipH="1" flipV="1">
-            <a:off x="3618228" y="3916063"/>
-            <a:ext cx="556487" cy="317216"/>
-          </a:xfrm>
-          <a:prstGeom prst="straightConnector1">
-            <a:avLst/>
-          </a:prstGeom>
-          <a:ln>
-            <a:solidFill>
-              <a:srgbClr val="FF0000"/>
-            </a:solidFill>
-            <a:tailEnd type="triangle"/>
-          </a:ln>
-        </p:spPr>
-        <p:style>
-          <a:lnRef idx="1">
-            <a:schemeClr val="accent1"/>
-          </a:lnRef>
-          <a:fillRef idx="0">
-            <a:schemeClr val="accent1"/>
-          </a:fillRef>
-          <a:effectRef idx="0">
-            <a:schemeClr val="accent1"/>
-          </a:effectRef>
-          <a:fontRef idx="minor">
-            <a:schemeClr val="tx1"/>
-          </a:fontRef>
-        </p:style>
-      </p:cxnSp>
-      <p:cxnSp>
-        <p:nvCxnSpPr>
-          <p:cNvPr id="220" name="直接箭头连接符 219"/>
-          <p:cNvCxnSpPr>
-            <a:stCxn id="201" idx="0"/>
-            <a:endCxn id="43" idx="2"/>
-          </p:cNvCxnSpPr>
-          <p:nvPr/>
-        </p:nvCxnSpPr>
-        <p:spPr>
-          <a:xfrm flipH="1" flipV="1">
-            <a:off x="3127134" y="3363665"/>
-            <a:ext cx="5038" cy="308235"/>
-          </a:xfrm>
-          <a:prstGeom prst="straightConnector1">
-            <a:avLst/>
-          </a:prstGeom>
-          <a:ln>
-            <a:solidFill>
-              <a:srgbClr val="FF0000"/>
-            </a:solidFill>
-            <a:tailEnd type="triangle"/>
-          </a:ln>
-        </p:spPr>
-        <p:style>
-          <a:lnRef idx="1">
-            <a:schemeClr val="accent1"/>
-          </a:lnRef>
-          <a:fillRef idx="0">
-            <a:schemeClr val="accent1"/>
-          </a:fillRef>
-          <a:effectRef idx="0">
-            <a:schemeClr val="accent1"/>
-          </a:effectRef>
-          <a:fontRef idx="minor">
-            <a:schemeClr val="tx1"/>
-          </a:fontRef>
-        </p:style>
-      </p:cxnSp>
-      <p:cxnSp>
-        <p:nvCxnSpPr>
-          <p:cNvPr id="233" name="直接箭头连接符 232"/>
-          <p:cNvCxnSpPr>
-            <a:stCxn id="201" idx="3"/>
-            <a:endCxn id="419" idx="1"/>
-          </p:cNvCxnSpPr>
-          <p:nvPr/>
-        </p:nvCxnSpPr>
-        <p:spPr>
-          <a:xfrm flipV="1">
-            <a:off x="3618228" y="1579983"/>
-            <a:ext cx="2037726" cy="2336080"/>
-          </a:xfrm>
-          <a:prstGeom prst="straightConnector1">
-            <a:avLst/>
-          </a:prstGeom>
-          <a:ln>
-            <a:solidFill>
-              <a:srgbClr val="FF0000"/>
-            </a:solidFill>
-            <a:tailEnd type="triangle"/>
-          </a:ln>
-        </p:spPr>
-        <p:style>
-          <a:lnRef idx="1">
-            <a:schemeClr val="accent1"/>
-          </a:lnRef>
-          <a:fillRef idx="0">
-            <a:schemeClr val="accent1"/>
-          </a:fillRef>
-          <a:effectRef idx="0">
-            <a:schemeClr val="accent1"/>
-          </a:effectRef>
-          <a:fontRef idx="minor">
-            <a:schemeClr val="tx1"/>
-          </a:fontRef>
-        </p:style>
-      </p:cxnSp>
-      <p:sp>
-        <p:nvSpPr>
-          <p:cNvPr id="93" name="矩形 92"/>
-          <p:cNvSpPr/>
-          <p:nvPr/>
-        </p:nvSpPr>
-        <p:spPr>
-          <a:xfrm>
-            <a:off x="9599616" y="3538101"/>
-            <a:ext cx="733330" cy="695179"/>
-          </a:xfrm>
-          <a:prstGeom prst="rect">
-            <a:avLst/>
-          </a:prstGeom>
-          <a:noFill/>
-          <a:ln>
-            <a:solidFill>
-              <a:schemeClr val="tx1"/>
-            </a:solidFill>
-          </a:ln>
-        </p:spPr>
-        <p:style>
-          <a:lnRef idx="2">
-            <a:schemeClr val="accent1">
-              <a:shade val="50000"/>
-            </a:schemeClr>
-          </a:lnRef>
-          <a:fillRef idx="1">
-            <a:schemeClr val="accent1"/>
-          </a:fillRef>
-          <a:effectRef idx="0">
-            <a:schemeClr val="accent1"/>
-          </a:effectRef>
-          <a:fontRef idx="minor">
-            <a:schemeClr val="lt1"/>
-          </a:fontRef>
-        </p:style>
-        <p:txBody>
-          <a:bodyPr rtlCol="0" anchor="ctr"/>
-          <a:lstStyle/>
-          <a:p>
-            <a:pPr algn="ctr"/>
-            <a:r>
-              <a:rPr lang="en-US" altLang="zh-CN" dirty="0" smtClean="0">
-                <a:solidFill>
-                  <a:schemeClr val="tx1"/>
-                </a:solidFill>
-              </a:rPr>
-              <a:t>MEM</a:t>
-            </a:r>
-            <a:endParaRPr lang="zh-CN" altLang="en-US" dirty="0">
-              <a:solidFill>
-                <a:schemeClr val="tx1"/>
-              </a:solidFill>
-            </a:endParaRPr>
-          </a:p>
-        </p:txBody>
-      </p:sp>
-      <p:sp>
-        <p:nvSpPr>
-          <p:cNvPr id="124" name="矩形 123"/>
-          <p:cNvSpPr/>
-          <p:nvPr/>
-        </p:nvSpPr>
-        <p:spPr>
-          <a:xfrm>
-            <a:off x="8182397" y="4499562"/>
-            <a:ext cx="797863" cy="777832"/>
-          </a:xfrm>
-          <a:prstGeom prst="rect">
-            <a:avLst/>
-          </a:prstGeom>
-          <a:noFill/>
-          <a:ln>
-            <a:solidFill>
-              <a:schemeClr val="tx1"/>
-            </a:solidFill>
-          </a:ln>
-        </p:spPr>
-        <p:style>
-          <a:lnRef idx="2">
-            <a:schemeClr val="accent1">
-              <a:shade val="50000"/>
-            </a:schemeClr>
-          </a:lnRef>
-          <a:fillRef idx="1">
-            <a:schemeClr val="accent1"/>
-          </a:fillRef>
-          <a:effectRef idx="0">
-            <a:schemeClr val="accent1"/>
-          </a:effectRef>
-          <a:fontRef idx="minor">
-            <a:schemeClr val="lt1"/>
-          </a:fontRef>
-        </p:style>
-        <p:txBody>
-          <a:bodyPr rtlCol="0" anchor="ctr"/>
-          <a:lstStyle/>
-          <a:p>
-            <a:pPr algn="ctr"/>
-            <a:r>
-              <a:rPr lang="en-US" altLang="zh-CN" sz="1200" dirty="0" smtClean="0">
-                <a:solidFill>
-                  <a:schemeClr val="tx1"/>
-                </a:solidFill>
-              </a:rPr>
-              <a:t>RegEx</a:t>
-            </a:r>
-          </a:p>
-          <a:p>
-            <a:pPr algn="ctr"/>
-            <a:r>
-              <a:rPr lang="en-US" altLang="zh-CN" sz="1200" dirty="0" smtClean="0">
-                <a:solidFill>
-                  <a:schemeClr val="tx1"/>
-                </a:solidFill>
-              </a:rPr>
-              <a:t>if(0-20)?</a:t>
-            </a:r>
-          </a:p>
-          <a:p>
-            <a:pPr algn="ctr"/>
-            <a:r>
-              <a:rPr lang="en-US" altLang="zh-CN" sz="1200" dirty="0" smtClean="0">
-                <a:solidFill>
-                  <a:schemeClr val="tx1"/>
-                </a:solidFill>
-              </a:rPr>
-              <a:t>0:null</a:t>
-            </a:r>
-            <a:endParaRPr lang="zh-CN" altLang="en-US" sz="1200" dirty="0">
-              <a:solidFill>
-                <a:schemeClr val="tx1"/>
-              </a:solidFill>
-            </a:endParaRPr>
-          </a:p>
-        </p:txBody>
-      </p:sp>
-      <p:sp>
-        <p:nvSpPr>
-          <p:cNvPr id="164" name="矩形 163"/>
-          <p:cNvSpPr/>
-          <p:nvPr/>
-        </p:nvSpPr>
-        <p:spPr>
-          <a:xfrm>
-            <a:off x="7208765" y="5208425"/>
-            <a:ext cx="641456" cy="670504"/>
-          </a:xfrm>
-          <a:prstGeom prst="rect">
-            <a:avLst/>
-          </a:prstGeom>
-          <a:noFill/>
-          <a:ln>
-            <a:solidFill>
-              <a:schemeClr val="tx1"/>
-            </a:solidFill>
-          </a:ln>
-        </p:spPr>
-        <p:style>
-          <a:lnRef idx="2">
-            <a:schemeClr val="accent1">
-              <a:shade val="50000"/>
-            </a:schemeClr>
-          </a:lnRef>
-          <a:fillRef idx="1">
-            <a:schemeClr val="accent1"/>
-          </a:fillRef>
-          <a:effectRef idx="0">
-            <a:schemeClr val="accent1"/>
-          </a:effectRef>
-          <a:fontRef idx="minor">
-            <a:schemeClr val="lt1"/>
-          </a:fontRef>
-        </p:style>
-        <p:txBody>
-          <a:bodyPr rtlCol="0" anchor="ctr"/>
-          <a:lstStyle/>
-          <a:p>
-            <a:pPr algn="ctr"/>
-            <a:r>
-              <a:rPr lang="en-US" altLang="zh-CN" sz="1200" dirty="0" smtClean="0">
-                <a:solidFill>
-                  <a:schemeClr val="tx1"/>
-                </a:solidFill>
-              </a:rPr>
-              <a:t>If(1)?</a:t>
-            </a:r>
-          </a:p>
-          <a:p>
-            <a:pPr algn="ctr"/>
-            <a:r>
-              <a:rPr lang="en-US" altLang="zh-CN" sz="1200" dirty="0" smtClean="0">
-                <a:solidFill>
-                  <a:schemeClr val="tx1"/>
-                </a:solidFill>
-              </a:rPr>
-              <a:t>10:50</a:t>
-            </a:r>
-            <a:endParaRPr lang="zh-CN" altLang="en-US" sz="1200" dirty="0">
-              <a:solidFill>
-                <a:schemeClr val="tx1"/>
-              </a:solidFill>
-            </a:endParaRPr>
-          </a:p>
-        </p:txBody>
-      </p:sp>
-      <p:sp>
-        <p:nvSpPr>
-          <p:cNvPr id="112" name="矩形 111"/>
-          <p:cNvSpPr/>
-          <p:nvPr/>
-        </p:nvSpPr>
-        <p:spPr>
-          <a:xfrm>
-            <a:off x="6056802" y="2267669"/>
-            <a:ext cx="733330" cy="695179"/>
-          </a:xfrm>
-          <a:prstGeom prst="rect">
-            <a:avLst/>
-          </a:prstGeom>
-          <a:noFill/>
-          <a:ln>
-            <a:solidFill>
-              <a:schemeClr val="tx1"/>
-            </a:solidFill>
-          </a:ln>
-        </p:spPr>
-        <p:style>
-          <a:lnRef idx="2">
-            <a:schemeClr val="accent1">
-              <a:shade val="50000"/>
-            </a:schemeClr>
-          </a:lnRef>
-          <a:fillRef idx="1">
-            <a:schemeClr val="accent1"/>
-          </a:fillRef>
-          <a:effectRef idx="0">
-            <a:schemeClr val="accent1"/>
-          </a:effectRef>
-          <a:fontRef idx="minor">
-            <a:schemeClr val="lt1"/>
-          </a:fontRef>
-        </p:style>
-        <p:txBody>
-          <a:bodyPr rtlCol="0" anchor="ctr"/>
-          <a:lstStyle/>
-          <a:p>
-            <a:pPr algn="ctr"/>
-            <a:r>
-              <a:rPr lang="en-US" altLang="zh-CN" dirty="0" smtClean="0">
-                <a:solidFill>
-                  <a:schemeClr val="tx1"/>
-                </a:solidFill>
-              </a:rPr>
-              <a:t>Abs()</a:t>
-            </a:r>
-            <a:endParaRPr lang="zh-CN" altLang="en-US" dirty="0">
-              <a:solidFill>
-                <a:schemeClr val="tx1"/>
-              </a:solidFill>
-            </a:endParaRPr>
-          </a:p>
-        </p:txBody>
-      </p:sp>
-      <p:sp>
-        <p:nvSpPr>
-          <p:cNvPr id="113" name="矩形 112"/>
-          <p:cNvSpPr/>
-          <p:nvPr/>
-        </p:nvSpPr>
-        <p:spPr>
-          <a:xfrm>
-            <a:off x="5135550" y="2279787"/>
-            <a:ext cx="733330" cy="695179"/>
-          </a:xfrm>
-          <a:prstGeom prst="rect">
-            <a:avLst/>
-          </a:prstGeom>
-          <a:noFill/>
-          <a:ln>
-            <a:solidFill>
-              <a:schemeClr val="tx1"/>
-            </a:solidFill>
-          </a:ln>
-        </p:spPr>
-        <p:style>
-          <a:lnRef idx="2">
-            <a:schemeClr val="accent1">
-              <a:shade val="50000"/>
-            </a:schemeClr>
-          </a:lnRef>
-          <a:fillRef idx="1">
-            <a:schemeClr val="accent1"/>
-          </a:fillRef>
-          <a:effectRef idx="0">
-            <a:schemeClr val="accent1"/>
-          </a:effectRef>
-          <a:fontRef idx="minor">
-            <a:schemeClr val="lt1"/>
-          </a:fontRef>
-        </p:style>
-        <p:txBody>
-          <a:bodyPr rtlCol="0" anchor="ctr"/>
-          <a:lstStyle/>
-          <a:p>
-            <a:pPr algn="ctr"/>
-            <a:r>
-              <a:rPr lang="en-US" altLang="zh-CN" dirty="0" smtClean="0">
-                <a:solidFill>
-                  <a:schemeClr val="tx1"/>
-                </a:solidFill>
-              </a:rPr>
-              <a:t>(int)</a:t>
-            </a:r>
-          </a:p>
-          <a:p>
-            <a:pPr algn="ctr"/>
-            <a:r>
-              <a:rPr lang="en-US" altLang="zh-CN" dirty="0" smtClean="0">
-                <a:solidFill>
-                  <a:schemeClr val="tx1"/>
-                </a:solidFill>
-              </a:rPr>
-              <a:t>HV</a:t>
-            </a:r>
-            <a:endParaRPr lang="zh-CN" altLang="en-US" dirty="0">
-              <a:solidFill>
-                <a:schemeClr val="tx1"/>
-              </a:solidFill>
-            </a:endParaRPr>
-          </a:p>
-        </p:txBody>
-      </p:sp>
-      <p:cxnSp>
-        <p:nvCxnSpPr>
-          <p:cNvPr id="85" name="直接箭头连接符 84"/>
-          <p:cNvCxnSpPr>
-            <a:stCxn id="112" idx="3"/>
-            <a:endCxn id="386" idx="1"/>
-          </p:cNvCxnSpPr>
-          <p:nvPr/>
-        </p:nvCxnSpPr>
-        <p:spPr>
-          <a:xfrm flipV="1">
-            <a:off x="6790132" y="1530088"/>
-            <a:ext cx="862082" cy="1085171"/>
-          </a:xfrm>
-          <a:prstGeom prst="straightConnector1">
-            <a:avLst/>
-          </a:prstGeom>
-          <a:ln>
-            <a:tailEnd type="triangle"/>
-          </a:ln>
-        </p:spPr>
-        <p:style>
-          <a:lnRef idx="1">
-            <a:schemeClr val="accent1"/>
-          </a:lnRef>
-          <a:fillRef idx="0">
-            <a:schemeClr val="accent1"/>
-          </a:fillRef>
-          <a:effectRef idx="0">
-            <a:schemeClr val="accent1"/>
-          </a:effectRef>
-          <a:fontRef idx="minor">
-            <a:schemeClr val="tx1"/>
-          </a:fontRef>
-        </p:style>
-      </p:cxnSp>
-      <p:cxnSp>
-        <p:nvCxnSpPr>
-          <p:cNvPr id="87" name="直接箭头连接符 86"/>
-          <p:cNvCxnSpPr>
-            <a:stCxn id="113" idx="3"/>
-            <a:endCxn id="112" idx="1"/>
-          </p:cNvCxnSpPr>
-          <p:nvPr/>
-        </p:nvCxnSpPr>
-        <p:spPr>
-          <a:xfrm flipV="1">
-            <a:off x="5868880" y="2615259"/>
-            <a:ext cx="187922" cy="12118"/>
-          </a:xfrm>
-          <a:prstGeom prst="straightConnector1">
-            <a:avLst/>
-          </a:prstGeom>
-          <a:ln>
-            <a:tailEnd type="triangle"/>
-          </a:ln>
-        </p:spPr>
-        <p:style>
-          <a:lnRef idx="1">
-            <a:schemeClr val="accent1"/>
-          </a:lnRef>
-          <a:fillRef idx="0">
-            <a:schemeClr val="accent1"/>
-          </a:fillRef>
-          <a:effectRef idx="0">
-            <a:schemeClr val="accent1"/>
-          </a:effectRef>
-          <a:fontRef idx="minor">
-            <a:schemeClr val="tx1"/>
-          </a:fontRef>
-        </p:style>
-      </p:cxnSp>
-      <p:cxnSp>
-        <p:nvCxnSpPr>
-          <p:cNvPr id="89" name="直接箭头连接符 88"/>
-          <p:cNvCxnSpPr>
-            <a:stCxn id="65" idx="3"/>
-            <a:endCxn id="113" idx="1"/>
-          </p:cNvCxnSpPr>
-          <p:nvPr/>
-        </p:nvCxnSpPr>
-        <p:spPr>
-          <a:xfrm>
-            <a:off x="3690145" y="2190665"/>
-            <a:ext cx="1445405" cy="436712"/>
-          </a:xfrm>
-          <a:prstGeom prst="straightConnector1">
-            <a:avLst/>
-          </a:prstGeom>
-          <a:ln>
-            <a:tailEnd type="triangle"/>
-          </a:ln>
-        </p:spPr>
-        <p:style>
-          <a:lnRef idx="1">
-            <a:schemeClr val="accent1"/>
-          </a:lnRef>
-          <a:fillRef idx="0">
-            <a:schemeClr val="accent1"/>
-          </a:fillRef>
-          <a:effectRef idx="0">
-            <a:schemeClr val="accent1"/>
-          </a:effectRef>
-          <a:fontRef idx="minor">
-            <a:schemeClr val="tx1"/>
-          </a:fontRef>
-        </p:style>
-      </p:cxnSp>
-      <p:sp>
-        <p:nvSpPr>
-          <p:cNvPr id="126" name="矩形 125"/>
-          <p:cNvSpPr/>
-          <p:nvPr/>
-        </p:nvSpPr>
-        <p:spPr>
-          <a:xfrm>
-            <a:off x="7121525" y="2248480"/>
-            <a:ext cx="733330" cy="695179"/>
-          </a:xfrm>
-          <a:prstGeom prst="rect">
-            <a:avLst/>
-          </a:prstGeom>
-          <a:noFill/>
-          <a:ln>
-            <a:solidFill>
-              <a:schemeClr val="tx1"/>
-            </a:solidFill>
-          </a:ln>
-        </p:spPr>
-        <p:style>
-          <a:lnRef idx="2">
-            <a:schemeClr val="accent1">
-              <a:shade val="50000"/>
-            </a:schemeClr>
-          </a:lnRef>
-          <a:fillRef idx="1">
-            <a:schemeClr val="accent1"/>
-          </a:fillRef>
-          <a:effectRef idx="0">
-            <a:schemeClr val="accent1"/>
-          </a:effectRef>
-          <a:fontRef idx="minor">
-            <a:schemeClr val="lt1"/>
-          </a:fontRef>
-        </p:style>
-        <p:txBody>
-          <a:bodyPr rtlCol="0" anchor="ctr"/>
-          <a:lstStyle/>
-          <a:p>
-            <a:pPr algn="ctr"/>
-            <a:r>
-              <a:rPr lang="en-US" altLang="zh-CN" dirty="0" smtClean="0">
-                <a:solidFill>
-                  <a:schemeClr val="tx1"/>
-                </a:solidFill>
-              </a:rPr>
-              <a:t>Mod</a:t>
-            </a:r>
-          </a:p>
-          <a:p>
-            <a:pPr algn="ctr"/>
-            <a:r>
-              <a:rPr lang="en-US" altLang="zh-CN" dirty="0" smtClean="0">
-                <a:solidFill>
-                  <a:schemeClr val="tx1"/>
-                </a:solidFill>
-              </a:rPr>
-              <a:t>()</a:t>
-            </a:r>
-            <a:endParaRPr lang="zh-CN" altLang="en-US" dirty="0">
-              <a:solidFill>
-                <a:schemeClr val="tx1"/>
-              </a:solidFill>
-            </a:endParaRPr>
-          </a:p>
-        </p:txBody>
-      </p:sp>
-      <p:cxnSp>
-        <p:nvCxnSpPr>
-          <p:cNvPr id="103" name="直接箭头连接符 102"/>
-          <p:cNvCxnSpPr>
-            <a:stCxn id="126" idx="3"/>
-            <a:endCxn id="106" idx="1"/>
-          </p:cNvCxnSpPr>
-          <p:nvPr/>
-        </p:nvCxnSpPr>
-        <p:spPr>
-          <a:xfrm>
-            <a:off x="7854855" y="2596070"/>
-            <a:ext cx="378815" cy="0"/>
-          </a:xfrm>
-          <a:prstGeom prst="straightConnector1">
-            <a:avLst/>
-          </a:prstGeom>
-          <a:ln>
-            <a:tailEnd type="triangle"/>
-          </a:ln>
-        </p:spPr>
-        <p:style>
-          <a:lnRef idx="1">
-            <a:schemeClr val="accent1"/>
-          </a:lnRef>
-          <a:fillRef idx="0">
-            <a:schemeClr val="accent1"/>
-          </a:fillRef>
-          <a:effectRef idx="0">
-            <a:schemeClr val="accent1"/>
-          </a:effectRef>
-          <a:fontRef idx="minor">
-            <a:schemeClr val="tx1"/>
-          </a:fontRef>
-        </p:style>
-      </p:cxnSp>
-      <p:cxnSp>
-        <p:nvCxnSpPr>
-          <p:cNvPr id="142" name="直接箭头连接符 141"/>
-          <p:cNvCxnSpPr>
-            <a:stCxn id="201" idx="3"/>
-            <a:endCxn id="78" idx="1"/>
-          </p:cNvCxnSpPr>
-          <p:nvPr/>
-        </p:nvCxnSpPr>
-        <p:spPr>
-          <a:xfrm flipV="1">
-            <a:off x="3618228" y="3889698"/>
-            <a:ext cx="2019964" cy="26365"/>
-          </a:xfrm>
-          <a:prstGeom prst="straightConnector1">
-            <a:avLst/>
-          </a:prstGeom>
-          <a:ln>
-            <a:solidFill>
-              <a:srgbClr val="FF0000"/>
-            </a:solidFill>
-            <a:tailEnd type="triangle"/>
-          </a:ln>
-        </p:spPr>
-        <p:style>
-          <a:lnRef idx="1">
-            <a:schemeClr val="accent1"/>
-          </a:lnRef>
-          <a:fillRef idx="0">
-            <a:schemeClr val="accent1"/>
-          </a:fillRef>
-          <a:effectRef idx="0">
-            <a:schemeClr val="accent1"/>
-          </a:effectRef>
-          <a:fontRef idx="minor">
-            <a:schemeClr val="tx1"/>
-          </a:fontRef>
-        </p:style>
-      </p:cxnSp>
-      <p:cxnSp>
-        <p:nvCxnSpPr>
-          <p:cNvPr id="174" name="肘形连接符 173"/>
-          <p:cNvCxnSpPr>
-            <a:stCxn id="42" idx="2"/>
-            <a:endCxn id="51" idx="3"/>
-          </p:cNvCxnSpPr>
-          <p:nvPr/>
-        </p:nvCxnSpPr>
-        <p:spPr>
-          <a:xfrm rot="5400000">
-            <a:off x="5145113" y="2563957"/>
-            <a:ext cx="464580" cy="3558454"/>
-          </a:xfrm>
-          <a:prstGeom prst="bentConnector2">
-            <a:avLst/>
-          </a:prstGeom>
-          <a:ln>
-            <a:solidFill>
-              <a:srgbClr val="FF0000"/>
-            </a:solidFill>
-            <a:tailEnd type="triangle"/>
-          </a:ln>
-        </p:spPr>
-        <p:style>
-          <a:lnRef idx="1">
-            <a:schemeClr val="accent1"/>
-          </a:lnRef>
-          <a:fillRef idx="0">
-            <a:schemeClr val="accent1"/>
-          </a:fillRef>
-          <a:effectRef idx="0">
-            <a:schemeClr val="accent1"/>
-          </a:effectRef>
-          <a:fontRef idx="minor">
-            <a:schemeClr val="tx1"/>
-          </a:fontRef>
-        </p:style>
-      </p:cxnSp>
-      <p:cxnSp>
-        <p:nvCxnSpPr>
-          <p:cNvPr id="181" name="肘形连接符 180"/>
-          <p:cNvCxnSpPr>
-            <a:stCxn id="201" idx="1"/>
-            <a:endCxn id="65" idx="1"/>
-          </p:cNvCxnSpPr>
-          <p:nvPr/>
-        </p:nvCxnSpPr>
-        <p:spPr>
-          <a:xfrm rot="10800000">
-            <a:off x="2564121" y="2190665"/>
-            <a:ext cx="81994" cy="1725398"/>
-          </a:xfrm>
-          <a:prstGeom prst="bentConnector3">
-            <a:avLst>
-              <a:gd name="adj1" fmla="val 378801"/>
-            </a:avLst>
-          </a:prstGeom>
-          <a:ln>
-            <a:solidFill>
-              <a:srgbClr val="FF0000"/>
-            </a:solidFill>
-            <a:tailEnd type="triangle"/>
-          </a:ln>
-        </p:spPr>
-        <p:style>
-          <a:lnRef idx="1">
-            <a:schemeClr val="accent1"/>
-          </a:lnRef>
-          <a:fillRef idx="0">
-            <a:schemeClr val="accent1"/>
-          </a:fillRef>
-          <a:effectRef idx="0">
-            <a:schemeClr val="accent1"/>
-          </a:effectRef>
-          <a:fontRef idx="minor">
-            <a:schemeClr val="tx1"/>
-          </a:fontRef>
-        </p:style>
-      </p:cxnSp>
-      <p:sp>
-        <p:nvSpPr>
-          <p:cNvPr id="224" name="矩形 223"/>
-          <p:cNvSpPr/>
-          <p:nvPr/>
-        </p:nvSpPr>
-        <p:spPr>
-          <a:xfrm>
-            <a:off x="1427767" y="3858582"/>
-            <a:ext cx="733330" cy="695179"/>
-          </a:xfrm>
-          <a:prstGeom prst="rect">
-            <a:avLst/>
-          </a:prstGeom>
-          <a:noFill/>
-          <a:ln>
-            <a:solidFill>
-              <a:schemeClr val="tx1"/>
-            </a:solidFill>
-          </a:ln>
-        </p:spPr>
-        <p:style>
-          <a:lnRef idx="2">
-            <a:schemeClr val="accent1">
-              <a:shade val="50000"/>
-            </a:schemeClr>
-          </a:lnRef>
-          <a:fillRef idx="1">
-            <a:schemeClr val="accent1"/>
-          </a:fillRef>
-          <a:effectRef idx="0">
-            <a:schemeClr val="accent1"/>
-          </a:effectRef>
-          <a:fontRef idx="minor">
-            <a:schemeClr val="lt1"/>
-          </a:fontRef>
-        </p:style>
-        <p:txBody>
-          <a:bodyPr rtlCol="0" anchor="ctr"/>
-          <a:lstStyle/>
-          <a:p>
-            <a:pPr algn="ctr"/>
-            <a:r>
-              <a:rPr lang="en-US" altLang="zh-CN" dirty="0" smtClean="0">
-                <a:solidFill>
-                  <a:schemeClr val="tx1"/>
-                </a:solidFill>
-              </a:rPr>
-              <a:t>Relay</a:t>
-            </a:r>
-            <a:endParaRPr lang="zh-CN" altLang="en-US" dirty="0">
-              <a:solidFill>
-                <a:schemeClr val="tx1"/>
-              </a:solidFill>
-            </a:endParaRPr>
-          </a:p>
-        </p:txBody>
-      </p:sp>
-      <p:cxnSp>
-        <p:nvCxnSpPr>
-          <p:cNvPr id="226" name="肘形连接符 225"/>
-          <p:cNvCxnSpPr>
-            <a:stCxn id="93" idx="2"/>
-            <a:endCxn id="224" idx="1"/>
-          </p:cNvCxnSpPr>
-          <p:nvPr/>
-        </p:nvCxnSpPr>
-        <p:spPr>
-          <a:xfrm rot="5400000" flipH="1">
-            <a:off x="5683470" y="-49531"/>
-            <a:ext cx="27108" cy="8538514"/>
-          </a:xfrm>
-          <a:prstGeom prst="bentConnector4">
-            <a:avLst>
-              <a:gd name="adj1" fmla="val -7824358"/>
-              <a:gd name="adj2" fmla="val 102677"/>
-            </a:avLst>
-          </a:prstGeom>
-          <a:ln>
-            <a:tailEnd type="triangle"/>
-          </a:ln>
-        </p:spPr>
-        <p:style>
-          <a:lnRef idx="1">
-            <a:schemeClr val="accent1"/>
-          </a:lnRef>
-          <a:fillRef idx="0">
-            <a:schemeClr val="accent1"/>
-          </a:fillRef>
-          <a:effectRef idx="0">
-            <a:schemeClr val="accent1"/>
-          </a:effectRef>
-          <a:fontRef idx="minor">
-            <a:schemeClr val="tx1"/>
-          </a:fontRef>
-        </p:style>
-      </p:cxnSp>
-      <p:cxnSp>
-        <p:nvCxnSpPr>
-          <p:cNvPr id="232" name="直接箭头连接符 231"/>
-          <p:cNvCxnSpPr>
-            <a:endCxn id="224" idx="3"/>
-          </p:cNvCxnSpPr>
-          <p:nvPr/>
-        </p:nvCxnSpPr>
-        <p:spPr>
-          <a:xfrm flipH="1" flipV="1">
-            <a:off x="2161097" y="4206172"/>
-            <a:ext cx="453981" cy="555289"/>
-          </a:xfrm>
-          <a:prstGeom prst="straightConnector1">
-            <a:avLst/>
-          </a:prstGeom>
-          <a:ln>
-            <a:solidFill>
-              <a:srgbClr val="FF0000"/>
-            </a:solidFill>
-            <a:tailEnd type="triangle"/>
-          </a:ln>
-        </p:spPr>
-        <p:style>
-          <a:lnRef idx="1">
-            <a:schemeClr val="accent1"/>
-          </a:lnRef>
-          <a:fillRef idx="0">
-            <a:schemeClr val="accent1"/>
-          </a:fillRef>
-          <a:effectRef idx="0">
-            <a:schemeClr val="accent1"/>
-          </a:effectRef>
-          <a:fontRef idx="minor">
-            <a:schemeClr val="tx1"/>
-          </a:fontRef>
-        </p:style>
-      </p:cxnSp>
-      <p:cxnSp>
-        <p:nvCxnSpPr>
-          <p:cNvPr id="235" name="直接箭头连接符 234"/>
-          <p:cNvCxnSpPr>
-            <a:stCxn id="224" idx="3"/>
-            <a:endCxn id="201" idx="1"/>
-          </p:cNvCxnSpPr>
-          <p:nvPr/>
-        </p:nvCxnSpPr>
-        <p:spPr>
-          <a:xfrm flipV="1">
-            <a:off x="2161097" y="3916063"/>
-            <a:ext cx="485018" cy="290109"/>
-          </a:xfrm>
-          <a:prstGeom prst="straightConnector1">
-            <a:avLst/>
-          </a:prstGeom>
-          <a:ln>
-            <a:solidFill>
-              <a:srgbClr val="FF0000"/>
-            </a:solidFill>
-            <a:tailEnd type="triangle"/>
-          </a:ln>
-        </p:spPr>
-        <p:style>
-          <a:lnRef idx="1">
-            <a:schemeClr val="accent1"/>
-          </a:lnRef>
-          <a:fillRef idx="0">
-            <a:schemeClr val="accent1"/>
-          </a:fillRef>
-          <a:effectRef idx="0">
-            <a:schemeClr val="accent1"/>
-          </a:effectRef>
-          <a:fontRef idx="minor">
-            <a:schemeClr val="tx1"/>
-          </a:fontRef>
-        </p:style>
-      </p:cxnSp>
-      <p:cxnSp>
-        <p:nvCxnSpPr>
-          <p:cNvPr id="241" name="直接箭头连接符 240"/>
-          <p:cNvCxnSpPr>
-            <a:stCxn id="164" idx="1"/>
-            <a:endCxn id="44" idx="3"/>
-          </p:cNvCxnSpPr>
-          <p:nvPr/>
-        </p:nvCxnSpPr>
-        <p:spPr>
-          <a:xfrm flipH="1">
-            <a:off x="6758564" y="5543677"/>
-            <a:ext cx="450201" cy="1"/>
-          </a:xfrm>
-          <a:prstGeom prst="straightConnector1">
-            <a:avLst/>
-          </a:prstGeom>
-          <a:ln>
-            <a:tailEnd type="triangle"/>
-          </a:ln>
-        </p:spPr>
-        <p:style>
-          <a:lnRef idx="1">
-            <a:schemeClr val="accent1"/>
-          </a:lnRef>
-          <a:fillRef idx="0">
-            <a:schemeClr val="accent1"/>
-          </a:fillRef>
-          <a:effectRef idx="0">
-            <a:schemeClr val="accent1"/>
-          </a:effectRef>
-          <a:fontRef idx="minor">
-            <a:schemeClr val="tx1"/>
-          </a:fontRef>
-        </p:style>
-      </p:cxnSp>
-      <p:cxnSp>
-        <p:nvCxnSpPr>
-          <p:cNvPr id="243" name="直接箭头连接符 242"/>
-          <p:cNvCxnSpPr>
-            <a:stCxn id="51" idx="3"/>
-            <a:endCxn id="48" idx="1"/>
-          </p:cNvCxnSpPr>
-          <p:nvPr/>
-        </p:nvCxnSpPr>
-        <p:spPr>
-          <a:xfrm>
-            <a:off x="3598176" y="4575474"/>
-            <a:ext cx="2034364" cy="373504"/>
-          </a:xfrm>
-          <a:prstGeom prst="straightConnector1">
-            <a:avLst/>
-          </a:prstGeom>
-          <a:ln>
-            <a:solidFill>
-              <a:srgbClr val="FF0000"/>
-            </a:solidFill>
-            <a:tailEnd type="triangle"/>
-          </a:ln>
-        </p:spPr>
-        <p:style>
-          <a:lnRef idx="1">
-            <a:schemeClr val="accent1"/>
-          </a:lnRef>
-          <a:fillRef idx="0">
-            <a:schemeClr val="accent1"/>
-          </a:fillRef>
-          <a:effectRef idx="0">
-            <a:schemeClr val="accent1"/>
-          </a:effectRef>
-          <a:fontRef idx="minor">
-            <a:schemeClr val="tx1"/>
-          </a:fontRef>
-        </p:style>
-      </p:cxnSp>
-      <p:sp>
-        <p:nvSpPr>
-          <p:cNvPr id="246" name="矩形 245"/>
-          <p:cNvSpPr/>
-          <p:nvPr/>
-        </p:nvSpPr>
-        <p:spPr>
-          <a:xfrm>
-            <a:off x="1420174" y="5495794"/>
-            <a:ext cx="1462045" cy="442393"/>
-          </a:xfrm>
-          <a:prstGeom prst="rect">
-            <a:avLst/>
-          </a:prstGeom>
-          <a:noFill/>
-          <a:ln>
-            <a:solidFill>
-              <a:schemeClr val="tx1"/>
-            </a:solidFill>
-          </a:ln>
-        </p:spPr>
-        <p:style>
-          <a:lnRef idx="2">
-            <a:schemeClr val="accent1">
-              <a:shade val="50000"/>
-            </a:schemeClr>
-          </a:lnRef>
-          <a:fillRef idx="1">
-            <a:schemeClr val="accent1"/>
-          </a:fillRef>
-          <a:effectRef idx="0">
-            <a:schemeClr val="accent1"/>
-          </a:effectRef>
-          <a:fontRef idx="minor">
-            <a:schemeClr val="lt1"/>
-          </a:fontRef>
-        </p:style>
-        <p:txBody>
-          <a:bodyPr rtlCol="0" anchor="ctr"/>
-          <a:lstStyle/>
-          <a:p>
-            <a:pPr algn="ctr"/>
-            <a:r>
-              <a:rPr lang="en-US" altLang="zh-CN" dirty="0" smtClean="0">
-                <a:solidFill>
-                  <a:schemeClr val="tx1"/>
-                </a:solidFill>
-              </a:rPr>
-              <a:t>FabMachine</a:t>
-            </a:r>
-          </a:p>
-        </p:txBody>
-      </p:sp>
-      <p:sp>
-        <p:nvSpPr>
-          <p:cNvPr id="251" name="矩形 250"/>
-          <p:cNvSpPr/>
-          <p:nvPr/>
-        </p:nvSpPr>
-        <p:spPr>
-          <a:xfrm>
-            <a:off x="3189291" y="5361819"/>
-            <a:ext cx="733330" cy="695179"/>
-          </a:xfrm>
-          <a:prstGeom prst="rect">
-            <a:avLst/>
-          </a:prstGeom>
-          <a:noFill/>
-          <a:ln>
-            <a:solidFill>
-              <a:schemeClr val="tx1"/>
-            </a:solidFill>
-          </a:ln>
-        </p:spPr>
-        <p:style>
-          <a:lnRef idx="2">
-            <a:schemeClr val="accent1">
-              <a:shade val="50000"/>
-            </a:schemeClr>
-          </a:lnRef>
-          <a:fillRef idx="1">
-            <a:schemeClr val="accent1"/>
-          </a:fillRef>
-          <a:effectRef idx="0">
-            <a:schemeClr val="accent1"/>
-          </a:effectRef>
-          <a:fontRef idx="minor">
-            <a:schemeClr val="lt1"/>
-          </a:fontRef>
-        </p:style>
-        <p:txBody>
-          <a:bodyPr rtlCol="0" anchor="ctr"/>
-          <a:lstStyle/>
-          <a:p>
-            <a:pPr algn="ctr"/>
-            <a:r>
-              <a:rPr lang="en-US" altLang="zh-CN" dirty="0" smtClean="0">
-                <a:solidFill>
-                  <a:schemeClr val="tx1"/>
-                </a:solidFill>
-              </a:rPr>
-              <a:t>Relay</a:t>
-            </a:r>
-            <a:endParaRPr lang="zh-CN" altLang="en-US" dirty="0">
-              <a:solidFill>
-                <a:schemeClr val="tx1"/>
-              </a:solidFill>
-            </a:endParaRPr>
-          </a:p>
-        </p:txBody>
-      </p:sp>
-      <p:cxnSp>
-        <p:nvCxnSpPr>
-          <p:cNvPr id="255" name="直接箭头连接符 254"/>
-          <p:cNvCxnSpPr>
-            <a:stCxn id="251" idx="1"/>
-            <a:endCxn id="246" idx="3"/>
-          </p:cNvCxnSpPr>
-          <p:nvPr/>
-        </p:nvCxnSpPr>
-        <p:spPr>
-          <a:xfrm flipH="1">
-            <a:off x="2882219" y="5709409"/>
-            <a:ext cx="307072" cy="7582"/>
-          </a:xfrm>
-          <a:prstGeom prst="straightConnector1">
-            <a:avLst/>
-          </a:prstGeom>
-          <a:ln>
-            <a:solidFill>
-              <a:srgbClr val="FF0000"/>
-            </a:solidFill>
-            <a:tailEnd type="triangle"/>
-          </a:ln>
-        </p:spPr>
-        <p:style>
-          <a:lnRef idx="1">
-            <a:schemeClr val="accent1"/>
-          </a:lnRef>
-          <a:fillRef idx="0">
-            <a:schemeClr val="accent1"/>
-          </a:fillRef>
-          <a:effectRef idx="0">
-            <a:schemeClr val="accent1"/>
-          </a:effectRef>
-          <a:fontRef idx="minor">
-            <a:schemeClr val="tx1"/>
-          </a:fontRef>
-        </p:style>
-      </p:cxnSp>
-      <p:sp>
-        <p:nvSpPr>
-          <p:cNvPr id="261" name="矩形 260"/>
-          <p:cNvSpPr/>
-          <p:nvPr/>
-        </p:nvSpPr>
-        <p:spPr>
-          <a:xfrm>
-            <a:off x="4147536" y="5361818"/>
-            <a:ext cx="733330" cy="695179"/>
-          </a:xfrm>
-          <a:prstGeom prst="rect">
-            <a:avLst/>
-          </a:prstGeom>
-          <a:noFill/>
-          <a:ln>
-            <a:solidFill>
-              <a:schemeClr val="tx1"/>
-            </a:solidFill>
-          </a:ln>
-        </p:spPr>
-        <p:style>
-          <a:lnRef idx="2">
-            <a:schemeClr val="accent1">
-              <a:shade val="50000"/>
-            </a:schemeClr>
-          </a:lnRef>
-          <a:fillRef idx="1">
-            <a:schemeClr val="accent1"/>
-          </a:fillRef>
-          <a:effectRef idx="0">
-            <a:schemeClr val="accent1"/>
-          </a:effectRef>
-          <a:fontRef idx="minor">
-            <a:schemeClr val="lt1"/>
-          </a:fontRef>
-        </p:style>
-        <p:txBody>
-          <a:bodyPr rtlCol="0" anchor="ctr"/>
-          <a:lstStyle/>
-          <a:p>
-            <a:pPr algn="ctr"/>
-            <a:r>
-              <a:rPr lang="en-US" altLang="zh-CN" sz="1200" dirty="0" smtClean="0">
-                <a:solidFill>
-                  <a:schemeClr val="tx1"/>
-                </a:solidFill>
-              </a:rPr>
-              <a:t>If(100)?1:0</a:t>
-            </a:r>
-            <a:endParaRPr lang="zh-CN" altLang="en-US" sz="1200" dirty="0">
-              <a:solidFill>
-                <a:schemeClr val="tx1"/>
-              </a:solidFill>
-            </a:endParaRPr>
-          </a:p>
-        </p:txBody>
-      </p:sp>
-      <p:cxnSp>
-        <p:nvCxnSpPr>
-          <p:cNvPr id="263" name="直接箭头连接符 262"/>
-          <p:cNvCxnSpPr>
-            <a:stCxn id="44" idx="1"/>
-            <a:endCxn id="261" idx="3"/>
-          </p:cNvCxnSpPr>
-          <p:nvPr/>
-        </p:nvCxnSpPr>
-        <p:spPr>
-          <a:xfrm flipH="1">
-            <a:off x="4880866" y="5543678"/>
-            <a:ext cx="751674" cy="165730"/>
-          </a:xfrm>
-          <a:prstGeom prst="straightConnector1">
-            <a:avLst/>
-          </a:prstGeom>
-          <a:ln>
-            <a:tailEnd type="triangle"/>
-          </a:ln>
-        </p:spPr>
-        <p:style>
-          <a:lnRef idx="1">
-            <a:schemeClr val="accent1"/>
-          </a:lnRef>
-          <a:fillRef idx="0">
-            <a:schemeClr val="accent1"/>
-          </a:fillRef>
-          <a:effectRef idx="0">
-            <a:schemeClr val="accent1"/>
-          </a:effectRef>
-          <a:fontRef idx="minor">
-            <a:schemeClr val="tx1"/>
-          </a:fontRef>
-        </p:style>
-      </p:cxnSp>
-      <p:cxnSp>
-        <p:nvCxnSpPr>
-          <p:cNvPr id="269" name="直接箭头连接符 268"/>
-          <p:cNvCxnSpPr>
-            <a:stCxn id="261" idx="1"/>
-            <a:endCxn id="251" idx="3"/>
-          </p:cNvCxnSpPr>
-          <p:nvPr/>
-        </p:nvCxnSpPr>
-        <p:spPr>
-          <a:xfrm flipH="1">
-            <a:off x="3922621" y="5709408"/>
-            <a:ext cx="224915" cy="1"/>
-          </a:xfrm>
-          <a:prstGeom prst="straightConnector1">
-            <a:avLst/>
-          </a:prstGeom>
-          <a:ln>
-            <a:tailEnd type="triangle"/>
-          </a:ln>
-        </p:spPr>
-        <p:style>
-          <a:lnRef idx="1">
-            <a:schemeClr val="accent1"/>
-          </a:lnRef>
-          <a:fillRef idx="0">
-            <a:schemeClr val="accent1"/>
-          </a:fillRef>
-          <a:effectRef idx="0">
-            <a:schemeClr val="accent1"/>
-          </a:effectRef>
-          <a:fontRef idx="minor">
-            <a:schemeClr val="tx1"/>
-          </a:fontRef>
-        </p:style>
-      </p:cxnSp>
-      <p:cxnSp>
-        <p:nvCxnSpPr>
-          <p:cNvPr id="296" name="直接箭头连接符 295"/>
-          <p:cNvCxnSpPr>
-            <a:stCxn id="51" idx="2"/>
-            <a:endCxn id="251" idx="0"/>
-          </p:cNvCxnSpPr>
-          <p:nvPr/>
-        </p:nvCxnSpPr>
-        <p:spPr>
-          <a:xfrm>
-            <a:off x="3112120" y="4819637"/>
-            <a:ext cx="443836" cy="542182"/>
-          </a:xfrm>
-          <a:prstGeom prst="straightConnector1">
-            <a:avLst/>
-          </a:prstGeom>
-          <a:ln>
-            <a:tailEnd type="triangle"/>
-          </a:ln>
-        </p:spPr>
-        <p:style>
-          <a:lnRef idx="1">
-            <a:schemeClr val="accent1"/>
-          </a:lnRef>
-          <a:fillRef idx="0">
-            <a:schemeClr val="accent1"/>
-          </a:fillRef>
-          <a:effectRef idx="0">
-            <a:schemeClr val="accent1"/>
-          </a:effectRef>
-          <a:fontRef idx="minor">
-            <a:schemeClr val="tx1"/>
-          </a:fontRef>
-        </p:style>
-      </p:cxnSp>
-      <p:cxnSp>
-        <p:nvCxnSpPr>
-          <p:cNvPr id="303" name="直接箭头连接符 302"/>
-          <p:cNvCxnSpPr>
-            <a:stCxn id="51" idx="3"/>
-            <a:endCxn id="44" idx="1"/>
-          </p:cNvCxnSpPr>
-          <p:nvPr/>
-        </p:nvCxnSpPr>
-        <p:spPr>
-          <a:xfrm>
-            <a:off x="3598176" y="4575474"/>
-            <a:ext cx="2034364" cy="968204"/>
-          </a:xfrm>
-          <a:prstGeom prst="straightConnector1">
-            <a:avLst/>
-          </a:prstGeom>
-          <a:ln>
-            <a:solidFill>
-              <a:srgbClr val="FF0000"/>
-            </a:solidFill>
-            <a:tailEnd type="triangle"/>
-          </a:ln>
-        </p:spPr>
-        <p:style>
-          <a:lnRef idx="1">
-            <a:schemeClr val="accent1"/>
-          </a:lnRef>
-          <a:fillRef idx="0">
-            <a:schemeClr val="accent1"/>
-          </a:fillRef>
-          <a:effectRef idx="0">
-            <a:schemeClr val="accent1"/>
-          </a:effectRef>
-          <a:fontRef idx="minor">
-            <a:schemeClr val="tx1"/>
-          </a:fontRef>
-        </p:style>
-      </p:cxnSp>
-      <p:cxnSp>
-        <p:nvCxnSpPr>
-          <p:cNvPr id="337" name="直接箭头连接符 336"/>
-          <p:cNvCxnSpPr>
-            <a:stCxn id="42" idx="3"/>
-            <a:endCxn id="60" idx="1"/>
-          </p:cNvCxnSpPr>
-          <p:nvPr/>
-        </p:nvCxnSpPr>
-        <p:spPr>
-          <a:xfrm flipV="1">
-            <a:off x="7701705" y="3873066"/>
-            <a:ext cx="447125" cy="12624"/>
-          </a:xfrm>
-          <a:prstGeom prst="straightConnector1">
-            <a:avLst/>
-          </a:prstGeom>
-          <a:ln>
-            <a:tailEnd type="triangle"/>
-          </a:ln>
-        </p:spPr>
-        <p:style>
-          <a:lnRef idx="1">
-            <a:schemeClr val="accent1"/>
-          </a:lnRef>
-          <a:fillRef idx="0">
-            <a:schemeClr val="accent1"/>
-          </a:fillRef>
-          <a:effectRef idx="0">
-            <a:schemeClr val="accent1"/>
-          </a:effectRef>
-          <a:fontRef idx="minor">
-            <a:schemeClr val="tx1"/>
-          </a:fontRef>
-        </p:style>
-      </p:cxnSp>
-      <p:cxnSp>
-        <p:nvCxnSpPr>
-          <p:cNvPr id="339" name="直接箭头连接符 338"/>
-          <p:cNvCxnSpPr>
-            <a:stCxn id="42" idx="3"/>
-            <a:endCxn id="124" idx="1"/>
-          </p:cNvCxnSpPr>
-          <p:nvPr/>
-        </p:nvCxnSpPr>
-        <p:spPr>
-          <a:xfrm>
-            <a:off x="7701705" y="3885690"/>
-            <a:ext cx="480692" cy="1002788"/>
-          </a:xfrm>
-          <a:prstGeom prst="straightConnector1">
-            <a:avLst/>
-          </a:prstGeom>
-          <a:ln>
-            <a:tailEnd type="triangle"/>
-          </a:ln>
-        </p:spPr>
-        <p:style>
-          <a:lnRef idx="1">
-            <a:schemeClr val="accent1"/>
-          </a:lnRef>
-          <a:fillRef idx="0">
-            <a:schemeClr val="accent1"/>
-          </a:fillRef>
-          <a:effectRef idx="0">
-            <a:schemeClr val="accent1"/>
-          </a:effectRef>
-          <a:fontRef idx="minor">
-            <a:schemeClr val="tx1"/>
-          </a:fontRef>
-        </p:style>
-      </p:cxnSp>
-      <p:cxnSp>
-        <p:nvCxnSpPr>
-          <p:cNvPr id="341" name="直接箭头连接符 340"/>
-          <p:cNvCxnSpPr>
-            <a:stCxn id="60" idx="3"/>
-            <a:endCxn id="93" idx="1"/>
-          </p:cNvCxnSpPr>
-          <p:nvPr/>
-        </p:nvCxnSpPr>
-        <p:spPr>
-          <a:xfrm>
-            <a:off x="8961406" y="3873066"/>
-            <a:ext cx="638210" cy="12625"/>
-          </a:xfrm>
-          <a:prstGeom prst="straightConnector1">
-            <a:avLst/>
-          </a:prstGeom>
-          <a:ln>
-            <a:tailEnd type="triangle"/>
-          </a:ln>
-        </p:spPr>
-        <p:style>
-          <a:lnRef idx="1">
-            <a:schemeClr val="accent1"/>
-          </a:lnRef>
-          <a:fillRef idx="0">
-            <a:schemeClr val="accent1"/>
-          </a:fillRef>
-          <a:effectRef idx="0">
-            <a:schemeClr val="accent1"/>
-          </a:effectRef>
-          <a:fontRef idx="minor">
-            <a:schemeClr val="tx1"/>
-          </a:fontRef>
-        </p:style>
-      </p:cxnSp>
-      <p:cxnSp>
-        <p:nvCxnSpPr>
-          <p:cNvPr id="343" name="直接箭头连接符 342"/>
-          <p:cNvCxnSpPr>
-            <a:stCxn id="124" idx="3"/>
-            <a:endCxn id="93" idx="1"/>
-          </p:cNvCxnSpPr>
-          <p:nvPr/>
-        </p:nvCxnSpPr>
-        <p:spPr>
-          <a:xfrm flipV="1">
-            <a:off x="8980260" y="3885691"/>
-            <a:ext cx="619356" cy="1002787"/>
-          </a:xfrm>
-          <a:prstGeom prst="straightConnector1">
-            <a:avLst/>
-          </a:prstGeom>
-          <a:ln>
-            <a:tailEnd type="triangle"/>
-          </a:ln>
-        </p:spPr>
-        <p:style>
-          <a:lnRef idx="1">
-            <a:schemeClr val="accent1"/>
-          </a:lnRef>
-          <a:fillRef idx="0">
-            <a:schemeClr val="accent1"/>
-          </a:fillRef>
-          <a:effectRef idx="0">
-            <a:schemeClr val="accent1"/>
-          </a:effectRef>
-          <a:fontRef idx="minor">
-            <a:schemeClr val="tx1"/>
-          </a:fontRef>
-        </p:style>
-      </p:cxnSp>
-      <p:cxnSp>
-        <p:nvCxnSpPr>
-          <p:cNvPr id="355" name="肘形连接符 354"/>
-          <p:cNvCxnSpPr>
-            <a:stCxn id="93" idx="2"/>
-            <a:endCxn id="164" idx="3"/>
-          </p:cNvCxnSpPr>
-          <p:nvPr/>
-        </p:nvCxnSpPr>
-        <p:spPr>
-          <a:xfrm rot="5400000">
-            <a:off x="8253053" y="3830448"/>
-            <a:ext cx="1310397" cy="2116060"/>
-          </a:xfrm>
-          <a:prstGeom prst="bentConnector2">
-            <a:avLst/>
-          </a:prstGeom>
-          <a:ln>
-            <a:tailEnd type="triangle"/>
-          </a:ln>
-        </p:spPr>
-        <p:style>
-          <a:lnRef idx="1">
-            <a:schemeClr val="accent1"/>
-          </a:lnRef>
-          <a:fillRef idx="0">
-            <a:schemeClr val="accent1"/>
-          </a:fillRef>
-          <a:effectRef idx="0">
-            <a:schemeClr val="accent1"/>
-          </a:effectRef>
-          <a:fontRef idx="minor">
-            <a:schemeClr val="tx1"/>
-          </a:fontRef>
-        </p:style>
-      </p:cxnSp>
-      <p:sp>
-        <p:nvSpPr>
-          <p:cNvPr id="356" name="文本框 355"/>
-          <p:cNvSpPr txBox="1"/>
-          <p:nvPr/>
-        </p:nvSpPr>
-        <p:spPr>
-          <a:xfrm>
-            <a:off x="5121748" y="5524742"/>
-            <a:ext cx="349776" cy="369332"/>
-          </a:xfrm>
-          <a:prstGeom prst="rect">
-            <a:avLst/>
-          </a:prstGeom>
-          <a:noFill/>
-        </p:spPr>
-        <p:txBody>
-          <a:bodyPr wrap="none" rtlCol="0">
-            <a:spAutoFit/>
-          </a:bodyPr>
-          <a:lstStyle/>
-          <a:p>
-            <a:r>
-              <a:rPr lang="en-US" altLang="zh-CN" dirty="0" smtClean="0"/>
-              <a:t>%</a:t>
-            </a:r>
-            <a:endParaRPr lang="zh-CN" altLang="en-US" dirty="0"/>
-          </a:p>
-        </p:txBody>
-      </p:sp>
-      <p:sp>
-        <p:nvSpPr>
-          <p:cNvPr id="386" name="矩形 385"/>
-          <p:cNvSpPr/>
-          <p:nvPr/>
-        </p:nvSpPr>
-        <p:spPr>
-          <a:xfrm>
-            <a:off x="7652214" y="1142906"/>
-            <a:ext cx="876202" cy="774363"/>
-          </a:xfrm>
-          <a:prstGeom prst="rect">
-            <a:avLst/>
-          </a:prstGeom>
-          <a:noFill/>
-          <a:ln>
-            <a:solidFill>
-              <a:schemeClr val="tx1"/>
-            </a:solidFill>
-          </a:ln>
-        </p:spPr>
-        <p:style>
-          <a:lnRef idx="2">
-            <a:schemeClr val="accent1">
-              <a:shade val="50000"/>
-            </a:schemeClr>
-          </a:lnRef>
-          <a:fillRef idx="1">
-            <a:schemeClr val="accent1"/>
-          </a:fillRef>
-          <a:effectRef idx="0">
-            <a:schemeClr val="accent1"/>
-          </a:effectRef>
-          <a:fontRef idx="minor">
-            <a:schemeClr val="lt1"/>
-          </a:fontRef>
-        </p:style>
-        <p:txBody>
-          <a:bodyPr rtlCol="0" anchor="ctr"/>
-          <a:lstStyle/>
-          <a:p>
-            <a:pPr algn="ctr"/>
-            <a:r>
-              <a:rPr lang="en-US" altLang="zh-CN" sz="1200" dirty="0" smtClean="0">
-                <a:solidFill>
-                  <a:schemeClr val="tx1"/>
-                </a:solidFill>
-              </a:rPr>
-              <a:t>RegEx</a:t>
-            </a:r>
-          </a:p>
-          <a:p>
-            <a:pPr algn="ctr"/>
-            <a:r>
-              <a:rPr lang="en-US" altLang="zh-CN" sz="1200" dirty="0" smtClean="0">
-                <a:solidFill>
-                  <a:schemeClr val="tx1"/>
-                </a:solidFill>
-              </a:rPr>
-              <a:t>if(40-100)?</a:t>
-            </a:r>
-          </a:p>
-          <a:p>
-            <a:pPr algn="ctr"/>
-            <a:r>
-              <a:rPr lang="en-US" altLang="zh-CN" sz="1200" dirty="0" smtClean="0">
-                <a:solidFill>
-                  <a:schemeClr val="tx1"/>
-                </a:solidFill>
-              </a:rPr>
-              <a:t>0:1</a:t>
-            </a:r>
-            <a:endParaRPr lang="zh-CN" altLang="en-US" sz="1200" dirty="0">
-              <a:solidFill>
-                <a:schemeClr val="tx1"/>
-              </a:solidFill>
-            </a:endParaRPr>
-          </a:p>
-        </p:txBody>
-      </p:sp>
-      <p:cxnSp>
-        <p:nvCxnSpPr>
-          <p:cNvPr id="391" name="直接箭头连接符 390"/>
-          <p:cNvCxnSpPr>
-            <a:stCxn id="112" idx="3"/>
-            <a:endCxn id="105" idx="1"/>
-          </p:cNvCxnSpPr>
-          <p:nvPr/>
-        </p:nvCxnSpPr>
-        <p:spPr>
-          <a:xfrm flipV="1">
-            <a:off x="6790132" y="579177"/>
-            <a:ext cx="835100" cy="2036082"/>
-          </a:xfrm>
-          <a:prstGeom prst="straightConnector1">
-            <a:avLst/>
-          </a:prstGeom>
-          <a:ln>
-            <a:tailEnd type="triangle"/>
-          </a:ln>
-        </p:spPr>
-        <p:style>
-          <a:lnRef idx="1">
-            <a:schemeClr val="accent1"/>
-          </a:lnRef>
-          <a:fillRef idx="0">
-            <a:schemeClr val="accent1"/>
-          </a:fillRef>
-          <a:effectRef idx="0">
-            <a:schemeClr val="accent1"/>
-          </a:effectRef>
-          <a:fontRef idx="minor">
-            <a:schemeClr val="tx1"/>
-          </a:fontRef>
-        </p:style>
-      </p:cxnSp>
-      <p:sp>
-        <p:nvSpPr>
-          <p:cNvPr id="419" name="矩形 418"/>
-          <p:cNvSpPr/>
-          <p:nvPr/>
-        </p:nvSpPr>
-        <p:spPr>
-          <a:xfrm>
-            <a:off x="5655954" y="1232393"/>
-            <a:ext cx="733330" cy="695179"/>
-          </a:xfrm>
-          <a:prstGeom prst="rect">
-            <a:avLst/>
-          </a:prstGeom>
-          <a:noFill/>
-          <a:ln>
-            <a:solidFill>
-              <a:schemeClr val="tx1"/>
-            </a:solidFill>
-          </a:ln>
-        </p:spPr>
-        <p:style>
-          <a:lnRef idx="2">
-            <a:schemeClr val="accent1">
-              <a:shade val="50000"/>
-            </a:schemeClr>
-          </a:lnRef>
-          <a:fillRef idx="1">
-            <a:schemeClr val="accent1"/>
-          </a:fillRef>
-          <a:effectRef idx="0">
-            <a:schemeClr val="accent1"/>
-          </a:effectRef>
-          <a:fontRef idx="minor">
-            <a:schemeClr val="lt1"/>
-          </a:fontRef>
-        </p:style>
-        <p:txBody>
-          <a:bodyPr rtlCol="0" anchor="ctr"/>
-          <a:lstStyle/>
-          <a:p>
-            <a:pPr algn="ctr"/>
-            <a:r>
-              <a:rPr lang="en-US" altLang="zh-CN" dirty="0" smtClean="0">
-                <a:solidFill>
-                  <a:schemeClr val="tx1"/>
-                </a:solidFill>
-              </a:rPr>
-              <a:t>Relay</a:t>
-            </a:r>
-            <a:endParaRPr lang="zh-CN" altLang="en-US" dirty="0">
-              <a:solidFill>
-                <a:schemeClr val="tx1"/>
-              </a:solidFill>
-            </a:endParaRPr>
-          </a:p>
-        </p:txBody>
-      </p:sp>
-      <p:cxnSp>
-        <p:nvCxnSpPr>
-          <p:cNvPr id="432" name="直接箭头连接符 431"/>
-          <p:cNvCxnSpPr>
-            <a:stCxn id="201" idx="3"/>
-            <a:endCxn id="77" idx="1"/>
-          </p:cNvCxnSpPr>
-          <p:nvPr/>
-        </p:nvCxnSpPr>
-        <p:spPr>
-          <a:xfrm flipV="1">
-            <a:off x="3618228" y="587883"/>
-            <a:ext cx="2087552" cy="3328180"/>
-          </a:xfrm>
-          <a:prstGeom prst="straightConnector1">
-            <a:avLst/>
-          </a:prstGeom>
-          <a:ln>
-            <a:solidFill>
-              <a:srgbClr val="FF0000"/>
-            </a:solidFill>
-            <a:tailEnd type="triangle"/>
-          </a:ln>
-        </p:spPr>
-        <p:style>
-          <a:lnRef idx="1">
-            <a:schemeClr val="accent1"/>
-          </a:lnRef>
-          <a:fillRef idx="0">
-            <a:schemeClr val="accent1"/>
-          </a:fillRef>
-          <a:effectRef idx="0">
-            <a:schemeClr val="accent1"/>
-          </a:effectRef>
-          <a:fontRef idx="minor">
-            <a:schemeClr val="tx1"/>
-          </a:fontRef>
-        </p:style>
-      </p:cxnSp>
-      <p:cxnSp>
-        <p:nvCxnSpPr>
-          <p:cNvPr id="434" name="直接箭头连接符 433"/>
-          <p:cNvCxnSpPr>
-            <a:stCxn id="105" idx="1"/>
-            <a:endCxn id="77" idx="3"/>
-          </p:cNvCxnSpPr>
-          <p:nvPr/>
-        </p:nvCxnSpPr>
-        <p:spPr>
-          <a:xfrm flipH="1">
-            <a:off x="6439110" y="579177"/>
-            <a:ext cx="1186122" cy="8706"/>
-          </a:xfrm>
-          <a:prstGeom prst="straightConnector1">
-            <a:avLst/>
-          </a:prstGeom>
-          <a:ln>
-            <a:tailEnd type="triangle"/>
-          </a:ln>
-        </p:spPr>
-        <p:style>
-          <a:lnRef idx="1">
-            <a:schemeClr val="accent1"/>
-          </a:lnRef>
-          <a:fillRef idx="0">
-            <a:schemeClr val="accent1"/>
-          </a:fillRef>
-          <a:effectRef idx="0">
-            <a:schemeClr val="accent1"/>
-          </a:effectRef>
-          <a:fontRef idx="minor">
-            <a:schemeClr val="tx1"/>
-          </a:fontRef>
-        </p:style>
-      </p:cxnSp>
-      <p:cxnSp>
-        <p:nvCxnSpPr>
-          <p:cNvPr id="436" name="直接箭头连接符 435"/>
-          <p:cNvCxnSpPr>
-            <a:stCxn id="386" idx="1"/>
-            <a:endCxn id="419" idx="3"/>
-          </p:cNvCxnSpPr>
-          <p:nvPr/>
-        </p:nvCxnSpPr>
-        <p:spPr>
-          <a:xfrm flipH="1">
-            <a:off x="6389284" y="1530088"/>
-            <a:ext cx="1262930" cy="49895"/>
-          </a:xfrm>
-          <a:prstGeom prst="straightConnector1">
-            <a:avLst/>
-          </a:prstGeom>
-          <a:ln>
-            <a:tailEnd type="triangle"/>
-          </a:ln>
-        </p:spPr>
-        <p:style>
-          <a:lnRef idx="1">
-            <a:schemeClr val="accent1"/>
-          </a:lnRef>
-          <a:fillRef idx="0">
-            <a:schemeClr val="accent1"/>
-          </a:fillRef>
-          <a:effectRef idx="0">
-            <a:schemeClr val="accent1"/>
-          </a:effectRef>
-          <a:fontRef idx="minor">
-            <a:schemeClr val="tx1"/>
-          </a:fontRef>
-        </p:style>
-      </p:cxnSp>
-      <p:sp>
-        <p:nvSpPr>
-          <p:cNvPr id="438" name="矩形 437"/>
-          <p:cNvSpPr/>
-          <p:nvPr/>
-        </p:nvSpPr>
-        <p:spPr>
-          <a:xfrm>
-            <a:off x="3552302" y="881295"/>
-            <a:ext cx="1305603" cy="488326"/>
-          </a:xfrm>
-          <a:prstGeom prst="rect">
-            <a:avLst/>
-          </a:prstGeom>
-          <a:noFill/>
-          <a:ln>
-            <a:solidFill>
-              <a:schemeClr val="tx1"/>
-            </a:solidFill>
-          </a:ln>
-        </p:spPr>
-        <p:style>
-          <a:lnRef idx="2">
-            <a:schemeClr val="accent1">
-              <a:shade val="50000"/>
-            </a:schemeClr>
-          </a:lnRef>
-          <a:fillRef idx="1">
-            <a:schemeClr val="accent1"/>
-          </a:fillRef>
-          <a:effectRef idx="0">
-            <a:schemeClr val="accent1"/>
-          </a:effectRef>
-          <a:fontRef idx="minor">
-            <a:schemeClr val="lt1"/>
-          </a:fontRef>
-        </p:style>
-        <p:txBody>
-          <a:bodyPr rtlCol="0" anchor="ctr"/>
-          <a:lstStyle/>
-          <a:p>
-            <a:pPr algn="ctr"/>
-            <a:r>
-              <a:rPr lang="en-US" altLang="zh-CN" dirty="0" smtClean="0">
-                <a:solidFill>
-                  <a:schemeClr val="tx1"/>
-                </a:solidFill>
-              </a:rPr>
-              <a:t>Diving+light</a:t>
-            </a:r>
-          </a:p>
-          <a:p>
-            <a:pPr algn="ctr"/>
-            <a:r>
-              <a:rPr lang="en-US" altLang="zh-CN" dirty="0" smtClean="0">
-                <a:solidFill>
-                  <a:schemeClr val="tx1"/>
-                </a:solidFill>
-              </a:rPr>
-              <a:t>500</a:t>
-            </a:r>
-            <a:endParaRPr lang="zh-CN" altLang="en-US" dirty="0">
-              <a:solidFill>
-                <a:schemeClr val="tx1"/>
-              </a:solidFill>
-            </a:endParaRPr>
-          </a:p>
-        </p:txBody>
-      </p:sp>
-      <p:cxnSp>
-        <p:nvCxnSpPr>
-          <p:cNvPr id="440" name="直接箭头连接符 439"/>
-          <p:cNvCxnSpPr>
-            <a:stCxn id="419" idx="1"/>
-            <a:endCxn id="438" idx="3"/>
-          </p:cNvCxnSpPr>
-          <p:nvPr/>
-        </p:nvCxnSpPr>
-        <p:spPr>
-          <a:xfrm flipH="1" flipV="1">
-            <a:off x="4857905" y="1125458"/>
-            <a:ext cx="798049" cy="454525"/>
-          </a:xfrm>
-          <a:prstGeom prst="straightConnector1">
-            <a:avLst/>
-          </a:prstGeom>
-          <a:ln>
-            <a:solidFill>
-              <a:srgbClr val="FF0000"/>
-            </a:solidFill>
-            <a:tailEnd type="triangle"/>
-          </a:ln>
-        </p:spPr>
-        <p:style>
-          <a:lnRef idx="1">
-            <a:schemeClr val="accent1"/>
-          </a:lnRef>
-          <a:fillRef idx="0">
-            <a:schemeClr val="accent1"/>
-          </a:fillRef>
-          <a:effectRef idx="0">
-            <a:schemeClr val="accent1"/>
-          </a:effectRef>
-          <a:fontRef idx="minor">
-            <a:schemeClr val="tx1"/>
-          </a:fontRef>
-        </p:style>
-      </p:cxnSp>
-      <p:cxnSp>
-        <p:nvCxnSpPr>
-          <p:cNvPr id="468" name="直接箭头连接符 467"/>
-          <p:cNvCxnSpPr>
-            <a:stCxn id="106" idx="2"/>
-            <a:endCxn id="42" idx="0"/>
-          </p:cNvCxnSpPr>
-          <p:nvPr/>
-        </p:nvCxnSpPr>
-        <p:spPr>
-          <a:xfrm flipH="1">
-            <a:off x="7156630" y="2943659"/>
-            <a:ext cx="1443705" cy="716826"/>
-          </a:xfrm>
-          <a:prstGeom prst="straightConnector1">
-            <a:avLst/>
-          </a:prstGeom>
-          <a:ln>
-            <a:tailEnd type="triangle"/>
-          </a:ln>
-        </p:spPr>
-        <p:style>
-          <a:lnRef idx="1">
-            <a:schemeClr val="accent1"/>
-          </a:lnRef>
-          <a:fillRef idx="0">
-            <a:schemeClr val="accent1"/>
-          </a:fillRef>
-          <a:effectRef idx="0">
-            <a:schemeClr val="accent1"/>
-          </a:effectRef>
-          <a:fontRef idx="minor">
-            <a:schemeClr val="tx1"/>
-          </a:fontRef>
-        </p:style>
-      </p:cxnSp>
-      <p:cxnSp>
-        <p:nvCxnSpPr>
-          <p:cNvPr id="487" name="肘形连接符 486"/>
-          <p:cNvCxnSpPr>
-            <a:stCxn id="635" idx="3"/>
-            <a:endCxn id="126" idx="2"/>
-          </p:cNvCxnSpPr>
-          <p:nvPr/>
-        </p:nvCxnSpPr>
-        <p:spPr>
-          <a:xfrm flipH="1">
-            <a:off x="7488190" y="1266857"/>
-            <a:ext cx="2736966" cy="1676802"/>
-          </a:xfrm>
-          <a:prstGeom prst="bentConnector4">
-            <a:avLst>
-              <a:gd name="adj1" fmla="val -8352"/>
-              <a:gd name="adj2" fmla="val 113633"/>
-            </a:avLst>
-          </a:prstGeom>
-          <a:ln>
-            <a:tailEnd type="triangle"/>
-          </a:ln>
-        </p:spPr>
-        <p:style>
-          <a:lnRef idx="1">
-            <a:schemeClr val="accent1"/>
-          </a:lnRef>
-          <a:fillRef idx="0">
-            <a:schemeClr val="accent1"/>
-          </a:fillRef>
-          <a:effectRef idx="0">
-            <a:schemeClr val="accent1"/>
-          </a:effectRef>
-          <a:fontRef idx="minor">
-            <a:schemeClr val="tx1"/>
-          </a:fontRef>
-        </p:style>
-      </p:cxnSp>
-      <p:cxnSp>
-        <p:nvCxnSpPr>
-          <p:cNvPr id="545" name="直接箭头连接符 544"/>
-          <p:cNvCxnSpPr>
-            <a:stCxn id="112" idx="3"/>
-            <a:endCxn id="126" idx="1"/>
-          </p:cNvCxnSpPr>
-          <p:nvPr/>
-        </p:nvCxnSpPr>
-        <p:spPr>
-          <a:xfrm flipV="1">
-            <a:off x="6790132" y="2596070"/>
-            <a:ext cx="331393" cy="19189"/>
-          </a:xfrm>
-          <a:prstGeom prst="straightConnector1">
-            <a:avLst/>
-          </a:prstGeom>
-          <a:ln>
-            <a:tailEnd type="triangle"/>
-          </a:ln>
-        </p:spPr>
-        <p:style>
-          <a:lnRef idx="1">
-            <a:schemeClr val="accent1"/>
-          </a:lnRef>
-          <a:fillRef idx="0">
-            <a:schemeClr val="accent1"/>
-          </a:fillRef>
-          <a:effectRef idx="0">
-            <a:schemeClr val="accent1"/>
-          </a:effectRef>
-          <a:fontRef idx="minor">
-            <a:schemeClr val="tx1"/>
-          </a:fontRef>
-        </p:style>
-      </p:cxnSp>
-      <p:cxnSp>
-        <p:nvCxnSpPr>
-          <p:cNvPr id="572" name="直接箭头连接符 571"/>
-          <p:cNvCxnSpPr>
-            <a:stCxn id="112" idx="3"/>
-            <a:endCxn id="635" idx="1"/>
-          </p:cNvCxnSpPr>
-          <p:nvPr/>
-        </p:nvCxnSpPr>
-        <p:spPr>
-          <a:xfrm flipV="1">
-            <a:off x="6790132" y="1266857"/>
-            <a:ext cx="2558822" cy="1348402"/>
-          </a:xfrm>
-          <a:prstGeom prst="straightConnector1">
-            <a:avLst/>
-          </a:prstGeom>
-          <a:ln>
-            <a:tailEnd type="triangle"/>
-          </a:ln>
-        </p:spPr>
-        <p:style>
-          <a:lnRef idx="1">
-            <a:schemeClr val="accent1"/>
-          </a:lnRef>
-          <a:fillRef idx="0">
-            <a:schemeClr val="accent1"/>
-          </a:fillRef>
-          <a:effectRef idx="0">
-            <a:schemeClr val="accent1"/>
-          </a:effectRef>
-          <a:fontRef idx="minor">
-            <a:schemeClr val="tx1"/>
-          </a:fontRef>
-        </p:style>
-      </p:cxnSp>
-      <p:sp>
-        <p:nvSpPr>
-          <p:cNvPr id="635" name="矩形 634"/>
-          <p:cNvSpPr/>
-          <p:nvPr/>
-        </p:nvSpPr>
-        <p:spPr>
-          <a:xfrm>
-            <a:off x="9348954" y="879675"/>
-            <a:ext cx="876202" cy="774363"/>
-          </a:xfrm>
-          <a:prstGeom prst="rect">
-            <a:avLst/>
-          </a:prstGeom>
-          <a:noFill/>
-          <a:ln>
-            <a:solidFill>
-              <a:schemeClr val="tx1"/>
-            </a:solidFill>
-          </a:ln>
-        </p:spPr>
-        <p:style>
-          <a:lnRef idx="2">
-            <a:schemeClr val="accent1">
-              <a:shade val="50000"/>
-            </a:schemeClr>
-          </a:lnRef>
-          <a:fillRef idx="1">
-            <a:schemeClr val="accent1"/>
-          </a:fillRef>
-          <a:effectRef idx="0">
-            <a:schemeClr val="accent1"/>
-          </a:effectRef>
-          <a:fontRef idx="minor">
-            <a:schemeClr val="lt1"/>
-          </a:fontRef>
-        </p:style>
-        <p:txBody>
-          <a:bodyPr rtlCol="0" anchor="ctr"/>
-          <a:lstStyle/>
-          <a:p>
-            <a:pPr algn="ctr"/>
-            <a:r>
-              <a:rPr lang="en-US" altLang="zh-CN" sz="1200" dirty="0" smtClean="0">
-                <a:solidFill>
-                  <a:schemeClr val="tx1"/>
-                </a:solidFill>
-              </a:rPr>
-              <a:t>RegEx</a:t>
-            </a:r>
-          </a:p>
-          <a:p>
-            <a:pPr algn="ctr"/>
-            <a:r>
-              <a:rPr lang="en-US" altLang="zh-CN" sz="1200" dirty="0" smtClean="0">
-                <a:solidFill>
-                  <a:schemeClr val="tx1"/>
-                </a:solidFill>
-              </a:rPr>
-              <a:t>if(40-59)?</a:t>
-            </a:r>
-          </a:p>
-          <a:p>
-            <a:pPr algn="ctr"/>
-            <a:r>
-              <a:rPr lang="en-US" altLang="zh-CN" sz="1200" dirty="0" smtClean="0">
-                <a:solidFill>
-                  <a:schemeClr val="tx1"/>
-                </a:solidFill>
-              </a:rPr>
-              <a:t>20:40</a:t>
-            </a:r>
-            <a:endParaRPr lang="zh-CN" altLang="en-US" sz="1200" dirty="0">
-              <a:solidFill>
-                <a:schemeClr val="tx1"/>
-              </a:solidFill>
-            </a:endParaRPr>
-          </a:p>
-        </p:txBody>
-      </p:sp>
     </p:spTree>
     <p:extLst>
       <p:ext uri="{BB962C8B-B14F-4D97-AF65-F5344CB8AC3E}">
-        <p14:creationId xmlns:p14="http://schemas.microsoft.com/office/powerpoint/2010/main" val="2982580884"/>
+        <p14:creationId xmlns:p14="http://schemas.microsoft.com/office/powerpoint/2010/main" val="30317892"/>
       </p:ext>
     </p:extLst>
   </p:cSld>
@@ -24081,44 +20260,7 @@
     </p:spTree>
     <p:extLst>
       <p:ext uri="{BB962C8B-B14F-4D97-AF65-F5344CB8AC3E}">
-        <p14:creationId xmlns:p14="http://schemas.microsoft.com/office/powerpoint/2010/main" val="902403353"/>
-      </p:ext>
-    </p:extLst>
-  </p:cSld>
-  <p:clrMapOvr>
-    <a:masterClrMapping/>
-  </p:clrMapOvr>
-  <p:timing>
-    <p:tnLst>
-      <p:par>
-        <p:cTn id="1" dur="indefinite" restart="never" nodeType="tmRoot"/>
-      </p:par>
-    </p:tnLst>
-  </p:timing>
-</p:sld>
-</file>
-
-<file path=ppt/slides/slide9.xml><?xml version="1.0" encoding="utf-8"?>
-<p:sld xmlns:a="http://schemas.openxmlformats.org/drawingml/2006/main" xmlns:r="http://schemas.openxmlformats.org/officeDocument/2006/relationships" xmlns:p="http://schemas.openxmlformats.org/presentationml/2006/main">
-  <p:cSld>
-    <p:spTree>
-      <p:nvGrpSpPr>
-        <p:cNvPr id="1" name=""/>
-        <p:cNvGrpSpPr/>
-        <p:nvPr/>
-      </p:nvGrpSpPr>
-      <p:grpSpPr>
-        <a:xfrm>
-          <a:off x="0" y="0"/>
-          <a:ext cx="0" cy="0"/>
-          <a:chOff x="0" y="0"/>
-          <a:chExt cx="0" cy="0"/>
-        </a:xfrm>
-      </p:grpSpPr>
-    </p:spTree>
-    <p:extLst>
-      <p:ext uri="{BB962C8B-B14F-4D97-AF65-F5344CB8AC3E}">
-        <p14:creationId xmlns:p14="http://schemas.microsoft.com/office/powerpoint/2010/main" val="30317892"/>
+        <p14:creationId xmlns:p14="http://schemas.microsoft.com/office/powerpoint/2010/main" val="2713135101"/>
       </p:ext>
     </p:extLst>
   </p:cSld>
